--- a/b609/lec02.pptx
+++ b/b609/lec02.pptx
@@ -27,9 +27,6 @@
     <p:sldId id="275" r:id="rId21"/>
     <p:sldId id="276" r:id="rId22"/>
     <p:sldId id="277" r:id="rId23"/>
-    <p:sldId id="278" r:id="rId24"/>
-    <p:sldId id="279" r:id="rId25"/>
-    <p:sldId id="280" r:id="rId26"/>
   </p:sldIdLst>
   <p:sldSz cx="9144000" cy="6858000" type="screen4x3"/>
   <p:notesSz cx="6858000" cy="9144000"/>
@@ -3265,7 +3262,15 @@
             <a:pPr algn="ctr"/>
             <a:r>
               <a:rPr lang="en-US" sz="4400" b="1" dirty="0" smtClean="0"/>
-              <a:t>Lecture 3: High-Dimensional Space</a:t>
+              <a:t>Lecture </a:t>
+            </a:r>
+            <a:r>
+              <a:rPr lang="en-US" sz="4400" b="1" dirty="0" smtClean="0"/>
+              <a:t>3/4: </a:t>
+            </a:r>
+            <a:r>
+              <a:rPr lang="en-US" sz="4400" b="1" dirty="0" smtClean="0"/>
+              <a:t>High-Dimensional Space</a:t>
             </a:r>
             <a:endParaRPr lang="en-US" sz="4400" b="1" dirty="0"/>
           </a:p>
@@ -22982,6536 +22987,6 @@
       <p:bldP spid="3" grpId="0" uiExpand="1" build="p"/>
       <p:bldP spid="4" grpId="0"/>
       <p:bldP spid="5" grpId="0" animBg="1"/>
-    </p:bldLst>
-  </p:timing>
-</p:sld>
-</file>
-
-<file path=ppt/slides/slide23.xml><?xml version="1.0" encoding="utf-8"?>
-<p:sld xmlns:a="http://schemas.openxmlformats.org/drawingml/2006/main" xmlns:r="http://schemas.openxmlformats.org/officeDocument/2006/relationships" xmlns:p="http://schemas.openxmlformats.org/presentationml/2006/main">
-  <p:cSld>
-    <p:spTree>
-      <p:nvGrpSpPr>
-        <p:cNvPr id="1" name=""/>
-        <p:cNvGrpSpPr/>
-        <p:nvPr/>
-      </p:nvGrpSpPr>
-      <p:grpSpPr>
-        <a:xfrm>
-          <a:off x="0" y="0"/>
-          <a:ext cx="0" cy="0"/>
-          <a:chOff x="0" y="0"/>
-          <a:chExt cx="0" cy="0"/>
-        </a:xfrm>
-      </p:grpSpPr>
-      <p:sp>
-        <p:nvSpPr>
-          <p:cNvPr id="2" name="Title 1"/>
-          <p:cNvSpPr>
-            <a:spLocks noGrp="1"/>
-          </p:cNvSpPr>
-          <p:nvPr>
-            <p:ph type="title"/>
-          </p:nvPr>
-        </p:nvSpPr>
-        <p:spPr>
-          <a:xfrm>
-            <a:off x="228600" y="274638"/>
-            <a:ext cx="8686800" cy="1143000"/>
-          </a:xfrm>
-        </p:spPr>
-        <p:txBody>
-          <a:bodyPr>
-            <a:noAutofit/>
-          </a:bodyPr>
-          <a:lstStyle/>
-          <a:p>
-            <a:r>
-              <a:rPr lang="en-US" sz="3600" dirty="0" smtClean="0">
-                <a:solidFill>
-                  <a:srgbClr val="0070C0"/>
-                </a:solidFill>
-              </a:rPr>
-              <a:t>Nearest Neighbors and Random Projections</a:t>
-            </a:r>
-            <a:endParaRPr lang="en-US" sz="3600" dirty="0">
-              <a:solidFill>
-                <a:srgbClr val="0070C0"/>
-              </a:solidFill>
-            </a:endParaRPr>
-          </a:p>
-        </p:txBody>
-      </p:sp>
-      <mc:AlternateContent xmlns:mc="http://schemas.openxmlformats.org/markup-compatibility/2006">
-        <mc:Choice xmlns:a14="http://schemas.microsoft.com/office/drawing/2010/main" Requires="a14">
-          <p:sp>
-            <p:nvSpPr>
-              <p:cNvPr id="3" name="Content Placeholder 2"/>
-              <p:cNvSpPr>
-                <a:spLocks noGrp="1"/>
-              </p:cNvSpPr>
-              <p:nvPr>
-                <p:ph idx="1"/>
-              </p:nvPr>
-            </p:nvSpPr>
-            <p:spPr>
-              <a:xfrm>
-                <a:off x="304800" y="1409700"/>
-                <a:ext cx="8839200" cy="5372100"/>
-              </a:xfrm>
-            </p:spPr>
-            <p:txBody>
-              <a:bodyPr>
-                <a:normAutofit fontScale="92500"/>
-              </a:bodyPr>
-              <a:lstStyle/>
-              <a:p>
-                <a:r>
-                  <a:rPr lang="en-US" dirty="0" smtClean="0"/>
-                  <a:t>Given a database </a:t>
-                </a:r>
-                <a14:m>
-                  <m:oMath xmlns:m="http://schemas.openxmlformats.org/officeDocument/2006/math">
-                    <m:r>
-                      <a:rPr lang="en-US" b="1" i="1" dirty="0" smtClean="0">
-                        <a:latin typeface="Cambria Math"/>
-                      </a:rPr>
-                      <m:t>𝑨</m:t>
-                    </m:r>
-                  </m:oMath>
-                </a14:m>
-                <a:r>
-                  <a:rPr lang="en-US" dirty="0" smtClean="0"/>
-                  <a:t> of </a:t>
-                </a:r>
-                <a14:m>
-                  <m:oMath xmlns:m="http://schemas.openxmlformats.org/officeDocument/2006/math">
-                    <m:r>
-                      <a:rPr lang="en-US" b="0" i="1" smtClean="0">
-                        <a:latin typeface="Cambria Math"/>
-                      </a:rPr>
-                      <m:t>𝑛</m:t>
-                    </m:r>
-                  </m:oMath>
-                </a14:m>
-                <a:r>
-                  <a:rPr lang="en-US" dirty="0" smtClean="0"/>
-                  <a:t> points in </a:t>
-                </a:r>
-                <a14:m>
-                  <m:oMath xmlns:m="http://schemas.openxmlformats.org/officeDocument/2006/math">
-                    <m:sSup>
-                      <m:sSupPr>
-                        <m:ctrlPr>
-                          <a:rPr lang="en-US" b="0" i="1" dirty="0" smtClean="0">
-                            <a:latin typeface="Cambria Math"/>
-                            <a:ea typeface="Cambria Math"/>
-                          </a:rPr>
-                        </m:ctrlPr>
-                      </m:sSupPr>
-                      <m:e>
-                        <m:r>
-                          <a:rPr lang="en-US" i="1" dirty="0" smtClean="0">
-                            <a:latin typeface="Cambria Math"/>
-                            <a:ea typeface="Cambria Math"/>
-                          </a:rPr>
-                          <m:t>ℝ</m:t>
-                        </m:r>
-                      </m:e>
-                      <m:sup>
-                        <m:r>
-                          <a:rPr lang="en-US" b="1" i="1" dirty="0" smtClean="0">
-                            <a:solidFill>
-                              <a:srgbClr val="0070C0"/>
-                            </a:solidFill>
-                            <a:latin typeface="Cambria Math"/>
-                            <a:ea typeface="Cambria Math"/>
-                          </a:rPr>
-                          <m:t>𝒅</m:t>
-                        </m:r>
-                      </m:sup>
-                    </m:sSup>
-                  </m:oMath>
-                </a14:m>
-                <a:endParaRPr lang="en-US" dirty="0" smtClean="0"/>
-              </a:p>
-              <a:p>
-                <a:pPr lvl="1"/>
-                <a:r>
-                  <a:rPr lang="en-US" dirty="0" smtClean="0"/>
-                  <a:t>Preprocess</a:t>
-                </a:r>
-                <a:r>
-                  <a:rPr lang="en-US" b="1" dirty="0"/>
-                  <a:t> </a:t>
-                </a:r>
-                <a14:m>
-                  <m:oMath xmlns:m="http://schemas.openxmlformats.org/officeDocument/2006/math">
-                    <m:r>
-                      <a:rPr lang="en-US" b="1" i="1" dirty="0">
-                        <a:latin typeface="Cambria Math"/>
-                      </a:rPr>
-                      <m:t>𝑨</m:t>
-                    </m:r>
-                  </m:oMath>
-                </a14:m>
-                <a:r>
-                  <a:rPr lang="en-US" dirty="0" smtClean="0"/>
-                  <a:t> into a small data structure </a:t>
-                </a:r>
-                <a14:m>
-                  <m:oMath xmlns:m="http://schemas.openxmlformats.org/officeDocument/2006/math">
-                    <m:r>
-                      <a:rPr lang="en-US" b="1" i="1" dirty="0" smtClean="0">
-                        <a:latin typeface="Cambria Math"/>
-                      </a:rPr>
-                      <m:t>𝑫</m:t>
-                    </m:r>
-                  </m:oMath>
-                </a14:m>
-                <a:endParaRPr lang="en-US" dirty="0" smtClean="0"/>
-              </a:p>
-              <a:p>
-                <a:pPr lvl="1"/>
-                <a:r>
-                  <a:rPr lang="en-US" dirty="0" smtClean="0"/>
-                  <a:t>Should answer following queries fast: </a:t>
-                </a:r>
-              </a:p>
-              <a:p>
-                <a:pPr marL="0" indent="0">
-                  <a:buNone/>
-                </a:pPr>
-                <a:r>
-                  <a:rPr lang="en-US" sz="2800" dirty="0" smtClean="0"/>
-                  <a:t>Given </a:t>
-                </a:r>
-                <a14:m>
-                  <m:oMath xmlns:m="http://schemas.openxmlformats.org/officeDocument/2006/math">
-                    <m:r>
-                      <a:rPr lang="en-US" sz="2800" b="1" i="1" dirty="0" smtClean="0">
-                        <a:latin typeface="Cambria Math"/>
-                        <a:ea typeface="Cambria Math"/>
-                      </a:rPr>
-                      <m:t>𝒒</m:t>
-                    </m:r>
-                    <m:r>
-                      <a:rPr lang="en-US" sz="2800" b="0" i="1" dirty="0" smtClean="0">
-                        <a:latin typeface="Cambria Math"/>
-                        <a:ea typeface="Cambria Math"/>
-                      </a:rPr>
-                      <m:t>∈</m:t>
-                    </m:r>
-                    <m:sSup>
-                      <m:sSupPr>
-                        <m:ctrlPr>
-                          <a:rPr lang="en-US" sz="2800" i="1" dirty="0">
-                            <a:latin typeface="Cambria Math"/>
-                            <a:ea typeface="Cambria Math"/>
-                          </a:rPr>
-                        </m:ctrlPr>
-                      </m:sSupPr>
-                      <m:e>
-                        <m:r>
-                          <a:rPr lang="en-US" sz="2800" i="1" dirty="0">
-                            <a:latin typeface="Cambria Math"/>
-                            <a:ea typeface="Cambria Math"/>
-                          </a:rPr>
-                          <m:t>ℝ</m:t>
-                        </m:r>
-                      </m:e>
-                      <m:sup>
-                        <m:r>
-                          <a:rPr lang="en-US" sz="2800" b="1" i="1" dirty="0">
-                            <a:solidFill>
-                              <a:srgbClr val="0070C0"/>
-                            </a:solidFill>
-                            <a:latin typeface="Cambria Math"/>
-                            <a:ea typeface="Cambria Math"/>
-                          </a:rPr>
-                          <m:t>𝒅</m:t>
-                        </m:r>
-                      </m:sup>
-                    </m:sSup>
-                  </m:oMath>
-                </a14:m>
-                <a:r>
-                  <a:rPr lang="en-US" sz="2800" dirty="0" smtClean="0"/>
-                  <a:t> find closest </a:t>
-                </a:r>
-                <a14:m>
-                  <m:oMath xmlns:m="http://schemas.openxmlformats.org/officeDocument/2006/math">
-                    <m:r>
-                      <a:rPr lang="en-US" sz="2800" b="1" i="1" smtClean="0">
-                        <a:latin typeface="Cambria Math"/>
-                      </a:rPr>
-                      <m:t>𝒙</m:t>
-                    </m:r>
-                    <m:r>
-                      <a:rPr lang="en-US" sz="2800" b="1" i="1" smtClean="0">
-                        <a:latin typeface="Cambria Math"/>
-                      </a:rPr>
-                      <m:t>∈</m:t>
-                    </m:r>
-                    <m:r>
-                      <a:rPr lang="en-US" sz="2800" b="1" i="1" dirty="0">
-                        <a:latin typeface="Cambria Math"/>
-                      </a:rPr>
-                      <m:t>𝑨</m:t>
-                    </m:r>
-                  </m:oMath>
-                </a14:m>
-                <a:r>
-                  <a:rPr lang="en-US" sz="2800" dirty="0" smtClean="0"/>
-                  <a:t>: </a:t>
-                </a:r>
-                <a14:m>
-                  <m:oMath xmlns:m="http://schemas.openxmlformats.org/officeDocument/2006/math">
-                    <m:r>
-                      <a:rPr lang="en-US" sz="2800" i="1" dirty="0" smtClean="0">
-                        <a:latin typeface="Cambria Math"/>
-                      </a:rPr>
-                      <m:t>𝑎𝑟𝑔𝑚𝑖</m:t>
-                    </m:r>
-                    <m:sSub>
-                      <m:sSubPr>
-                        <m:ctrlPr>
-                          <a:rPr lang="en-US" sz="2800" b="0" i="1" dirty="0" smtClean="0">
-                            <a:latin typeface="Cambria Math"/>
-                          </a:rPr>
-                        </m:ctrlPr>
-                      </m:sSubPr>
-                      <m:e>
-                        <m:r>
-                          <a:rPr lang="en-US" sz="2800" i="1" dirty="0" smtClean="0">
-                            <a:latin typeface="Cambria Math"/>
-                          </a:rPr>
-                          <m:t>𝑛</m:t>
-                        </m:r>
-                      </m:e>
-                      <m:sub>
-                        <m:r>
-                          <a:rPr lang="en-US" sz="2800" b="0" i="1" dirty="0" smtClean="0">
-                            <a:latin typeface="Cambria Math"/>
-                          </a:rPr>
-                          <m:t>𝑥</m:t>
-                        </m:r>
-                        <m:r>
-                          <a:rPr lang="en-US" sz="2800" b="0" i="1" dirty="0" smtClean="0">
-                            <a:latin typeface="Cambria Math"/>
-                          </a:rPr>
-                          <m:t>∈</m:t>
-                        </m:r>
-                        <m:r>
-                          <a:rPr lang="en-US" sz="2800" b="1" i="1" dirty="0" smtClean="0">
-                            <a:latin typeface="Cambria Math"/>
-                          </a:rPr>
-                          <m:t>𝑨</m:t>
-                        </m:r>
-                        <m:r>
-                          <a:rPr lang="en-US" sz="2800" b="0" i="1" dirty="0" smtClean="0">
-                            <a:latin typeface="Cambria Math"/>
-                          </a:rPr>
-                          <m:t> </m:t>
-                        </m:r>
-                      </m:sub>
-                    </m:sSub>
-                    <m:sSub>
-                      <m:sSubPr>
-                        <m:ctrlPr>
-                          <a:rPr lang="en-US" sz="2800" b="0" i="1" smtClean="0">
-                            <a:latin typeface="Cambria Math"/>
-                          </a:rPr>
-                        </m:ctrlPr>
-                      </m:sSubPr>
-                      <m:e>
-                        <m:d>
-                          <m:dPr>
-                            <m:begChr m:val="|"/>
-                            <m:endChr m:val="|"/>
-                            <m:ctrlPr>
-                              <a:rPr lang="en-US" sz="2800" b="0" i="1" smtClean="0">
-                                <a:latin typeface="Cambria Math"/>
-                              </a:rPr>
-                            </m:ctrlPr>
-                          </m:dPr>
-                          <m:e>
-                            <m:d>
-                              <m:dPr>
-                                <m:begChr m:val="|"/>
-                                <m:endChr m:val="|"/>
-                                <m:ctrlPr>
-                                  <a:rPr lang="en-US" sz="2800" b="0" i="1" smtClean="0">
-                                    <a:latin typeface="Cambria Math"/>
-                                  </a:rPr>
-                                </m:ctrlPr>
-                              </m:dPr>
-                              <m:e>
-                                <m:r>
-                                  <a:rPr lang="en-US" sz="2800" b="1" i="1" smtClean="0">
-                                    <a:latin typeface="Cambria Math"/>
-                                  </a:rPr>
-                                  <m:t>𝒒</m:t>
-                                </m:r>
-                                <m:r>
-                                  <a:rPr lang="en-US" sz="2800" b="0" i="1" smtClean="0">
-                                    <a:latin typeface="Cambria Math"/>
-                                  </a:rPr>
-                                  <m:t>−</m:t>
-                                </m:r>
-                                <m:r>
-                                  <a:rPr lang="en-US" sz="2800" b="1" i="1" smtClean="0">
-                                    <a:latin typeface="Cambria Math"/>
-                                  </a:rPr>
-                                  <m:t>𝒙</m:t>
-                                </m:r>
-                              </m:e>
-                            </m:d>
-                          </m:e>
-                        </m:d>
-                      </m:e>
-                      <m:sub>
-                        <m:r>
-                          <a:rPr lang="en-US" sz="2800" b="0" i="1" smtClean="0">
-                            <a:latin typeface="Cambria Math"/>
-                          </a:rPr>
-                          <m:t>2</m:t>
-                        </m:r>
-                      </m:sub>
-                    </m:sSub>
-                  </m:oMath>
-                </a14:m>
-                <a:endParaRPr lang="en-US" sz="2800" dirty="0" smtClean="0"/>
-              </a:p>
-              <a:p>
-                <a:r>
-                  <a:rPr lang="en-US" sz="2800" dirty="0" smtClean="0"/>
-                  <a:t>Project each </a:t>
-                </a:r>
-                <a14:m>
-                  <m:oMath xmlns:m="http://schemas.openxmlformats.org/officeDocument/2006/math">
-                    <m:r>
-                      <a:rPr lang="en-US" sz="2800" b="1" i="1" smtClean="0">
-                        <a:latin typeface="Cambria Math"/>
-                      </a:rPr>
-                      <m:t>𝒙</m:t>
-                    </m:r>
-                    <m:r>
-                      <a:rPr lang="en-US" sz="2800" b="0" i="1" smtClean="0">
-                        <a:latin typeface="Cambria Math"/>
-                      </a:rPr>
-                      <m:t>∈</m:t>
-                    </m:r>
-                    <m:r>
-                      <a:rPr lang="en-US" sz="2800" b="1" i="1" smtClean="0">
-                        <a:latin typeface="Cambria Math"/>
-                      </a:rPr>
-                      <m:t>𝑨</m:t>
-                    </m:r>
-                  </m:oMath>
-                </a14:m>
-                <a:r>
-                  <a:rPr lang="en-US" sz="2800" dirty="0" smtClean="0"/>
-                  <a:t> onto </a:t>
-                </a:r>
-                <a14:m>
-                  <m:oMath xmlns:m="http://schemas.openxmlformats.org/officeDocument/2006/math">
-                    <m:r>
-                      <a:rPr lang="en-US" sz="2800" b="0" i="1" smtClean="0">
-                        <a:latin typeface="Cambria Math"/>
-                      </a:rPr>
-                      <m:t>𝑓</m:t>
-                    </m:r>
-                    <m:r>
-                      <a:rPr lang="en-US" sz="2800" b="0" i="1" smtClean="0">
-                        <a:latin typeface="Cambria Math"/>
-                      </a:rPr>
-                      <m:t>(</m:t>
-                    </m:r>
-                    <m:r>
-                      <a:rPr lang="en-US" sz="2800" b="1" i="1" smtClean="0">
-                        <a:latin typeface="Cambria Math"/>
-                      </a:rPr>
-                      <m:t>𝒙</m:t>
-                    </m:r>
-                    <m:r>
-                      <a:rPr lang="en-US" sz="2800" b="0" i="1" smtClean="0">
-                        <a:latin typeface="Cambria Math"/>
-                      </a:rPr>
-                      <m:t>)</m:t>
-                    </m:r>
-                  </m:oMath>
-                </a14:m>
-                <a:r>
-                  <a:rPr lang="en-US" sz="2800" dirty="0" smtClean="0"/>
-                  <a:t>, where </a:t>
-                </a:r>
-                <a14:m>
-                  <m:oMath xmlns:m="http://schemas.openxmlformats.org/officeDocument/2006/math">
-                    <m:r>
-                      <a:rPr lang="en-US" sz="2400" b="0" i="1" smtClean="0">
-                        <a:latin typeface="Cambria Math"/>
-                      </a:rPr>
-                      <m:t>𝑓</m:t>
-                    </m:r>
-                    <m:r>
-                      <a:rPr lang="en-US" sz="2400" b="0" i="1" smtClean="0">
-                        <a:latin typeface="Cambria Math"/>
-                      </a:rPr>
-                      <m:t>:</m:t>
-                    </m:r>
-                    <m:sSup>
-                      <m:sSupPr>
-                        <m:ctrlPr>
-                          <a:rPr lang="en-US" sz="2800" i="1" dirty="0">
-                            <a:latin typeface="Cambria Math"/>
-                            <a:ea typeface="Cambria Math"/>
-                          </a:rPr>
-                        </m:ctrlPr>
-                      </m:sSupPr>
-                      <m:e>
-                        <m:r>
-                          <a:rPr lang="en-US" sz="2800" i="1" dirty="0">
-                            <a:latin typeface="Cambria Math"/>
-                            <a:ea typeface="Cambria Math"/>
-                          </a:rPr>
-                          <m:t>ℝ</m:t>
-                        </m:r>
-                      </m:e>
-                      <m:sup>
-                        <m:r>
-                          <a:rPr lang="en-US" sz="2800" b="1" i="1" dirty="0">
-                            <a:solidFill>
-                              <a:srgbClr val="0070C0"/>
-                            </a:solidFill>
-                            <a:latin typeface="Cambria Math"/>
-                            <a:ea typeface="Cambria Math"/>
-                          </a:rPr>
-                          <m:t>𝒅</m:t>
-                        </m:r>
-                      </m:sup>
-                    </m:sSup>
-                    <m:r>
-                      <a:rPr lang="en-US" sz="2800" b="0" i="1" dirty="0" smtClean="0">
-                        <a:solidFill>
-                          <a:schemeClr val="tx1"/>
-                        </a:solidFill>
-                        <a:latin typeface="Cambria Math"/>
-                        <a:ea typeface="Cambria Math"/>
-                      </a:rPr>
-                      <m:t>→</m:t>
-                    </m:r>
-                    <m:sSup>
-                      <m:sSupPr>
-                        <m:ctrlPr>
-                          <a:rPr lang="en-US" sz="2800" i="1" dirty="0">
-                            <a:latin typeface="Cambria Math"/>
-                            <a:ea typeface="Cambria Math"/>
-                          </a:rPr>
-                        </m:ctrlPr>
-                      </m:sSupPr>
-                      <m:e>
-                        <m:r>
-                          <a:rPr lang="en-US" sz="2800" i="1" dirty="0">
-                            <a:latin typeface="Cambria Math"/>
-                            <a:ea typeface="Cambria Math"/>
-                          </a:rPr>
-                          <m:t>ℝ</m:t>
-                        </m:r>
-                      </m:e>
-                      <m:sup>
-                        <m:r>
-                          <a:rPr lang="en-US" sz="2800" b="1" i="1" dirty="0" smtClean="0">
-                            <a:solidFill>
-                              <a:srgbClr val="FF0000"/>
-                            </a:solidFill>
-                            <a:latin typeface="Cambria Math"/>
-                            <a:ea typeface="Cambria Math"/>
-                          </a:rPr>
-                          <m:t>𝒌</m:t>
-                        </m:r>
-                      </m:sup>
-                    </m:sSup>
-                  </m:oMath>
-                </a14:m>
-                <a:endParaRPr lang="en-US" sz="2800" dirty="0" smtClean="0"/>
-              </a:p>
-              <a:p>
-                <a:r>
-                  <a:rPr lang="en-US" sz="2800" dirty="0" smtClean="0"/>
-                  <a:t>Pick </a:t>
-                </a:r>
-                <a14:m>
-                  <m:oMath xmlns:m="http://schemas.openxmlformats.org/officeDocument/2006/math">
-                    <m:r>
-                      <a:rPr lang="en-US" sz="2800" b="1" i="1" dirty="0">
-                        <a:solidFill>
-                          <a:srgbClr val="FF0000"/>
-                        </a:solidFill>
-                        <a:latin typeface="Cambria Math"/>
-                        <a:ea typeface="Cambria Math"/>
-                      </a:rPr>
-                      <m:t>𝒌</m:t>
-                    </m:r>
-                  </m:oMath>
-                </a14:m>
-                <a:r>
-                  <a:rPr lang="en-US" sz="2800" dirty="0" smtClean="0"/>
-                  <a:t> vectors </a:t>
-                </a:r>
-                <a14:m>
-                  <m:oMath xmlns:m="http://schemas.openxmlformats.org/officeDocument/2006/math">
-                    <m:sSub>
-                      <m:sSubPr>
-                        <m:ctrlPr>
-                          <a:rPr lang="en-US" sz="2800" b="0" i="1" smtClean="0">
-                            <a:latin typeface="Cambria Math"/>
-                          </a:rPr>
-                        </m:ctrlPr>
-                      </m:sSubPr>
-                      <m:e>
-                        <m:r>
-                          <a:rPr lang="en-US" sz="2800" b="1" i="1" smtClean="0">
-                            <a:solidFill>
-                              <a:srgbClr val="7030A0"/>
-                            </a:solidFill>
-                            <a:latin typeface="Cambria Math"/>
-                          </a:rPr>
-                          <m:t>𝒖</m:t>
-                        </m:r>
-                      </m:e>
-                      <m:sub>
-                        <m:r>
-                          <a:rPr lang="en-US" sz="2800" b="0" i="1" smtClean="0">
-                            <a:latin typeface="Cambria Math"/>
-                          </a:rPr>
-                          <m:t>1</m:t>
-                        </m:r>
-                      </m:sub>
-                    </m:sSub>
-                    <m:r>
-                      <a:rPr lang="en-US" sz="2800" b="0" i="1" smtClean="0">
-                        <a:latin typeface="Cambria Math"/>
-                      </a:rPr>
-                      <m:t>,…, </m:t>
-                    </m:r>
-                    <m:sSub>
-                      <m:sSubPr>
-                        <m:ctrlPr>
-                          <a:rPr lang="en-US" sz="2800" b="0" i="1" smtClean="0">
-                            <a:latin typeface="Cambria Math"/>
-                          </a:rPr>
-                        </m:ctrlPr>
-                      </m:sSubPr>
-                      <m:e>
-                        <m:r>
-                          <a:rPr lang="en-US" sz="2800" b="1" i="1" smtClean="0">
-                            <a:solidFill>
-                              <a:srgbClr val="7030A0"/>
-                            </a:solidFill>
-                            <a:latin typeface="Cambria Math"/>
-                          </a:rPr>
-                          <m:t>𝒖</m:t>
-                        </m:r>
-                      </m:e>
-                      <m:sub>
-                        <m:r>
-                          <a:rPr lang="en-US" sz="2800" b="1" i="1" smtClean="0">
-                            <a:solidFill>
-                              <a:srgbClr val="FF0000"/>
-                            </a:solidFill>
-                            <a:latin typeface="Cambria Math"/>
-                          </a:rPr>
-                          <m:t>𝒌</m:t>
-                        </m:r>
-                      </m:sub>
-                    </m:sSub>
-                  </m:oMath>
-                </a14:m>
-                <a:r>
-                  <a:rPr lang="en-US" sz="2800" dirty="0" smtClean="0"/>
-                  <a:t> </a:t>
-                </a:r>
-                <a:r>
-                  <a:rPr lang="en-US" sz="2800" dirty="0" err="1" smtClean="0"/>
-                  <a:t>i.i.d</a:t>
-                </a:r>
-                <a:r>
-                  <a:rPr lang="en-US" sz="2800" dirty="0" smtClean="0"/>
-                  <a:t>: </a:t>
-                </a:r>
-                <a14:m>
-                  <m:oMath xmlns:m="http://schemas.openxmlformats.org/officeDocument/2006/math">
-                    <m:sSub>
-                      <m:sSubPr>
-                        <m:ctrlPr>
-                          <a:rPr lang="en-US" sz="2800" i="1">
-                            <a:latin typeface="Cambria Math"/>
-                          </a:rPr>
-                        </m:ctrlPr>
-                      </m:sSubPr>
-                      <m:e>
-                        <m:r>
-                          <a:rPr lang="en-US" sz="2800" b="1" i="1">
-                            <a:solidFill>
-                              <a:srgbClr val="7030A0"/>
-                            </a:solidFill>
-                            <a:latin typeface="Cambria Math"/>
-                          </a:rPr>
-                          <m:t>𝒖</m:t>
-                        </m:r>
-                      </m:e>
-                      <m:sub>
-                        <m:r>
-                          <a:rPr lang="en-US" sz="2800" b="0" i="1" smtClean="0">
-                            <a:solidFill>
-                              <a:schemeClr val="tx1"/>
-                            </a:solidFill>
-                            <a:latin typeface="Cambria Math"/>
-                          </a:rPr>
-                          <m:t>𝑖</m:t>
-                        </m:r>
-                      </m:sub>
-                    </m:sSub>
-                    <m:r>
-                      <a:rPr lang="en-US" sz="2800" b="0" i="1" smtClean="0">
-                        <a:latin typeface="Cambria Math"/>
-                      </a:rPr>
-                      <m:t>∼</m:t>
-                    </m:r>
-                    <m:sSub>
-                      <m:sSubPr>
-                        <m:ctrlPr>
-                          <a:rPr lang="en-US" sz="2800" b="0" i="1" smtClean="0">
-                            <a:latin typeface="Cambria Math"/>
-                          </a:rPr>
-                        </m:ctrlPr>
-                      </m:sSubPr>
-                      <m:e>
-                        <m:r>
-                          <a:rPr lang="en-US" sz="2800" b="0" i="1" smtClean="0">
-                            <a:latin typeface="Cambria Math"/>
-                          </a:rPr>
-                          <m:t>𝑁</m:t>
-                        </m:r>
-                      </m:e>
-                      <m:sub>
-                        <m:r>
-                          <a:rPr lang="en-US" sz="2800" b="1" i="1" smtClean="0">
-                            <a:solidFill>
-                              <a:srgbClr val="0070C0"/>
-                            </a:solidFill>
-                            <a:latin typeface="Cambria Math"/>
-                          </a:rPr>
-                          <m:t>𝒅</m:t>
-                        </m:r>
-                      </m:sub>
-                    </m:sSub>
-                    <m:d>
-                      <m:dPr>
-                        <m:ctrlPr>
-                          <a:rPr lang="en-US" sz="2800" b="0" i="1" smtClean="0">
-                            <a:latin typeface="Cambria Math"/>
-                          </a:rPr>
-                        </m:ctrlPr>
-                      </m:dPr>
-                      <m:e>
-                        <m:sSup>
-                          <m:sSupPr>
-                            <m:ctrlPr>
-                              <a:rPr lang="en-US" sz="2800" b="0" i="1" smtClean="0">
-                                <a:latin typeface="Cambria Math"/>
-                              </a:rPr>
-                            </m:ctrlPr>
-                          </m:sSupPr>
-                          <m:e>
-                            <m:r>
-                              <a:rPr lang="en-US" sz="2800" b="0" i="1" smtClean="0">
-                                <a:latin typeface="Cambria Math"/>
-                              </a:rPr>
-                              <m:t>0</m:t>
-                            </m:r>
-                          </m:e>
-                          <m:sup>
-                            <m:r>
-                              <a:rPr lang="en-US" sz="2800" b="1" i="1" smtClean="0">
-                                <a:solidFill>
-                                  <a:srgbClr val="0070C0"/>
-                                </a:solidFill>
-                                <a:latin typeface="Cambria Math"/>
-                              </a:rPr>
-                              <m:t>𝒅</m:t>
-                            </m:r>
-                          </m:sup>
-                        </m:sSup>
-                        <m:r>
-                          <a:rPr lang="en-US" sz="2800" b="0" i="1" smtClean="0">
-                            <a:latin typeface="Cambria Math"/>
-                          </a:rPr>
-                          <m:t>,1</m:t>
-                        </m:r>
-                      </m:e>
-                    </m:d>
-                  </m:oMath>
-                </a14:m>
-                <a:endParaRPr lang="en-US" sz="2800" b="0" dirty="0" smtClean="0"/>
-              </a:p>
-              <a:p>
-                <a:pPr marL="0" indent="0">
-                  <a:buNone/>
-                </a:pPr>
-                <a14:m>
-                  <m:oMathPara xmlns:m="http://schemas.openxmlformats.org/officeDocument/2006/math">
-                    <m:oMathParaPr>
-                      <m:jc m:val="centerGroup"/>
-                    </m:oMathParaPr>
-                    <m:oMath xmlns:m="http://schemas.openxmlformats.org/officeDocument/2006/math">
-                      <m:r>
-                        <a:rPr lang="en-US" sz="2800" b="0" i="1" smtClean="0">
-                          <a:latin typeface="Cambria Math"/>
-                        </a:rPr>
-                        <m:t>𝑓</m:t>
-                      </m:r>
-                      <m:d>
-                        <m:dPr>
-                          <m:ctrlPr>
-                            <a:rPr lang="en-US" sz="2800" b="0" i="1" smtClean="0">
-                              <a:latin typeface="Cambria Math"/>
-                            </a:rPr>
-                          </m:ctrlPr>
-                        </m:dPr>
-                        <m:e>
-                          <m:r>
-                            <a:rPr lang="en-US" sz="2800" b="1" i="1" smtClean="0">
-                              <a:latin typeface="Cambria Math"/>
-                            </a:rPr>
-                            <m:t>𝒗</m:t>
-                          </m:r>
-                        </m:e>
-                      </m:d>
-                      <m:r>
-                        <a:rPr lang="en-US" sz="2800" b="0" i="1" smtClean="0">
-                          <a:latin typeface="Cambria Math"/>
-                        </a:rPr>
-                        <m:t>=(〈</m:t>
-                      </m:r>
-                      <m:sSub>
-                        <m:sSubPr>
-                          <m:ctrlPr>
-                            <a:rPr lang="en-US" sz="2800" i="1">
-                              <a:latin typeface="Cambria Math"/>
-                            </a:rPr>
-                          </m:ctrlPr>
-                        </m:sSubPr>
-                        <m:e>
-                          <m:r>
-                            <a:rPr lang="en-US" sz="2800" b="1" i="1">
-                              <a:solidFill>
-                                <a:srgbClr val="7030A0"/>
-                              </a:solidFill>
-                              <a:latin typeface="Cambria Math"/>
-                            </a:rPr>
-                            <m:t>𝒖</m:t>
-                          </m:r>
-                        </m:e>
-                        <m:sub>
-                          <m:r>
-                            <a:rPr lang="en-US" sz="2800" i="1">
-                              <a:latin typeface="Cambria Math"/>
-                            </a:rPr>
-                            <m:t>1</m:t>
-                          </m:r>
-                        </m:sub>
-                      </m:sSub>
-                      <m:r>
-                        <a:rPr lang="en-US" sz="2800" b="0" i="1" smtClean="0">
-                          <a:latin typeface="Cambria Math"/>
-                        </a:rPr>
-                        <m:t>,</m:t>
-                      </m:r>
-                      <m:r>
-                        <a:rPr lang="en-US" sz="2800" b="1" i="1">
-                          <a:latin typeface="Cambria Math"/>
-                        </a:rPr>
-                        <m:t>𝒗</m:t>
-                      </m:r>
-                      <m:r>
-                        <a:rPr lang="en-US" sz="2800" b="0" i="1" smtClean="0">
-                          <a:latin typeface="Cambria Math"/>
-                        </a:rPr>
-                        <m:t>〉</m:t>
-                      </m:r>
-                      <m:r>
-                        <a:rPr lang="en-US" sz="2800" i="1">
-                          <a:latin typeface="Cambria Math"/>
-                        </a:rPr>
-                        <m:t>,…, </m:t>
-                      </m:r>
-                      <m:sSub>
-                        <m:sSubPr>
-                          <m:ctrlPr>
-                            <a:rPr lang="en-US" sz="2800" i="1">
-                              <a:latin typeface="Cambria Math"/>
-                            </a:rPr>
-                          </m:ctrlPr>
-                        </m:sSubPr>
-                        <m:e>
-                          <m:r>
-                            <a:rPr lang="en-US" sz="2800" b="1" i="1" smtClean="0">
-                              <a:latin typeface="Cambria Math"/>
-                            </a:rPr>
-                            <m:t>〈</m:t>
-                          </m:r>
-                          <m:r>
-                            <a:rPr lang="en-US" sz="2800" b="1" i="1">
-                              <a:solidFill>
-                                <a:srgbClr val="7030A0"/>
-                              </a:solidFill>
-                              <a:latin typeface="Cambria Math"/>
-                            </a:rPr>
-                            <m:t>𝒖</m:t>
-                          </m:r>
-                        </m:e>
-                        <m:sub>
-                          <m:r>
-                            <a:rPr lang="en-US" sz="2800" b="1" i="1" smtClean="0">
-                              <a:solidFill>
-                                <a:srgbClr val="FF0000"/>
-                              </a:solidFill>
-                              <a:latin typeface="Cambria Math"/>
-                            </a:rPr>
-                            <m:t>𝒌</m:t>
-                          </m:r>
-                        </m:sub>
-                      </m:sSub>
-                      <m:r>
-                        <a:rPr lang="en-US" sz="2800" b="0" i="1" smtClean="0">
-                          <a:solidFill>
-                            <a:schemeClr val="tx1"/>
-                          </a:solidFill>
-                          <a:latin typeface="Cambria Math"/>
-                        </a:rPr>
-                        <m:t>,</m:t>
-                      </m:r>
-                      <m:r>
-                        <a:rPr lang="en-US" sz="2800" b="1" i="1">
-                          <a:latin typeface="Cambria Math"/>
-                        </a:rPr>
-                        <m:t>𝒗</m:t>
-                      </m:r>
-                      <m:r>
-                        <a:rPr lang="en-US" sz="2800" b="0" i="1" smtClean="0">
-                          <a:solidFill>
-                            <a:schemeClr val="tx1"/>
-                          </a:solidFill>
-                          <a:latin typeface="Cambria Math"/>
-                        </a:rPr>
-                        <m:t>〉</m:t>
-                      </m:r>
-                      <m:r>
-                        <a:rPr lang="en-US" sz="2800" b="0" i="1" smtClean="0">
-                          <a:latin typeface="Cambria Math"/>
-                        </a:rPr>
-                        <m:t>)</m:t>
-                      </m:r>
-                    </m:oMath>
-                  </m:oMathPara>
-                </a14:m>
-                <a:endParaRPr lang="en-US" sz="2800" dirty="0" smtClean="0"/>
-              </a:p>
-              <a:p>
-                <a:r>
-                  <a:rPr lang="en-US" sz="2800" dirty="0" smtClean="0"/>
-                  <a:t>Will show that </a:t>
-                </a:r>
-                <a:r>
-                  <a:rPr lang="en-US" sz="2800" dirty="0" err="1" smtClean="0"/>
-                  <a:t>w.h.p</a:t>
-                </a:r>
-                <a:r>
-                  <a:rPr lang="en-US" sz="2800" dirty="0" smtClean="0"/>
-                  <a:t>. </a:t>
-                </a:r>
-                <a14:m>
-                  <m:oMath xmlns:m="http://schemas.openxmlformats.org/officeDocument/2006/math">
-                    <m:sSub>
-                      <m:sSubPr>
-                        <m:ctrlPr>
-                          <a:rPr lang="en-US" sz="2800" b="0" i="1" smtClean="0">
-                            <a:latin typeface="Cambria Math"/>
-                          </a:rPr>
-                        </m:ctrlPr>
-                      </m:sSubPr>
-                      <m:e>
-                        <m:d>
-                          <m:dPr>
-                            <m:begChr m:val="|"/>
-                            <m:endChr m:val="|"/>
-                            <m:ctrlPr>
-                              <a:rPr lang="en-US" sz="2800" b="0" i="1" smtClean="0">
-                                <a:latin typeface="Cambria Math"/>
-                              </a:rPr>
-                            </m:ctrlPr>
-                          </m:dPr>
-                          <m:e>
-                            <m:d>
-                              <m:dPr>
-                                <m:begChr m:val="|"/>
-                                <m:endChr m:val="|"/>
-                                <m:ctrlPr>
-                                  <a:rPr lang="en-US" sz="2800" b="0" i="1" smtClean="0">
-                                    <a:latin typeface="Cambria Math"/>
-                                  </a:rPr>
-                                </m:ctrlPr>
-                              </m:dPr>
-                              <m:e>
-                                <m:r>
-                                  <a:rPr lang="en-US" sz="2800" i="1">
-                                    <a:latin typeface="Cambria Math"/>
-                                  </a:rPr>
-                                  <m:t>𝑓</m:t>
-                                </m:r>
-                                <m:d>
-                                  <m:dPr>
-                                    <m:ctrlPr>
-                                      <a:rPr lang="en-US" sz="2800" i="1">
-                                        <a:latin typeface="Cambria Math"/>
-                                      </a:rPr>
-                                    </m:ctrlPr>
-                                  </m:dPr>
-                                  <m:e>
-                                    <m:r>
-                                      <a:rPr lang="en-US" sz="2800" b="1" i="1">
-                                        <a:latin typeface="Cambria Math"/>
-                                      </a:rPr>
-                                      <m:t>𝒗</m:t>
-                                    </m:r>
-                                  </m:e>
-                                </m:d>
-                              </m:e>
-                            </m:d>
-                          </m:e>
-                        </m:d>
-                      </m:e>
-                      <m:sub>
-                        <m:r>
-                          <a:rPr lang="en-US" sz="2800" b="0" i="1" smtClean="0">
-                            <a:latin typeface="Cambria Math"/>
-                          </a:rPr>
-                          <m:t>2</m:t>
-                        </m:r>
-                      </m:sub>
-                    </m:sSub>
-                    <m:r>
-                      <a:rPr lang="en-US" sz="2800" b="0" i="1" smtClean="0">
-                        <a:latin typeface="Cambria Math"/>
-                      </a:rPr>
-                      <m:t>≈</m:t>
-                    </m:r>
-                    <m:rad>
-                      <m:radPr>
-                        <m:degHide m:val="on"/>
-                        <m:ctrlPr>
-                          <a:rPr lang="en-US" sz="2800" b="0" i="1" smtClean="0">
-                            <a:latin typeface="Cambria Math"/>
-                          </a:rPr>
-                        </m:ctrlPr>
-                      </m:radPr>
-                      <m:deg/>
-                      <m:e>
-                        <m:r>
-                          <a:rPr lang="en-US" sz="2800" b="1" i="1" smtClean="0">
-                            <a:solidFill>
-                              <a:srgbClr val="FF0000"/>
-                            </a:solidFill>
-                            <a:latin typeface="Cambria Math"/>
-                          </a:rPr>
-                          <m:t>𝒌</m:t>
-                        </m:r>
-                      </m:e>
-                    </m:rad>
-                    <m:sSub>
-                      <m:sSubPr>
-                        <m:ctrlPr>
-                          <a:rPr lang="en-US" sz="2800" b="0" i="1" smtClean="0">
-                            <a:latin typeface="Cambria Math"/>
-                          </a:rPr>
-                        </m:ctrlPr>
-                      </m:sSubPr>
-                      <m:e>
-                        <m:d>
-                          <m:dPr>
-                            <m:begChr m:val="|"/>
-                            <m:endChr m:val="|"/>
-                            <m:ctrlPr>
-                              <a:rPr lang="en-US" sz="2800" b="0" i="1" smtClean="0">
-                                <a:latin typeface="Cambria Math"/>
-                              </a:rPr>
-                            </m:ctrlPr>
-                          </m:dPr>
-                          <m:e>
-                            <m:d>
-                              <m:dPr>
-                                <m:begChr m:val="|"/>
-                                <m:endChr m:val="|"/>
-                                <m:ctrlPr>
-                                  <a:rPr lang="en-US" sz="2800" b="0" i="1" smtClean="0">
-                                    <a:latin typeface="Cambria Math"/>
-                                  </a:rPr>
-                                </m:ctrlPr>
-                              </m:dPr>
-                              <m:e>
-                                <m:r>
-                                  <a:rPr lang="en-US" sz="2800" b="1" i="1" smtClean="0">
-                                    <a:latin typeface="Cambria Math"/>
-                                  </a:rPr>
-                                  <m:t>𝒗</m:t>
-                                </m:r>
-                              </m:e>
-                            </m:d>
-                          </m:e>
-                        </m:d>
-                      </m:e>
-                      <m:sub>
-                        <m:r>
-                          <a:rPr lang="en-US" sz="2800" b="0" i="1" smtClean="0">
-                            <a:latin typeface="Cambria Math"/>
-                          </a:rPr>
-                          <m:t>2</m:t>
-                        </m:r>
-                      </m:sub>
-                    </m:sSub>
-                  </m:oMath>
-                </a14:m>
-                <a:endParaRPr lang="en-US" sz="2800" dirty="0" smtClean="0"/>
-              </a:p>
-              <a:p>
-                <a:pPr marL="0" indent="0">
-                  <a:buNone/>
-                </a:pPr>
-                <a:r>
-                  <a:rPr lang="en-US" sz="2600" b="1" dirty="0" smtClean="0"/>
-                  <a:t>Return: </a:t>
-                </a:r>
-                <a14:m>
-                  <m:oMath xmlns:m="http://schemas.openxmlformats.org/officeDocument/2006/math">
-                    <m:r>
-                      <a:rPr lang="en-US" sz="2600" i="1" dirty="0" smtClean="0">
-                        <a:latin typeface="Cambria Math"/>
-                      </a:rPr>
-                      <m:t>𝑎𝑟𝑔𝑚𝑖</m:t>
-                    </m:r>
-                    <m:sSub>
-                      <m:sSubPr>
-                        <m:ctrlPr>
-                          <a:rPr lang="en-US" sz="2600" b="0" i="1" dirty="0" smtClean="0">
-                            <a:latin typeface="Cambria Math"/>
-                          </a:rPr>
-                        </m:ctrlPr>
-                      </m:sSubPr>
-                      <m:e>
-                        <m:r>
-                          <a:rPr lang="en-US" sz="2600" i="1" dirty="0" smtClean="0">
-                            <a:latin typeface="Cambria Math"/>
-                          </a:rPr>
-                          <m:t>𝑛</m:t>
-                        </m:r>
-                      </m:e>
-                      <m:sub>
-                        <m:r>
-                          <a:rPr lang="en-US" sz="2600" b="0" i="1" dirty="0" smtClean="0">
-                            <a:latin typeface="Cambria Math"/>
-                          </a:rPr>
-                          <m:t>𝑥</m:t>
-                        </m:r>
-                        <m:r>
-                          <a:rPr lang="en-US" sz="2600" b="0" i="1" dirty="0" smtClean="0">
-                            <a:latin typeface="Cambria Math"/>
-                          </a:rPr>
-                          <m:t>∈</m:t>
-                        </m:r>
-                        <m:r>
-                          <a:rPr lang="en-US" sz="2600" b="0" i="1" dirty="0" smtClean="0">
-                            <a:latin typeface="Cambria Math"/>
-                          </a:rPr>
-                          <m:t>𝐴</m:t>
-                        </m:r>
-                      </m:sub>
-                    </m:sSub>
-                    <m:sSub>
-                      <m:sSubPr>
-                        <m:ctrlPr>
-                          <a:rPr lang="en-US" sz="2600" i="1">
-                            <a:latin typeface="Cambria Math"/>
-                          </a:rPr>
-                        </m:ctrlPr>
-                      </m:sSubPr>
-                      <m:e>
-                        <m:d>
-                          <m:dPr>
-                            <m:begChr m:val="|"/>
-                            <m:endChr m:val="|"/>
-                            <m:ctrlPr>
-                              <a:rPr lang="en-US" sz="2600" i="1">
-                                <a:latin typeface="Cambria Math"/>
-                              </a:rPr>
-                            </m:ctrlPr>
-                          </m:dPr>
-                          <m:e>
-                            <m:d>
-                              <m:dPr>
-                                <m:begChr m:val="|"/>
-                                <m:endChr m:val="|"/>
-                                <m:ctrlPr>
-                                  <a:rPr lang="en-US" sz="2600" i="1">
-                                    <a:latin typeface="Cambria Math"/>
-                                  </a:rPr>
-                                </m:ctrlPr>
-                              </m:dPr>
-                              <m:e>
-                                <m:r>
-                                  <a:rPr lang="en-US" sz="2600" i="1">
-                                    <a:latin typeface="Cambria Math"/>
-                                  </a:rPr>
-                                  <m:t>𝑓</m:t>
-                                </m:r>
-                                <m:d>
-                                  <m:dPr>
-                                    <m:ctrlPr>
-                                      <a:rPr lang="en-US" sz="2600" i="1">
-                                        <a:latin typeface="Cambria Math"/>
-                                      </a:rPr>
-                                    </m:ctrlPr>
-                                  </m:dPr>
-                                  <m:e>
-                                    <m:r>
-                                      <a:rPr lang="en-US" sz="2600" b="1" i="1" smtClean="0">
-                                        <a:latin typeface="Cambria Math"/>
-                                      </a:rPr>
-                                      <m:t>𝒒</m:t>
-                                    </m:r>
-                                  </m:e>
-                                </m:d>
-                                <m:r>
-                                  <a:rPr lang="en-US" sz="2600" b="1" i="1" smtClean="0">
-                                    <a:latin typeface="Cambria Math"/>
-                                  </a:rPr>
-                                  <m:t>−</m:t>
-                                </m:r>
-                                <m:r>
-                                  <a:rPr lang="en-US" sz="2600" i="1">
-                                    <a:latin typeface="Cambria Math"/>
-                                  </a:rPr>
-                                  <m:t>𝑓</m:t>
-                                </m:r>
-                                <m:d>
-                                  <m:dPr>
-                                    <m:ctrlPr>
-                                      <a:rPr lang="en-US" sz="2600" i="1">
-                                        <a:latin typeface="Cambria Math"/>
-                                      </a:rPr>
-                                    </m:ctrlPr>
-                                  </m:dPr>
-                                  <m:e>
-                                    <m:r>
-                                      <a:rPr lang="en-US" sz="2600" b="1" i="1" smtClean="0">
-                                        <a:latin typeface="Cambria Math"/>
-                                      </a:rPr>
-                                      <m:t>𝒙</m:t>
-                                    </m:r>
-                                  </m:e>
-                                </m:d>
-                              </m:e>
-                            </m:d>
-                          </m:e>
-                        </m:d>
-                      </m:e>
-                      <m:sub>
-                        <m:r>
-                          <a:rPr lang="en-US" sz="2600" i="1">
-                            <a:latin typeface="Cambria Math"/>
-                          </a:rPr>
-                          <m:t>2</m:t>
-                        </m:r>
-                      </m:sub>
-                    </m:sSub>
-                    <m:r>
-                      <a:rPr lang="en-US" sz="2600" b="0" i="1" smtClean="0">
-                        <a:latin typeface="Cambria Math"/>
-                      </a:rPr>
-                      <m:t>=</m:t>
-                    </m:r>
-                    <m:r>
-                      <a:rPr lang="en-US" sz="2600" i="1" dirty="0">
-                        <a:latin typeface="Cambria Math"/>
-                      </a:rPr>
-                      <m:t>𝑎𝑟𝑔𝑚𝑖</m:t>
-                    </m:r>
-                    <m:sSub>
-                      <m:sSubPr>
-                        <m:ctrlPr>
-                          <a:rPr lang="en-US" sz="2600" i="1" dirty="0">
-                            <a:latin typeface="Cambria Math"/>
-                          </a:rPr>
-                        </m:ctrlPr>
-                      </m:sSubPr>
-                      <m:e>
-                        <m:r>
-                          <a:rPr lang="en-US" sz="2600" i="1" dirty="0">
-                            <a:latin typeface="Cambria Math"/>
-                          </a:rPr>
-                          <m:t>𝑛</m:t>
-                        </m:r>
-                      </m:e>
-                      <m:sub>
-                        <m:r>
-                          <a:rPr lang="en-US" sz="2600" i="1" dirty="0">
-                            <a:latin typeface="Cambria Math"/>
-                          </a:rPr>
-                          <m:t>𝑥</m:t>
-                        </m:r>
-                        <m:r>
-                          <a:rPr lang="en-US" sz="2600" i="1" dirty="0">
-                            <a:latin typeface="Cambria Math"/>
-                          </a:rPr>
-                          <m:t>∈</m:t>
-                        </m:r>
-                        <m:r>
-                          <a:rPr lang="en-US" sz="2600" i="1" dirty="0">
-                            <a:latin typeface="Cambria Math"/>
-                          </a:rPr>
-                          <m:t>𝐴</m:t>
-                        </m:r>
-                      </m:sub>
-                    </m:sSub>
-                    <m:sSub>
-                      <m:sSubPr>
-                        <m:ctrlPr>
-                          <a:rPr lang="en-US" sz="2600" i="1">
-                            <a:latin typeface="Cambria Math"/>
-                          </a:rPr>
-                        </m:ctrlPr>
-                      </m:sSubPr>
-                      <m:e>
-                        <m:d>
-                          <m:dPr>
-                            <m:begChr m:val="|"/>
-                            <m:endChr m:val="|"/>
-                            <m:ctrlPr>
-                              <a:rPr lang="en-US" sz="2600" i="1">
-                                <a:latin typeface="Cambria Math"/>
-                              </a:rPr>
-                            </m:ctrlPr>
-                          </m:dPr>
-                          <m:e>
-                            <m:d>
-                              <m:dPr>
-                                <m:begChr m:val="|"/>
-                                <m:endChr m:val="|"/>
-                                <m:ctrlPr>
-                                  <a:rPr lang="en-US" sz="2600" i="1">
-                                    <a:latin typeface="Cambria Math"/>
-                                  </a:rPr>
-                                </m:ctrlPr>
-                              </m:dPr>
-                              <m:e>
-                                <m:r>
-                                  <a:rPr lang="en-US" sz="2600" i="1">
-                                    <a:latin typeface="Cambria Math"/>
-                                  </a:rPr>
-                                  <m:t>𝑓</m:t>
-                                </m:r>
-                                <m:d>
-                                  <m:dPr>
-                                    <m:ctrlPr>
-                                      <a:rPr lang="en-US" sz="2600" i="1">
-                                        <a:latin typeface="Cambria Math"/>
-                                      </a:rPr>
-                                    </m:ctrlPr>
-                                  </m:dPr>
-                                  <m:e>
-                                    <m:r>
-                                      <a:rPr lang="en-US" sz="2600" b="1" i="1" smtClean="0">
-                                        <a:latin typeface="Cambria Math"/>
-                                      </a:rPr>
-                                      <m:t>𝒒</m:t>
-                                    </m:r>
-                                    <m:r>
-                                      <a:rPr lang="en-US" sz="2600" b="0" i="1" smtClean="0">
-                                        <a:latin typeface="Cambria Math"/>
-                                      </a:rPr>
-                                      <m:t>−</m:t>
-                                    </m:r>
-                                    <m:r>
-                                      <a:rPr lang="en-US" sz="2600" b="1" i="1">
-                                        <a:latin typeface="Cambria Math"/>
-                                      </a:rPr>
-                                      <m:t>𝒙</m:t>
-                                    </m:r>
-                                  </m:e>
-                                </m:d>
-                              </m:e>
-                            </m:d>
-                          </m:e>
-                        </m:d>
-                      </m:e>
-                      <m:sub>
-                        <m:r>
-                          <a:rPr lang="en-US" sz="2600" i="1">
-                            <a:latin typeface="Cambria Math"/>
-                          </a:rPr>
-                          <m:t>2</m:t>
-                        </m:r>
-                      </m:sub>
-                    </m:sSub>
-                    <m:r>
-                      <a:rPr lang="en-US" sz="2600" b="0" i="1" smtClean="0">
-                        <a:latin typeface="Cambria Math"/>
-                      </a:rPr>
-                      <m:t>≈</m:t>
-                    </m:r>
-                    <m:rad>
-                      <m:radPr>
-                        <m:degHide m:val="on"/>
-                        <m:ctrlPr>
-                          <a:rPr lang="en-US" sz="2600" b="0" i="1" smtClean="0">
-                            <a:latin typeface="Cambria Math"/>
-                          </a:rPr>
-                        </m:ctrlPr>
-                      </m:radPr>
-                      <m:deg/>
-                      <m:e>
-                        <m:r>
-                          <a:rPr lang="en-US" sz="2600" b="1" i="1" smtClean="0">
-                            <a:solidFill>
-                              <a:srgbClr val="FF0000"/>
-                            </a:solidFill>
-                            <a:latin typeface="Cambria Math"/>
-                          </a:rPr>
-                          <m:t>𝒌</m:t>
-                        </m:r>
-                      </m:e>
-                    </m:rad>
-                  </m:oMath>
-                </a14:m>
-                <a:r>
-                  <a:rPr lang="en-US" sz="2600" dirty="0"/>
-                  <a:t> </a:t>
-                </a:r>
-                <a14:m>
-                  <m:oMath xmlns:m="http://schemas.openxmlformats.org/officeDocument/2006/math">
-                    <m:r>
-                      <a:rPr lang="en-US" sz="2600" i="1" dirty="0">
-                        <a:latin typeface="Cambria Math"/>
-                      </a:rPr>
-                      <m:t>𝑎𝑟𝑔𝑚𝑖</m:t>
-                    </m:r>
-                    <m:sSub>
-                      <m:sSubPr>
-                        <m:ctrlPr>
-                          <a:rPr lang="en-US" sz="2600" i="1" dirty="0">
-                            <a:latin typeface="Cambria Math"/>
-                          </a:rPr>
-                        </m:ctrlPr>
-                      </m:sSubPr>
-                      <m:e>
-                        <m:r>
-                          <a:rPr lang="en-US" sz="2600" i="1" dirty="0">
-                            <a:latin typeface="Cambria Math"/>
-                          </a:rPr>
-                          <m:t>𝑛</m:t>
-                        </m:r>
-                      </m:e>
-                      <m:sub>
-                        <m:r>
-                          <a:rPr lang="en-US" sz="2600" i="1" dirty="0">
-                            <a:latin typeface="Cambria Math"/>
-                          </a:rPr>
-                          <m:t>𝑥</m:t>
-                        </m:r>
-                        <m:r>
-                          <a:rPr lang="en-US" sz="2600" i="1" dirty="0">
-                            <a:latin typeface="Cambria Math"/>
-                          </a:rPr>
-                          <m:t>∈</m:t>
-                        </m:r>
-                        <m:r>
-                          <a:rPr lang="en-US" sz="2600" i="1" dirty="0">
-                            <a:latin typeface="Cambria Math"/>
-                          </a:rPr>
-                          <m:t>𝐴</m:t>
-                        </m:r>
-                      </m:sub>
-                    </m:sSub>
-                    <m:sSub>
-                      <m:sSubPr>
-                        <m:ctrlPr>
-                          <a:rPr lang="en-US" sz="2600" i="1">
-                            <a:latin typeface="Cambria Math"/>
-                          </a:rPr>
-                        </m:ctrlPr>
-                      </m:sSubPr>
-                      <m:e>
-                        <m:d>
-                          <m:dPr>
-                            <m:begChr m:val="|"/>
-                            <m:endChr m:val="|"/>
-                            <m:ctrlPr>
-                              <a:rPr lang="en-US" sz="2600" i="1">
-                                <a:latin typeface="Cambria Math"/>
-                              </a:rPr>
-                            </m:ctrlPr>
-                          </m:dPr>
-                          <m:e>
-                            <m:d>
-                              <m:dPr>
-                                <m:begChr m:val="|"/>
-                                <m:endChr m:val="|"/>
-                                <m:ctrlPr>
-                                  <a:rPr lang="en-US" sz="2600" i="1">
-                                    <a:latin typeface="Cambria Math"/>
-                                  </a:rPr>
-                                </m:ctrlPr>
-                              </m:dPr>
-                              <m:e>
-                                <m:r>
-                                  <a:rPr lang="en-US" sz="2600" b="1" i="1">
-                                    <a:latin typeface="Cambria Math"/>
-                                  </a:rPr>
-                                  <m:t>𝒒</m:t>
-                                </m:r>
-                                <m:r>
-                                  <a:rPr lang="en-US" sz="2600" i="1">
-                                    <a:latin typeface="Cambria Math"/>
-                                  </a:rPr>
-                                  <m:t>−</m:t>
-                                </m:r>
-                                <m:r>
-                                  <a:rPr lang="en-US" sz="2600" b="1" i="1">
-                                    <a:latin typeface="Cambria Math"/>
-                                  </a:rPr>
-                                  <m:t>𝒙</m:t>
-                                </m:r>
-                              </m:e>
-                            </m:d>
-                          </m:e>
-                        </m:d>
-                      </m:e>
-                      <m:sub>
-                        <m:r>
-                          <a:rPr lang="en-US" sz="2600" i="1">
-                            <a:latin typeface="Cambria Math"/>
-                          </a:rPr>
-                          <m:t>2</m:t>
-                        </m:r>
-                      </m:sub>
-                    </m:sSub>
-                  </m:oMath>
-                </a14:m>
-                <a:endParaRPr lang="en-US" sz="2600" dirty="0"/>
-              </a:p>
-            </p:txBody>
-          </p:sp>
-        </mc:Choice>
-        <mc:Fallback>
-          <p:sp>
-            <p:nvSpPr>
-              <p:cNvPr id="3" name="Content Placeholder 2"/>
-              <p:cNvSpPr>
-                <a:spLocks noGrp="1" noRot="1" noChangeAspect="1" noMove="1" noResize="1" noEditPoints="1" noAdjustHandles="1" noChangeArrowheads="1" noChangeShapeType="1" noTextEdit="1"/>
-              </p:cNvSpPr>
-              <p:nvPr>
-                <p:ph idx="1"/>
-              </p:nvPr>
-            </p:nvSpPr>
-            <p:spPr>
-              <a:xfrm>
-                <a:off x="304800" y="1409700"/>
-                <a:ext cx="8839200" cy="5372100"/>
-              </a:xfrm>
-              <a:blipFill rotWithShape="1">
-                <a:blip r:embed="rId2"/>
-                <a:stretch>
-                  <a:fillRect l="-1379" t="-1020"/>
-                </a:stretch>
-              </a:blipFill>
-            </p:spPr>
-            <p:txBody>
-              <a:bodyPr/>
-              <a:lstStyle/>
-              <a:p>
-                <a:r>
-                  <a:rPr lang="en-US">
-                    <a:noFill/>
-                  </a:rPr>
-                  <a:t> </a:t>
-                </a:r>
-              </a:p>
-            </p:txBody>
-          </p:sp>
-        </mc:Fallback>
-      </mc:AlternateContent>
-      <p:sp>
-        <p:nvSpPr>
-          <p:cNvPr id="4" name="Rectangle 3"/>
-          <p:cNvSpPr/>
-          <p:nvPr/>
-        </p:nvSpPr>
-        <p:spPr>
-          <a:xfrm>
-            <a:off x="228600" y="2895600"/>
-            <a:ext cx="8534400" cy="609600"/>
-          </a:xfrm>
-          <a:prstGeom prst="rect">
-            <a:avLst/>
-          </a:prstGeom>
-          <a:noFill/>
-        </p:spPr>
-        <p:style>
-          <a:lnRef idx="2">
-            <a:schemeClr val="accent1">
-              <a:shade val="50000"/>
-            </a:schemeClr>
-          </a:lnRef>
-          <a:fillRef idx="1">
-            <a:schemeClr val="accent1"/>
-          </a:fillRef>
-          <a:effectRef idx="0">
-            <a:schemeClr val="accent1"/>
-          </a:effectRef>
-          <a:fontRef idx="minor">
-            <a:schemeClr val="lt1"/>
-          </a:fontRef>
-        </p:style>
-        <p:txBody>
-          <a:bodyPr rtlCol="0" anchor="ctr"/>
-          <a:lstStyle/>
-          <a:p>
-            <a:pPr algn="ctr"/>
-            <a:endParaRPr lang="en-US"/>
-          </a:p>
-        </p:txBody>
-      </p:sp>
-      <p:sp>
-        <p:nvSpPr>
-          <p:cNvPr id="5" name="Rectangle 4"/>
-          <p:cNvSpPr/>
-          <p:nvPr/>
-        </p:nvSpPr>
-        <p:spPr>
-          <a:xfrm>
-            <a:off x="228600" y="5562600"/>
-            <a:ext cx="8839200" cy="1066800"/>
-          </a:xfrm>
-          <a:prstGeom prst="rect">
-            <a:avLst/>
-          </a:prstGeom>
-          <a:noFill/>
-        </p:spPr>
-        <p:style>
-          <a:lnRef idx="2">
-            <a:schemeClr val="accent1">
-              <a:shade val="50000"/>
-            </a:schemeClr>
-          </a:lnRef>
-          <a:fillRef idx="1">
-            <a:schemeClr val="accent1"/>
-          </a:fillRef>
-          <a:effectRef idx="0">
-            <a:schemeClr val="accent1"/>
-          </a:effectRef>
-          <a:fontRef idx="minor">
-            <a:schemeClr val="lt1"/>
-          </a:fontRef>
-        </p:style>
-        <p:txBody>
-          <a:bodyPr rtlCol="0" anchor="ctr"/>
-          <a:lstStyle/>
-          <a:p>
-            <a:pPr algn="ctr"/>
-            <a:endParaRPr lang="en-US"/>
-          </a:p>
-        </p:txBody>
-      </p:sp>
-    </p:spTree>
-    <p:extLst>
-      <p:ext uri="{BB962C8B-B14F-4D97-AF65-F5344CB8AC3E}">
-        <p14:creationId xmlns:p14="http://schemas.microsoft.com/office/powerpoint/2010/main" val="2926188317"/>
-      </p:ext>
-    </p:extLst>
-  </p:cSld>
-  <p:clrMapOvr>
-    <a:masterClrMapping/>
-  </p:clrMapOvr>
-  <p:timing>
-    <p:tnLst>
-      <p:par>
-        <p:cTn id="1" dur="indefinite" restart="never" nodeType="tmRoot">
-          <p:childTnLst>
-            <p:seq concurrent="1" nextAc="seek">
-              <p:cTn id="2" dur="indefinite" nodeType="mainSeq">
-                <p:childTnLst>
-                  <p:par>
-                    <p:cTn id="3" fill="hold">
-                      <p:stCondLst>
-                        <p:cond delay="indefinite"/>
-                      </p:stCondLst>
-                      <p:childTnLst>
-                        <p:par>
-                          <p:cTn id="4" fill="hold">
-                            <p:stCondLst>
-                              <p:cond delay="0"/>
-                            </p:stCondLst>
-                            <p:childTnLst>
-                              <p:par>
-                                <p:cTn id="5" presetID="1" presetClass="entr" presetSubtype="0" fill="hold" grpId="0" nodeType="clickEffect">
-                                  <p:stCondLst>
-                                    <p:cond delay="0"/>
-                                  </p:stCondLst>
-                                  <p:childTnLst>
-                                    <p:set>
-                                      <p:cBhvr>
-                                        <p:cTn id="6" dur="1" fill="hold">
-                                          <p:stCondLst>
-                                            <p:cond delay="0"/>
-                                          </p:stCondLst>
-                                        </p:cTn>
-                                        <p:tgtEl>
-                                          <p:spTgt spid="3">
-                                            <p:txEl>
-                                              <p:pRg st="0" end="0"/>
-                                            </p:txEl>
-                                          </p:spTgt>
-                                        </p:tgtEl>
-                                        <p:attrNameLst>
-                                          <p:attrName>style.visibility</p:attrName>
-                                        </p:attrNameLst>
-                                      </p:cBhvr>
-                                      <p:to>
-                                        <p:strVal val="visible"/>
-                                      </p:to>
-                                    </p:set>
-                                  </p:childTnLst>
-                                </p:cTn>
-                              </p:par>
-                              <p:par>
-                                <p:cTn id="7" presetID="1" presetClass="entr" presetSubtype="0" fill="hold" grpId="0" nodeType="withEffect">
-                                  <p:stCondLst>
-                                    <p:cond delay="0"/>
-                                  </p:stCondLst>
-                                  <p:childTnLst>
-                                    <p:set>
-                                      <p:cBhvr>
-                                        <p:cTn id="8" dur="1" fill="hold">
-                                          <p:stCondLst>
-                                            <p:cond delay="0"/>
-                                          </p:stCondLst>
-                                        </p:cTn>
-                                        <p:tgtEl>
-                                          <p:spTgt spid="3">
-                                            <p:txEl>
-                                              <p:pRg st="1" end="1"/>
-                                            </p:txEl>
-                                          </p:spTgt>
-                                        </p:tgtEl>
-                                        <p:attrNameLst>
-                                          <p:attrName>style.visibility</p:attrName>
-                                        </p:attrNameLst>
-                                      </p:cBhvr>
-                                      <p:to>
-                                        <p:strVal val="visible"/>
-                                      </p:to>
-                                    </p:set>
-                                  </p:childTnLst>
-                                </p:cTn>
-                              </p:par>
-                              <p:par>
-                                <p:cTn id="9" presetID="1" presetClass="entr" presetSubtype="0" fill="hold" grpId="0" nodeType="withEffect">
-                                  <p:stCondLst>
-                                    <p:cond delay="0"/>
-                                  </p:stCondLst>
-                                  <p:childTnLst>
-                                    <p:set>
-                                      <p:cBhvr>
-                                        <p:cTn id="10" dur="1" fill="hold">
-                                          <p:stCondLst>
-                                            <p:cond delay="0"/>
-                                          </p:stCondLst>
-                                        </p:cTn>
-                                        <p:tgtEl>
-                                          <p:spTgt spid="3">
-                                            <p:txEl>
-                                              <p:pRg st="2" end="2"/>
-                                            </p:txEl>
-                                          </p:spTgt>
-                                        </p:tgtEl>
-                                        <p:attrNameLst>
-                                          <p:attrName>style.visibility</p:attrName>
-                                        </p:attrNameLst>
-                                      </p:cBhvr>
-                                      <p:to>
-                                        <p:strVal val="visible"/>
-                                      </p:to>
-                                    </p:set>
-                                  </p:childTnLst>
-                                </p:cTn>
-                              </p:par>
-                            </p:childTnLst>
-                          </p:cTn>
-                        </p:par>
-                      </p:childTnLst>
-                    </p:cTn>
-                  </p:par>
-                  <p:par>
-                    <p:cTn id="11" fill="hold">
-                      <p:stCondLst>
-                        <p:cond delay="indefinite"/>
-                      </p:stCondLst>
-                      <p:childTnLst>
-                        <p:par>
-                          <p:cTn id="12" fill="hold">
-                            <p:stCondLst>
-                              <p:cond delay="0"/>
-                            </p:stCondLst>
-                            <p:childTnLst>
-                              <p:par>
-                                <p:cTn id="13" presetID="1" presetClass="entr" presetSubtype="0" fill="hold" grpId="0" nodeType="clickEffect">
-                                  <p:stCondLst>
-                                    <p:cond delay="0"/>
-                                  </p:stCondLst>
-                                  <p:childTnLst>
-                                    <p:set>
-                                      <p:cBhvr>
-                                        <p:cTn id="14" dur="1" fill="hold">
-                                          <p:stCondLst>
-                                            <p:cond delay="0"/>
-                                          </p:stCondLst>
-                                        </p:cTn>
-                                        <p:tgtEl>
-                                          <p:spTgt spid="3">
-                                            <p:txEl>
-                                              <p:pRg st="3" end="3"/>
-                                            </p:txEl>
-                                          </p:spTgt>
-                                        </p:tgtEl>
-                                        <p:attrNameLst>
-                                          <p:attrName>style.visibility</p:attrName>
-                                        </p:attrNameLst>
-                                      </p:cBhvr>
-                                      <p:to>
-                                        <p:strVal val="visible"/>
-                                      </p:to>
-                                    </p:set>
-                                  </p:childTnLst>
-                                </p:cTn>
-                              </p:par>
-                              <p:par>
-                                <p:cTn id="15" presetID="1" presetClass="entr" presetSubtype="0" fill="hold" grpId="0" nodeType="withEffect">
-                                  <p:stCondLst>
-                                    <p:cond delay="0"/>
-                                  </p:stCondLst>
-                                  <p:childTnLst>
-                                    <p:set>
-                                      <p:cBhvr>
-                                        <p:cTn id="16" dur="1" fill="hold">
-                                          <p:stCondLst>
-                                            <p:cond delay="0"/>
-                                          </p:stCondLst>
-                                        </p:cTn>
-                                        <p:tgtEl>
-                                          <p:spTgt spid="4"/>
-                                        </p:tgtEl>
-                                        <p:attrNameLst>
-                                          <p:attrName>style.visibility</p:attrName>
-                                        </p:attrNameLst>
-                                      </p:cBhvr>
-                                      <p:to>
-                                        <p:strVal val="visible"/>
-                                      </p:to>
-                                    </p:set>
-                                  </p:childTnLst>
-                                </p:cTn>
-                              </p:par>
-                            </p:childTnLst>
-                          </p:cTn>
-                        </p:par>
-                      </p:childTnLst>
-                    </p:cTn>
-                  </p:par>
-                  <p:par>
-                    <p:cTn id="17" fill="hold">
-                      <p:stCondLst>
-                        <p:cond delay="indefinite"/>
-                      </p:stCondLst>
-                      <p:childTnLst>
-                        <p:par>
-                          <p:cTn id="18" fill="hold">
-                            <p:stCondLst>
-                              <p:cond delay="0"/>
-                            </p:stCondLst>
-                            <p:childTnLst>
-                              <p:par>
-                                <p:cTn id="19" presetID="1" presetClass="entr" presetSubtype="0" fill="hold" grpId="0" nodeType="clickEffect">
-                                  <p:stCondLst>
-                                    <p:cond delay="0"/>
-                                  </p:stCondLst>
-                                  <p:childTnLst>
-                                    <p:set>
-                                      <p:cBhvr>
-                                        <p:cTn id="20" dur="1" fill="hold">
-                                          <p:stCondLst>
-                                            <p:cond delay="0"/>
-                                          </p:stCondLst>
-                                        </p:cTn>
-                                        <p:tgtEl>
-                                          <p:spTgt spid="3">
-                                            <p:txEl>
-                                              <p:pRg st="4" end="4"/>
-                                            </p:txEl>
-                                          </p:spTgt>
-                                        </p:tgtEl>
-                                        <p:attrNameLst>
-                                          <p:attrName>style.visibility</p:attrName>
-                                        </p:attrNameLst>
-                                      </p:cBhvr>
-                                      <p:to>
-                                        <p:strVal val="visible"/>
-                                      </p:to>
-                                    </p:set>
-                                  </p:childTnLst>
-                                </p:cTn>
-                              </p:par>
-                            </p:childTnLst>
-                          </p:cTn>
-                        </p:par>
-                      </p:childTnLst>
-                    </p:cTn>
-                  </p:par>
-                  <p:par>
-                    <p:cTn id="21" fill="hold">
-                      <p:stCondLst>
-                        <p:cond delay="indefinite"/>
-                      </p:stCondLst>
-                      <p:childTnLst>
-                        <p:par>
-                          <p:cTn id="22" fill="hold">
-                            <p:stCondLst>
-                              <p:cond delay="0"/>
-                            </p:stCondLst>
-                            <p:childTnLst>
-                              <p:par>
-                                <p:cTn id="23" presetID="1" presetClass="entr" presetSubtype="0" fill="hold" grpId="0" nodeType="clickEffect">
-                                  <p:stCondLst>
-                                    <p:cond delay="0"/>
-                                  </p:stCondLst>
-                                  <p:childTnLst>
-                                    <p:set>
-                                      <p:cBhvr>
-                                        <p:cTn id="24" dur="1" fill="hold">
-                                          <p:stCondLst>
-                                            <p:cond delay="0"/>
-                                          </p:stCondLst>
-                                        </p:cTn>
-                                        <p:tgtEl>
-                                          <p:spTgt spid="3">
-                                            <p:txEl>
-                                              <p:pRg st="5" end="5"/>
-                                            </p:txEl>
-                                          </p:spTgt>
-                                        </p:tgtEl>
-                                        <p:attrNameLst>
-                                          <p:attrName>style.visibility</p:attrName>
-                                        </p:attrNameLst>
-                                      </p:cBhvr>
-                                      <p:to>
-                                        <p:strVal val="visible"/>
-                                      </p:to>
-                                    </p:set>
-                                  </p:childTnLst>
-                                </p:cTn>
-                              </p:par>
-                            </p:childTnLst>
-                          </p:cTn>
-                        </p:par>
-                      </p:childTnLst>
-                    </p:cTn>
-                  </p:par>
-                  <p:par>
-                    <p:cTn id="25" fill="hold">
-                      <p:stCondLst>
-                        <p:cond delay="indefinite"/>
-                      </p:stCondLst>
-                      <p:childTnLst>
-                        <p:par>
-                          <p:cTn id="26" fill="hold">
-                            <p:stCondLst>
-                              <p:cond delay="0"/>
-                            </p:stCondLst>
-                            <p:childTnLst>
-                              <p:par>
-                                <p:cTn id="27" presetID="1" presetClass="entr" presetSubtype="0" fill="hold" grpId="0" nodeType="clickEffect">
-                                  <p:stCondLst>
-                                    <p:cond delay="0"/>
-                                  </p:stCondLst>
-                                  <p:childTnLst>
-                                    <p:set>
-                                      <p:cBhvr>
-                                        <p:cTn id="28" dur="1" fill="hold">
-                                          <p:stCondLst>
-                                            <p:cond delay="0"/>
-                                          </p:stCondLst>
-                                        </p:cTn>
-                                        <p:tgtEl>
-                                          <p:spTgt spid="3">
-                                            <p:txEl>
-                                              <p:pRg st="6" end="6"/>
-                                            </p:txEl>
-                                          </p:spTgt>
-                                        </p:tgtEl>
-                                        <p:attrNameLst>
-                                          <p:attrName>style.visibility</p:attrName>
-                                        </p:attrNameLst>
-                                      </p:cBhvr>
-                                      <p:to>
-                                        <p:strVal val="visible"/>
-                                      </p:to>
-                                    </p:set>
-                                  </p:childTnLst>
-                                </p:cTn>
-                              </p:par>
-                            </p:childTnLst>
-                          </p:cTn>
-                        </p:par>
-                      </p:childTnLst>
-                    </p:cTn>
-                  </p:par>
-                  <p:par>
-                    <p:cTn id="29" fill="hold">
-                      <p:stCondLst>
-                        <p:cond delay="indefinite"/>
-                      </p:stCondLst>
-                      <p:childTnLst>
-                        <p:par>
-                          <p:cTn id="30" fill="hold">
-                            <p:stCondLst>
-                              <p:cond delay="0"/>
-                            </p:stCondLst>
-                            <p:childTnLst>
-                              <p:par>
-                                <p:cTn id="31" presetID="1" presetClass="entr" presetSubtype="0" fill="hold" grpId="0" nodeType="clickEffect">
-                                  <p:stCondLst>
-                                    <p:cond delay="0"/>
-                                  </p:stCondLst>
-                                  <p:childTnLst>
-                                    <p:set>
-                                      <p:cBhvr>
-                                        <p:cTn id="32" dur="1" fill="hold">
-                                          <p:stCondLst>
-                                            <p:cond delay="0"/>
-                                          </p:stCondLst>
-                                        </p:cTn>
-                                        <p:tgtEl>
-                                          <p:spTgt spid="3">
-                                            <p:txEl>
-                                              <p:pRg st="7" end="7"/>
-                                            </p:txEl>
-                                          </p:spTgt>
-                                        </p:tgtEl>
-                                        <p:attrNameLst>
-                                          <p:attrName>style.visibility</p:attrName>
-                                        </p:attrNameLst>
-                                      </p:cBhvr>
-                                      <p:to>
-                                        <p:strVal val="visible"/>
-                                      </p:to>
-                                    </p:set>
-                                  </p:childTnLst>
-                                </p:cTn>
-                              </p:par>
-                            </p:childTnLst>
-                          </p:cTn>
-                        </p:par>
-                      </p:childTnLst>
-                    </p:cTn>
-                  </p:par>
-                  <p:par>
-                    <p:cTn id="33" fill="hold">
-                      <p:stCondLst>
-                        <p:cond delay="indefinite"/>
-                      </p:stCondLst>
-                      <p:childTnLst>
-                        <p:par>
-                          <p:cTn id="34" fill="hold">
-                            <p:stCondLst>
-                              <p:cond delay="0"/>
-                            </p:stCondLst>
-                            <p:childTnLst>
-                              <p:par>
-                                <p:cTn id="35" presetID="1" presetClass="entr" presetSubtype="0" fill="hold" grpId="0" nodeType="clickEffect">
-                                  <p:stCondLst>
-                                    <p:cond delay="0"/>
-                                  </p:stCondLst>
-                                  <p:childTnLst>
-                                    <p:set>
-                                      <p:cBhvr>
-                                        <p:cTn id="36" dur="1" fill="hold">
-                                          <p:stCondLst>
-                                            <p:cond delay="0"/>
-                                          </p:stCondLst>
-                                        </p:cTn>
-                                        <p:tgtEl>
-                                          <p:spTgt spid="3">
-                                            <p:txEl>
-                                              <p:pRg st="8" end="8"/>
-                                            </p:txEl>
-                                          </p:spTgt>
-                                        </p:tgtEl>
-                                        <p:attrNameLst>
-                                          <p:attrName>style.visibility</p:attrName>
-                                        </p:attrNameLst>
-                                      </p:cBhvr>
-                                      <p:to>
-                                        <p:strVal val="visible"/>
-                                      </p:to>
-                                    </p:set>
-                                  </p:childTnLst>
-                                </p:cTn>
-                              </p:par>
-                              <p:par>
-                                <p:cTn id="37" presetID="1" presetClass="entr" presetSubtype="0" fill="hold" grpId="0" nodeType="withEffect">
-                                  <p:stCondLst>
-                                    <p:cond delay="0"/>
-                                  </p:stCondLst>
-                                  <p:childTnLst>
-                                    <p:set>
-                                      <p:cBhvr>
-                                        <p:cTn id="38" dur="1" fill="hold">
-                                          <p:stCondLst>
-                                            <p:cond delay="0"/>
-                                          </p:stCondLst>
-                                        </p:cTn>
-                                        <p:tgtEl>
-                                          <p:spTgt spid="5"/>
-                                        </p:tgtEl>
-                                        <p:attrNameLst>
-                                          <p:attrName>style.visibility</p:attrName>
-                                        </p:attrNameLst>
-                                      </p:cBhvr>
-                                      <p:to>
-                                        <p:strVal val="visible"/>
-                                      </p:to>
-                                    </p:set>
-                                  </p:childTnLst>
-                                </p:cTn>
-                              </p:par>
-                            </p:childTnLst>
-                          </p:cTn>
-                        </p:par>
-                      </p:childTnLst>
-                    </p:cTn>
-                  </p:par>
-                </p:childTnLst>
-              </p:cTn>
-              <p:prevCondLst>
-                <p:cond evt="onPrev" delay="0">
-                  <p:tgtEl>
-                    <p:sldTgt/>
-                  </p:tgtEl>
-                </p:cond>
-              </p:prevCondLst>
-              <p:nextCondLst>
-                <p:cond evt="onNext" delay="0">
-                  <p:tgtEl>
-                    <p:sldTgt/>
-                  </p:tgtEl>
-                </p:cond>
-              </p:nextCondLst>
-            </p:seq>
-          </p:childTnLst>
-        </p:cTn>
-      </p:par>
-    </p:tnLst>
-    <p:bldLst>
-      <p:bldP spid="3" grpId="0" uiExpand="1" build="p"/>
-      <p:bldP spid="4" grpId="0" animBg="1"/>
-      <p:bldP spid="5" grpId="0" animBg="1"/>
-    </p:bldLst>
-  </p:timing>
-</p:sld>
-</file>
-
-<file path=ppt/slides/slide24.xml><?xml version="1.0" encoding="utf-8"?>
-<p:sld xmlns:a="http://schemas.openxmlformats.org/drawingml/2006/main" xmlns:r="http://schemas.openxmlformats.org/officeDocument/2006/relationships" xmlns:p="http://schemas.openxmlformats.org/presentationml/2006/main">
-  <p:cSld>
-    <p:spTree>
-      <p:nvGrpSpPr>
-        <p:cNvPr id="1" name=""/>
-        <p:cNvGrpSpPr/>
-        <p:nvPr/>
-      </p:nvGrpSpPr>
-      <p:grpSpPr>
-        <a:xfrm>
-          <a:off x="0" y="0"/>
-          <a:ext cx="0" cy="0"/>
-          <a:chOff x="0" y="0"/>
-          <a:chExt cx="0" cy="0"/>
-        </a:xfrm>
-      </p:grpSpPr>
-      <p:sp>
-        <p:nvSpPr>
-          <p:cNvPr id="2" name="Title 1"/>
-          <p:cNvSpPr>
-            <a:spLocks noGrp="1"/>
-          </p:cNvSpPr>
-          <p:nvPr>
-            <p:ph type="title"/>
-          </p:nvPr>
-        </p:nvSpPr>
-        <p:spPr/>
-        <p:txBody>
-          <a:bodyPr/>
-          <a:lstStyle/>
-          <a:p>
-            <a:r>
-              <a:rPr lang="en-US" dirty="0" smtClean="0">
-                <a:solidFill>
-                  <a:srgbClr val="0070C0"/>
-                </a:solidFill>
-              </a:rPr>
-              <a:t>Random Projection Theorem</a:t>
-            </a:r>
-            <a:endParaRPr lang="en-US" dirty="0">
-              <a:solidFill>
-                <a:srgbClr val="0070C0"/>
-              </a:solidFill>
-            </a:endParaRPr>
-          </a:p>
-        </p:txBody>
-      </p:sp>
-      <mc:AlternateContent xmlns:mc="http://schemas.openxmlformats.org/markup-compatibility/2006">
-        <mc:Choice xmlns:a14="http://schemas.microsoft.com/office/drawing/2010/main" Requires="a14">
-          <p:sp>
-            <p:nvSpPr>
-              <p:cNvPr id="3" name="Content Placeholder 2"/>
-              <p:cNvSpPr>
-                <a:spLocks noGrp="1"/>
-              </p:cNvSpPr>
-              <p:nvPr>
-                <p:ph idx="1"/>
-              </p:nvPr>
-            </p:nvSpPr>
-            <p:spPr>
-              <a:xfrm>
-                <a:off x="228600" y="1600200"/>
-                <a:ext cx="8915400" cy="5257800"/>
-              </a:xfrm>
-            </p:spPr>
-            <p:txBody>
-              <a:bodyPr>
-                <a:normAutofit/>
-              </a:bodyPr>
-              <a:lstStyle/>
-              <a:p>
-                <a:r>
-                  <a:rPr lang="en-US" dirty="0" smtClean="0"/>
-                  <a:t>Pick </a:t>
-                </a:r>
-                <a14:m>
-                  <m:oMath xmlns:m="http://schemas.openxmlformats.org/officeDocument/2006/math">
-                    <m:r>
-                      <a:rPr lang="en-US" b="1" i="1" dirty="0">
-                        <a:solidFill>
-                          <a:srgbClr val="FF0000"/>
-                        </a:solidFill>
-                        <a:latin typeface="Cambria Math"/>
-                        <a:ea typeface="Cambria Math"/>
-                      </a:rPr>
-                      <m:t>𝒌</m:t>
-                    </m:r>
-                  </m:oMath>
-                </a14:m>
-                <a:r>
-                  <a:rPr lang="en-US" dirty="0"/>
-                  <a:t> vectors </a:t>
-                </a:r>
-                <a14:m>
-                  <m:oMath xmlns:m="http://schemas.openxmlformats.org/officeDocument/2006/math">
-                    <m:sSub>
-                      <m:sSubPr>
-                        <m:ctrlPr>
-                          <a:rPr lang="en-US" i="1">
-                            <a:latin typeface="Cambria Math"/>
-                          </a:rPr>
-                        </m:ctrlPr>
-                      </m:sSubPr>
-                      <m:e>
-                        <m:r>
-                          <a:rPr lang="en-US" b="1" i="1">
-                            <a:solidFill>
-                              <a:srgbClr val="7030A0"/>
-                            </a:solidFill>
-                            <a:latin typeface="Cambria Math"/>
-                          </a:rPr>
-                          <m:t>𝒖</m:t>
-                        </m:r>
-                      </m:e>
-                      <m:sub>
-                        <m:r>
-                          <a:rPr lang="en-US" i="1">
-                            <a:latin typeface="Cambria Math"/>
-                          </a:rPr>
-                          <m:t>1</m:t>
-                        </m:r>
-                      </m:sub>
-                    </m:sSub>
-                    <m:r>
-                      <a:rPr lang="en-US" i="1">
-                        <a:latin typeface="Cambria Math"/>
-                      </a:rPr>
-                      <m:t>,…, </m:t>
-                    </m:r>
-                    <m:sSub>
-                      <m:sSubPr>
-                        <m:ctrlPr>
-                          <a:rPr lang="en-US" i="1">
-                            <a:latin typeface="Cambria Math"/>
-                          </a:rPr>
-                        </m:ctrlPr>
-                      </m:sSubPr>
-                      <m:e>
-                        <m:r>
-                          <a:rPr lang="en-US" b="1" i="1">
-                            <a:solidFill>
-                              <a:srgbClr val="7030A0"/>
-                            </a:solidFill>
-                            <a:latin typeface="Cambria Math"/>
-                          </a:rPr>
-                          <m:t>𝒖</m:t>
-                        </m:r>
-                      </m:e>
-                      <m:sub>
-                        <m:r>
-                          <a:rPr lang="en-US" b="1" i="1">
-                            <a:solidFill>
-                              <a:srgbClr val="FF0000"/>
-                            </a:solidFill>
-                            <a:latin typeface="Cambria Math"/>
-                          </a:rPr>
-                          <m:t>𝒌</m:t>
-                        </m:r>
-                      </m:sub>
-                    </m:sSub>
-                  </m:oMath>
-                </a14:m>
-                <a:r>
-                  <a:rPr lang="en-US" dirty="0"/>
-                  <a:t> </a:t>
-                </a:r>
-                <a:r>
-                  <a:rPr lang="en-US" dirty="0" err="1"/>
-                  <a:t>i.i.d</a:t>
-                </a:r>
-                <a:r>
-                  <a:rPr lang="en-US" dirty="0"/>
-                  <a:t>: </a:t>
-                </a:r>
-                <a14:m>
-                  <m:oMath xmlns:m="http://schemas.openxmlformats.org/officeDocument/2006/math">
-                    <m:sSub>
-                      <m:sSubPr>
-                        <m:ctrlPr>
-                          <a:rPr lang="en-US" i="1">
-                            <a:latin typeface="Cambria Math"/>
-                          </a:rPr>
-                        </m:ctrlPr>
-                      </m:sSubPr>
-                      <m:e>
-                        <m:r>
-                          <a:rPr lang="en-US" b="1" i="1">
-                            <a:solidFill>
-                              <a:srgbClr val="7030A0"/>
-                            </a:solidFill>
-                            <a:latin typeface="Cambria Math"/>
-                          </a:rPr>
-                          <m:t>𝒖</m:t>
-                        </m:r>
-                      </m:e>
-                      <m:sub>
-                        <m:r>
-                          <a:rPr lang="en-US" i="1">
-                            <a:latin typeface="Cambria Math"/>
-                          </a:rPr>
-                          <m:t>𝑖</m:t>
-                        </m:r>
-                      </m:sub>
-                    </m:sSub>
-                    <m:r>
-                      <a:rPr lang="en-US" i="1">
-                        <a:latin typeface="Cambria Math"/>
-                      </a:rPr>
-                      <m:t>∼</m:t>
-                    </m:r>
-                    <m:sSub>
-                      <m:sSubPr>
-                        <m:ctrlPr>
-                          <a:rPr lang="en-US" i="1">
-                            <a:latin typeface="Cambria Math"/>
-                          </a:rPr>
-                        </m:ctrlPr>
-                      </m:sSubPr>
-                      <m:e>
-                        <m:r>
-                          <a:rPr lang="en-US" i="1">
-                            <a:latin typeface="Cambria Math"/>
-                          </a:rPr>
-                          <m:t>𝑁</m:t>
-                        </m:r>
-                      </m:e>
-                      <m:sub>
-                        <m:r>
-                          <a:rPr lang="en-US" b="1" i="1">
-                            <a:solidFill>
-                              <a:srgbClr val="0070C0"/>
-                            </a:solidFill>
-                            <a:latin typeface="Cambria Math"/>
-                          </a:rPr>
-                          <m:t>𝒅</m:t>
-                        </m:r>
-                      </m:sub>
-                    </m:sSub>
-                    <m:d>
-                      <m:dPr>
-                        <m:ctrlPr>
-                          <a:rPr lang="en-US" i="1">
-                            <a:latin typeface="Cambria Math"/>
-                          </a:rPr>
-                        </m:ctrlPr>
-                      </m:dPr>
-                      <m:e>
-                        <m:sSup>
-                          <m:sSupPr>
-                            <m:ctrlPr>
-                              <a:rPr lang="en-US" i="1">
-                                <a:latin typeface="Cambria Math"/>
-                              </a:rPr>
-                            </m:ctrlPr>
-                          </m:sSupPr>
-                          <m:e>
-                            <m:r>
-                              <a:rPr lang="en-US" i="1">
-                                <a:latin typeface="Cambria Math"/>
-                              </a:rPr>
-                              <m:t>0</m:t>
-                            </m:r>
-                          </m:e>
-                          <m:sup>
-                            <m:r>
-                              <a:rPr lang="en-US" b="1" i="1">
-                                <a:solidFill>
-                                  <a:srgbClr val="0070C0"/>
-                                </a:solidFill>
-                                <a:latin typeface="Cambria Math"/>
-                              </a:rPr>
-                              <m:t>𝒅</m:t>
-                            </m:r>
-                          </m:sup>
-                        </m:sSup>
-                        <m:r>
-                          <a:rPr lang="en-US" i="1">
-                            <a:latin typeface="Cambria Math"/>
-                          </a:rPr>
-                          <m:t>,1</m:t>
-                        </m:r>
-                      </m:e>
-                    </m:d>
-                  </m:oMath>
-                </a14:m>
-                <a:endParaRPr lang="en-US" dirty="0"/>
-              </a:p>
-              <a:p>
-                <a:pPr marL="0" indent="0">
-                  <a:buNone/>
-                </a:pPr>
-                <a14:m>
-                  <m:oMathPara xmlns:m="http://schemas.openxmlformats.org/officeDocument/2006/math">
-                    <m:oMathParaPr>
-                      <m:jc m:val="centerGroup"/>
-                    </m:oMathParaPr>
-                    <m:oMath xmlns:m="http://schemas.openxmlformats.org/officeDocument/2006/math">
-                      <m:r>
-                        <a:rPr lang="en-US" i="1">
-                          <a:latin typeface="Cambria Math"/>
-                        </a:rPr>
-                        <m:t>𝑓</m:t>
-                      </m:r>
-                      <m:d>
-                        <m:dPr>
-                          <m:ctrlPr>
-                            <a:rPr lang="en-US" i="1">
-                              <a:latin typeface="Cambria Math"/>
-                            </a:rPr>
-                          </m:ctrlPr>
-                        </m:dPr>
-                        <m:e>
-                          <m:r>
-                            <a:rPr lang="en-US" b="1" i="1">
-                              <a:latin typeface="Cambria Math"/>
-                            </a:rPr>
-                            <m:t>𝒗</m:t>
-                          </m:r>
-                        </m:e>
-                      </m:d>
-                      <m:r>
-                        <a:rPr lang="en-US" i="1">
-                          <a:latin typeface="Cambria Math"/>
-                        </a:rPr>
-                        <m:t>=(〈</m:t>
-                      </m:r>
-                      <m:sSub>
-                        <m:sSubPr>
-                          <m:ctrlPr>
-                            <a:rPr lang="en-US" i="1">
-                              <a:latin typeface="Cambria Math"/>
-                            </a:rPr>
-                          </m:ctrlPr>
-                        </m:sSubPr>
-                        <m:e>
-                          <m:r>
-                            <a:rPr lang="en-US" b="1" i="1">
-                              <a:solidFill>
-                                <a:srgbClr val="7030A0"/>
-                              </a:solidFill>
-                              <a:latin typeface="Cambria Math"/>
-                            </a:rPr>
-                            <m:t>𝒖</m:t>
-                          </m:r>
-                        </m:e>
-                        <m:sub>
-                          <m:r>
-                            <a:rPr lang="en-US" i="1">
-                              <a:latin typeface="Cambria Math"/>
-                            </a:rPr>
-                            <m:t>1</m:t>
-                          </m:r>
-                        </m:sub>
-                      </m:sSub>
-                      <m:r>
-                        <a:rPr lang="en-US" i="1">
-                          <a:latin typeface="Cambria Math"/>
-                        </a:rPr>
-                        <m:t>,</m:t>
-                      </m:r>
-                      <m:r>
-                        <a:rPr lang="en-US" b="1" i="1">
-                          <a:latin typeface="Cambria Math"/>
-                        </a:rPr>
-                        <m:t>𝒗</m:t>
-                      </m:r>
-                      <m:r>
-                        <a:rPr lang="en-US" i="1">
-                          <a:latin typeface="Cambria Math"/>
-                        </a:rPr>
-                        <m:t>〉</m:t>
-                      </m:r>
-                      <m:r>
-                        <a:rPr lang="en-US" i="1">
-                          <a:latin typeface="Cambria Math"/>
-                        </a:rPr>
-                        <m:t>,…, </m:t>
-                      </m:r>
-                      <m:sSub>
-                        <m:sSubPr>
-                          <m:ctrlPr>
-                            <a:rPr lang="en-US" i="1">
-                              <a:latin typeface="Cambria Math"/>
-                            </a:rPr>
-                          </m:ctrlPr>
-                        </m:sSubPr>
-                        <m:e>
-                          <m:r>
-                            <a:rPr lang="en-US" b="1" i="1">
-                              <a:latin typeface="Cambria Math"/>
-                            </a:rPr>
-                            <m:t>〈</m:t>
-                          </m:r>
-                          <m:r>
-                            <a:rPr lang="en-US" b="1" i="1">
-                              <a:solidFill>
-                                <a:srgbClr val="7030A0"/>
-                              </a:solidFill>
-                              <a:latin typeface="Cambria Math"/>
-                            </a:rPr>
-                            <m:t>𝒖</m:t>
-                          </m:r>
-                        </m:e>
-                        <m:sub>
-                          <m:r>
-                            <a:rPr lang="en-US" b="1" i="1">
-                              <a:solidFill>
-                                <a:srgbClr val="FF0000"/>
-                              </a:solidFill>
-                              <a:latin typeface="Cambria Math"/>
-                            </a:rPr>
-                            <m:t>𝒌</m:t>
-                          </m:r>
-                        </m:sub>
-                      </m:sSub>
-                      <m:r>
-                        <a:rPr lang="en-US" i="1">
-                          <a:latin typeface="Cambria Math"/>
-                        </a:rPr>
-                        <m:t>,</m:t>
-                      </m:r>
-                      <m:r>
-                        <a:rPr lang="en-US" b="1" i="1">
-                          <a:latin typeface="Cambria Math"/>
-                        </a:rPr>
-                        <m:t>𝒗</m:t>
-                      </m:r>
-                      <m:r>
-                        <a:rPr lang="en-US" i="1">
-                          <a:latin typeface="Cambria Math"/>
-                        </a:rPr>
-                        <m:t>〉)</m:t>
-                      </m:r>
-                    </m:oMath>
-                  </m:oMathPara>
-                </a14:m>
-                <a:endParaRPr lang="en-US" dirty="0"/>
-              </a:p>
-              <a:p>
-                <a:r>
-                  <a:rPr lang="en-US" dirty="0"/>
-                  <a:t>Will show that </a:t>
-                </a:r>
-                <a:r>
-                  <a:rPr lang="en-US" dirty="0" err="1"/>
-                  <a:t>w.h.p</a:t>
-                </a:r>
-                <a:r>
-                  <a:rPr lang="en-US" dirty="0"/>
-                  <a:t>. </a:t>
-                </a:r>
-                <a14:m>
-                  <m:oMath xmlns:m="http://schemas.openxmlformats.org/officeDocument/2006/math">
-                    <m:sSub>
-                      <m:sSubPr>
-                        <m:ctrlPr>
-                          <a:rPr lang="en-US" i="1">
-                            <a:latin typeface="Cambria Math"/>
-                          </a:rPr>
-                        </m:ctrlPr>
-                      </m:sSubPr>
-                      <m:e>
-                        <m:d>
-                          <m:dPr>
-                            <m:begChr m:val="|"/>
-                            <m:endChr m:val="|"/>
-                            <m:ctrlPr>
-                              <a:rPr lang="en-US" i="1">
-                                <a:latin typeface="Cambria Math"/>
-                              </a:rPr>
-                            </m:ctrlPr>
-                          </m:dPr>
-                          <m:e>
-                            <m:d>
-                              <m:dPr>
-                                <m:begChr m:val="|"/>
-                                <m:endChr m:val="|"/>
-                                <m:ctrlPr>
-                                  <a:rPr lang="en-US" i="1">
-                                    <a:latin typeface="Cambria Math"/>
-                                  </a:rPr>
-                                </m:ctrlPr>
-                              </m:dPr>
-                              <m:e>
-                                <m:r>
-                                  <a:rPr lang="en-US" i="1">
-                                    <a:latin typeface="Cambria Math"/>
-                                  </a:rPr>
-                                  <m:t>𝑓</m:t>
-                                </m:r>
-                                <m:d>
-                                  <m:dPr>
-                                    <m:ctrlPr>
-                                      <a:rPr lang="en-US" i="1">
-                                        <a:latin typeface="Cambria Math"/>
-                                      </a:rPr>
-                                    </m:ctrlPr>
-                                  </m:dPr>
-                                  <m:e>
-                                    <m:r>
-                                      <a:rPr lang="en-US" b="1" i="1">
-                                        <a:latin typeface="Cambria Math"/>
-                                      </a:rPr>
-                                      <m:t>𝒗</m:t>
-                                    </m:r>
-                                  </m:e>
-                                </m:d>
-                              </m:e>
-                            </m:d>
-                          </m:e>
-                        </m:d>
-                      </m:e>
-                      <m:sub>
-                        <m:r>
-                          <a:rPr lang="en-US" i="1">
-                            <a:latin typeface="Cambria Math"/>
-                          </a:rPr>
-                          <m:t>2</m:t>
-                        </m:r>
-                      </m:sub>
-                    </m:sSub>
-                    <m:r>
-                      <a:rPr lang="en-US" i="1">
-                        <a:latin typeface="Cambria Math"/>
-                      </a:rPr>
-                      <m:t>≈</m:t>
-                    </m:r>
-                    <m:rad>
-                      <m:radPr>
-                        <m:degHide m:val="on"/>
-                        <m:ctrlPr>
-                          <a:rPr lang="en-US" i="1">
-                            <a:latin typeface="Cambria Math"/>
-                          </a:rPr>
-                        </m:ctrlPr>
-                      </m:radPr>
-                      <m:deg/>
-                      <m:e>
-                        <m:r>
-                          <a:rPr lang="en-US" b="1" i="1">
-                            <a:solidFill>
-                              <a:srgbClr val="FF0000"/>
-                            </a:solidFill>
-                            <a:latin typeface="Cambria Math"/>
-                          </a:rPr>
-                          <m:t>𝒌</m:t>
-                        </m:r>
-                      </m:e>
-                    </m:rad>
-                    <m:sSub>
-                      <m:sSubPr>
-                        <m:ctrlPr>
-                          <a:rPr lang="en-US" i="1">
-                            <a:latin typeface="Cambria Math"/>
-                          </a:rPr>
-                        </m:ctrlPr>
-                      </m:sSubPr>
-                      <m:e>
-                        <m:d>
-                          <m:dPr>
-                            <m:begChr m:val="|"/>
-                            <m:endChr m:val="|"/>
-                            <m:ctrlPr>
-                              <a:rPr lang="en-US" i="1">
-                                <a:latin typeface="Cambria Math"/>
-                              </a:rPr>
-                            </m:ctrlPr>
-                          </m:dPr>
-                          <m:e>
-                            <m:d>
-                              <m:dPr>
-                                <m:begChr m:val="|"/>
-                                <m:endChr m:val="|"/>
-                                <m:ctrlPr>
-                                  <a:rPr lang="en-US" i="1">
-                                    <a:latin typeface="Cambria Math"/>
-                                  </a:rPr>
-                                </m:ctrlPr>
-                              </m:dPr>
-                              <m:e>
-                                <m:r>
-                                  <a:rPr lang="en-US" b="1" i="1">
-                                    <a:latin typeface="Cambria Math"/>
-                                  </a:rPr>
-                                  <m:t>𝒗</m:t>
-                                </m:r>
-                              </m:e>
-                            </m:d>
-                          </m:e>
-                        </m:d>
-                      </m:e>
-                      <m:sub>
-                        <m:r>
-                          <a:rPr lang="en-US" i="1">
-                            <a:latin typeface="Cambria Math"/>
-                          </a:rPr>
-                          <m:t>2</m:t>
-                        </m:r>
-                      </m:sub>
-                    </m:sSub>
-                  </m:oMath>
-                </a14:m>
-                <a:endParaRPr lang="en-US" dirty="0"/>
-              </a:p>
-              <a:p>
-                <a:pPr marL="0" indent="0">
-                  <a:buNone/>
-                </a:pPr>
-                <a:r>
-                  <a:rPr lang="en-US" b="1" dirty="0" err="1" smtClean="0"/>
-                  <a:t>Thm</a:t>
-                </a:r>
-                <a:r>
-                  <a:rPr lang="en-US" b="1" dirty="0" smtClean="0"/>
-                  <a:t>. </a:t>
-                </a:r>
-                <a:r>
-                  <a:rPr lang="en-US" dirty="0" smtClean="0"/>
-                  <a:t>Fix </a:t>
-                </a:r>
-                <a14:m>
-                  <m:oMath xmlns:m="http://schemas.openxmlformats.org/officeDocument/2006/math">
-                    <m:r>
-                      <a:rPr lang="en-US" b="1" i="1">
-                        <a:latin typeface="Cambria Math"/>
-                      </a:rPr>
-                      <m:t>𝒗</m:t>
-                    </m:r>
-                    <m:r>
-                      <a:rPr lang="en-US" b="1" i="1" smtClean="0">
-                        <a:latin typeface="Cambria Math"/>
-                      </a:rPr>
-                      <m:t>∈</m:t>
-                    </m:r>
-                    <m:sSup>
-                      <m:sSupPr>
-                        <m:ctrlPr>
-                          <a:rPr lang="en-US" i="1" dirty="0">
-                            <a:latin typeface="Cambria Math"/>
-                            <a:ea typeface="Cambria Math"/>
-                          </a:rPr>
-                        </m:ctrlPr>
-                      </m:sSupPr>
-                      <m:e>
-                        <m:r>
-                          <a:rPr lang="en-US" i="1" dirty="0">
-                            <a:latin typeface="Cambria Math"/>
-                            <a:ea typeface="Cambria Math"/>
-                          </a:rPr>
-                          <m:t>ℝ</m:t>
-                        </m:r>
-                      </m:e>
-                      <m:sup>
-                        <m:r>
-                          <a:rPr lang="en-US" b="1" i="1" dirty="0">
-                            <a:solidFill>
-                              <a:srgbClr val="0070C0"/>
-                            </a:solidFill>
-                            <a:latin typeface="Cambria Math"/>
-                            <a:ea typeface="Cambria Math"/>
-                          </a:rPr>
-                          <m:t>𝒅</m:t>
-                        </m:r>
-                      </m:sup>
-                    </m:sSup>
-                  </m:oMath>
-                </a14:m>
-                <a:r>
-                  <a:rPr lang="en-US" dirty="0" smtClean="0"/>
-                  <a:t> then </a:t>
-                </a:r>
-                <a14:m>
-                  <m:oMath xmlns:m="http://schemas.openxmlformats.org/officeDocument/2006/math">
-                    <m:r>
-                      <a:rPr lang="en-US" b="0" i="1" smtClean="0">
-                        <a:latin typeface="Cambria Math"/>
-                      </a:rPr>
-                      <m:t>∃</m:t>
-                    </m:r>
-                    <m:r>
-                      <a:rPr lang="en-US" b="0" i="1" smtClean="0">
-                        <a:latin typeface="Cambria Math"/>
-                      </a:rPr>
-                      <m:t>𝑐</m:t>
-                    </m:r>
-                    <m:r>
-                      <a:rPr lang="en-US" b="0" i="1" smtClean="0">
-                        <a:latin typeface="Cambria Math"/>
-                      </a:rPr>
-                      <m:t>&gt;0:</m:t>
-                    </m:r>
-                  </m:oMath>
-                </a14:m>
-                <a:r>
-                  <a:rPr lang="en-US" dirty="0" smtClean="0"/>
-                  <a:t> for </a:t>
-                </a:r>
-                <a14:m>
-                  <m:oMath xmlns:m="http://schemas.openxmlformats.org/officeDocument/2006/math">
-                    <m:r>
-                      <a:rPr lang="en-US" b="1" i="1" smtClean="0">
-                        <a:solidFill>
-                          <a:srgbClr val="00B050"/>
-                        </a:solidFill>
-                        <a:latin typeface="Cambria Math"/>
-                      </a:rPr>
-                      <m:t>𝝐</m:t>
-                    </m:r>
-                    <m:r>
-                      <a:rPr lang="en-US" b="0" i="1" smtClean="0">
-                        <a:latin typeface="Cambria Math"/>
-                      </a:rPr>
-                      <m:t>∈</m:t>
-                    </m:r>
-                    <m:d>
-                      <m:dPr>
-                        <m:ctrlPr>
-                          <a:rPr lang="en-US" b="0" i="1" smtClean="0">
-                            <a:latin typeface="Cambria Math"/>
-                          </a:rPr>
-                        </m:ctrlPr>
-                      </m:dPr>
-                      <m:e>
-                        <m:r>
-                          <a:rPr lang="en-US" b="0" i="1" smtClean="0">
-                            <a:latin typeface="Cambria Math"/>
-                          </a:rPr>
-                          <m:t>0,1</m:t>
-                        </m:r>
-                      </m:e>
-                    </m:d>
-                    <m:r>
-                      <a:rPr lang="en-US" b="0" i="1" smtClean="0">
-                        <a:latin typeface="Cambria Math"/>
-                      </a:rPr>
-                      <m:t>:</m:t>
-                    </m:r>
-                  </m:oMath>
-                </a14:m>
-                <a:endParaRPr lang="en-US" dirty="0" smtClean="0"/>
-              </a:p>
-              <a:p>
-                <a:pPr marL="0" indent="0">
-                  <a:buNone/>
-                </a:pPr>
-                <a14:m>
-                  <m:oMathPara xmlns:m="http://schemas.openxmlformats.org/officeDocument/2006/math">
-                    <m:oMathParaPr>
-                      <m:jc m:val="centerGroup"/>
-                    </m:oMathParaPr>
-                    <m:oMath xmlns:m="http://schemas.openxmlformats.org/officeDocument/2006/math">
-                      <m:func>
-                        <m:funcPr>
-                          <m:ctrlPr>
-                            <a:rPr lang="en-US" sz="2800" b="0" i="1" smtClean="0">
-                              <a:latin typeface="Cambria Math"/>
-                            </a:rPr>
-                          </m:ctrlPr>
-                        </m:funcPr>
-                        <m:fName>
-                          <m:limLow>
-                            <m:limLowPr>
-                              <m:ctrlPr>
-                                <a:rPr lang="en-US" sz="2800" b="0" i="1" smtClean="0">
-                                  <a:latin typeface="Cambria Math"/>
-                                </a:rPr>
-                              </m:ctrlPr>
-                            </m:limLowPr>
-                            <m:e>
-                              <m:r>
-                                <m:rPr>
-                                  <m:sty m:val="p"/>
-                                </m:rPr>
-                                <a:rPr lang="en-US" sz="2800" b="0" i="0" smtClean="0">
-                                  <a:latin typeface="Cambria Math"/>
-                                </a:rPr>
-                                <m:t>Pr</m:t>
-                              </m:r>
-                            </m:e>
-                            <m:lim>
-                              <m:sSub>
-                                <m:sSubPr>
-                                  <m:ctrlPr>
-                                    <a:rPr lang="en-US" sz="2800" i="1">
-                                      <a:latin typeface="Cambria Math"/>
-                                    </a:rPr>
-                                  </m:ctrlPr>
-                                </m:sSubPr>
-                                <m:e>
-                                  <m:r>
-                                    <a:rPr lang="en-US" sz="2800" b="1" i="1">
-                                      <a:solidFill>
-                                        <a:srgbClr val="7030A0"/>
-                                      </a:solidFill>
-                                      <a:latin typeface="Cambria Math"/>
-                                    </a:rPr>
-                                    <m:t>𝒖</m:t>
-                                  </m:r>
-                                </m:e>
-                                <m:sub>
-                                  <m:r>
-                                    <a:rPr lang="en-US" sz="2800" i="1">
-                                      <a:latin typeface="Cambria Math"/>
-                                    </a:rPr>
-                                    <m:t>𝑖</m:t>
-                                  </m:r>
-                                </m:sub>
-                              </m:sSub>
-                              <m:r>
-                                <a:rPr lang="en-US" sz="2800" i="1">
-                                  <a:latin typeface="Cambria Math"/>
-                                </a:rPr>
-                                <m:t>∼</m:t>
-                              </m:r>
-                              <m:sSub>
-                                <m:sSubPr>
-                                  <m:ctrlPr>
-                                    <a:rPr lang="en-US" sz="2800" i="1">
-                                      <a:latin typeface="Cambria Math"/>
-                                    </a:rPr>
-                                  </m:ctrlPr>
-                                </m:sSubPr>
-                                <m:e>
-                                  <m:r>
-                                    <a:rPr lang="en-US" sz="2800" i="1">
-                                      <a:latin typeface="Cambria Math"/>
-                                    </a:rPr>
-                                    <m:t>𝑁</m:t>
-                                  </m:r>
-                                </m:e>
-                                <m:sub>
-                                  <m:r>
-                                    <a:rPr lang="en-US" sz="2800" b="1" i="1">
-                                      <a:solidFill>
-                                        <a:srgbClr val="0070C0"/>
-                                      </a:solidFill>
-                                      <a:latin typeface="Cambria Math"/>
-                                    </a:rPr>
-                                    <m:t>𝒅</m:t>
-                                  </m:r>
-                                </m:sub>
-                              </m:sSub>
-                              <m:d>
-                                <m:dPr>
-                                  <m:ctrlPr>
-                                    <a:rPr lang="en-US" sz="2800" i="1">
-                                      <a:latin typeface="Cambria Math"/>
-                                    </a:rPr>
-                                  </m:ctrlPr>
-                                </m:dPr>
-                                <m:e>
-                                  <m:sSup>
-                                    <m:sSupPr>
-                                      <m:ctrlPr>
-                                        <a:rPr lang="en-US" sz="2800" i="1">
-                                          <a:latin typeface="Cambria Math"/>
-                                        </a:rPr>
-                                      </m:ctrlPr>
-                                    </m:sSupPr>
-                                    <m:e>
-                                      <m:r>
-                                        <a:rPr lang="en-US" sz="2800" i="1">
-                                          <a:latin typeface="Cambria Math"/>
-                                        </a:rPr>
-                                        <m:t>0</m:t>
-                                      </m:r>
-                                    </m:e>
-                                    <m:sup>
-                                      <m:r>
-                                        <a:rPr lang="en-US" sz="2800" b="1" i="1">
-                                          <a:solidFill>
-                                            <a:srgbClr val="0070C0"/>
-                                          </a:solidFill>
-                                          <a:latin typeface="Cambria Math"/>
-                                        </a:rPr>
-                                        <m:t>𝒅</m:t>
-                                      </m:r>
-                                    </m:sup>
-                                  </m:sSup>
-                                  <m:r>
-                                    <a:rPr lang="en-US" sz="2800" i="1">
-                                      <a:latin typeface="Cambria Math"/>
-                                    </a:rPr>
-                                    <m:t>,1</m:t>
-                                  </m:r>
-                                </m:e>
-                              </m:d>
-                            </m:lim>
-                          </m:limLow>
-                        </m:fName>
-                        <m:e>
-                          <m:d>
-                            <m:dPr>
-                              <m:begChr m:val="["/>
-                              <m:endChr m:val="]"/>
-                              <m:ctrlPr>
-                                <a:rPr lang="en-US" sz="2800" b="0" i="1" smtClean="0">
-                                  <a:latin typeface="Cambria Math"/>
-                                </a:rPr>
-                              </m:ctrlPr>
-                            </m:dPr>
-                            <m:e>
-                              <m:d>
-                                <m:dPr>
-                                  <m:begChr m:val="|"/>
-                                  <m:endChr m:val="|"/>
-                                  <m:ctrlPr>
-                                    <a:rPr lang="en-US" sz="2800" b="0" i="1" smtClean="0">
-                                      <a:latin typeface="Cambria Math"/>
-                                    </a:rPr>
-                                  </m:ctrlPr>
-                                </m:dPr>
-                                <m:e>
-                                  <m:sSub>
-                                    <m:sSubPr>
-                                      <m:ctrlPr>
-                                        <a:rPr lang="en-US" sz="2800" b="0" i="1" smtClean="0">
-                                          <a:latin typeface="Cambria Math"/>
-                                        </a:rPr>
-                                      </m:ctrlPr>
-                                    </m:sSubPr>
-                                    <m:e>
-                                      <m:d>
-                                        <m:dPr>
-                                          <m:begChr m:val="|"/>
-                                          <m:endChr m:val="|"/>
-                                          <m:ctrlPr>
-                                            <a:rPr lang="en-US" sz="2800" b="0" i="1" smtClean="0">
-                                              <a:latin typeface="Cambria Math"/>
-                                            </a:rPr>
-                                          </m:ctrlPr>
-                                        </m:dPr>
-                                        <m:e>
-                                          <m:d>
-                                            <m:dPr>
-                                              <m:begChr m:val="|"/>
-                                              <m:endChr m:val="|"/>
-                                              <m:ctrlPr>
-                                                <a:rPr lang="en-US" sz="2800" b="0" i="1" smtClean="0">
-                                                  <a:latin typeface="Cambria Math"/>
-                                                </a:rPr>
-                                              </m:ctrlPr>
-                                            </m:dPr>
-                                            <m:e>
-                                              <m:r>
-                                                <a:rPr lang="en-US" sz="2800" b="0" i="1" smtClean="0">
-                                                  <a:latin typeface="Cambria Math"/>
-                                                </a:rPr>
-                                                <m:t>𝑓</m:t>
-                                              </m:r>
-                                              <m:d>
-                                                <m:dPr>
-                                                  <m:ctrlPr>
-                                                    <a:rPr lang="en-US" sz="2800" b="0" i="1" smtClean="0">
-                                                      <a:latin typeface="Cambria Math"/>
-                                                    </a:rPr>
-                                                  </m:ctrlPr>
-                                                </m:dPr>
-                                                <m:e>
-                                                  <m:r>
-                                                    <a:rPr lang="en-US" sz="2800" b="1" i="1" smtClean="0">
-                                                      <a:latin typeface="Cambria Math"/>
-                                                    </a:rPr>
-                                                    <m:t>𝒗</m:t>
-                                                  </m:r>
-                                                </m:e>
-                                              </m:d>
-                                            </m:e>
-                                          </m:d>
-                                        </m:e>
-                                      </m:d>
-                                    </m:e>
-                                    <m:sub>
-                                      <m:r>
-                                        <a:rPr lang="en-US" sz="2800" b="0" i="1" smtClean="0">
-                                          <a:latin typeface="Cambria Math"/>
-                                        </a:rPr>
-                                        <m:t>2</m:t>
-                                      </m:r>
-                                    </m:sub>
-                                  </m:sSub>
-                                  <m:r>
-                                    <a:rPr lang="en-US" sz="2800" b="0" i="1" smtClean="0">
-                                      <a:latin typeface="Cambria Math"/>
-                                    </a:rPr>
-                                    <m:t>−</m:t>
-                                  </m:r>
-                                  <m:rad>
-                                    <m:radPr>
-                                      <m:degHide m:val="on"/>
-                                      <m:ctrlPr>
-                                        <a:rPr lang="en-US" sz="2800" i="1">
-                                          <a:latin typeface="Cambria Math"/>
-                                        </a:rPr>
-                                      </m:ctrlPr>
-                                    </m:radPr>
-                                    <m:deg/>
-                                    <m:e>
-                                      <m:r>
-                                        <a:rPr lang="en-US" sz="2800" b="1" i="1">
-                                          <a:solidFill>
-                                            <a:srgbClr val="FF0000"/>
-                                          </a:solidFill>
-                                          <a:latin typeface="Cambria Math"/>
-                                        </a:rPr>
-                                        <m:t>𝒌</m:t>
-                                      </m:r>
-                                    </m:e>
-                                  </m:rad>
-                                  <m:sSub>
-                                    <m:sSubPr>
-                                      <m:ctrlPr>
-                                        <a:rPr lang="en-US" sz="2800" i="1">
-                                          <a:latin typeface="Cambria Math"/>
-                                        </a:rPr>
-                                      </m:ctrlPr>
-                                    </m:sSubPr>
-                                    <m:e>
-                                      <m:d>
-                                        <m:dPr>
-                                          <m:begChr m:val="|"/>
-                                          <m:endChr m:val="|"/>
-                                          <m:ctrlPr>
-                                            <a:rPr lang="en-US" sz="2800" i="1">
-                                              <a:latin typeface="Cambria Math"/>
-                                            </a:rPr>
-                                          </m:ctrlPr>
-                                        </m:dPr>
-                                        <m:e>
-                                          <m:d>
-                                            <m:dPr>
-                                              <m:begChr m:val="|"/>
-                                              <m:endChr m:val="|"/>
-                                              <m:ctrlPr>
-                                                <a:rPr lang="en-US" sz="2800" i="1">
-                                                  <a:latin typeface="Cambria Math"/>
-                                                </a:rPr>
-                                              </m:ctrlPr>
-                                            </m:dPr>
-                                            <m:e>
-                                              <m:r>
-                                                <a:rPr lang="en-US" sz="2800" b="1" i="1">
-                                                  <a:latin typeface="Cambria Math"/>
-                                                </a:rPr>
-                                                <m:t>𝒗</m:t>
-                                              </m:r>
-                                            </m:e>
-                                          </m:d>
-                                        </m:e>
-                                      </m:d>
-                                    </m:e>
-                                    <m:sub>
-                                      <m:r>
-                                        <a:rPr lang="en-US" sz="2800" i="1">
-                                          <a:latin typeface="Cambria Math"/>
-                                        </a:rPr>
-                                        <m:t>2</m:t>
-                                      </m:r>
-                                    </m:sub>
-                                  </m:sSub>
-                                </m:e>
-                              </m:d>
-                              <m:r>
-                                <a:rPr lang="en-US" sz="2800" b="0" i="1" smtClean="0">
-                                  <a:latin typeface="Cambria Math"/>
-                                </a:rPr>
-                                <m:t>≥</m:t>
-                              </m:r>
-                              <m:r>
-                                <a:rPr lang="en-US" sz="2800" b="1" i="1" smtClean="0">
-                                  <a:solidFill>
-                                    <a:srgbClr val="00B050"/>
-                                  </a:solidFill>
-                                  <a:latin typeface="Cambria Math"/>
-                                </a:rPr>
-                                <m:t>𝝐</m:t>
-                              </m:r>
-                              <m:rad>
-                                <m:radPr>
-                                  <m:degHide m:val="on"/>
-                                  <m:ctrlPr>
-                                    <a:rPr lang="en-US" sz="2800" i="1">
-                                      <a:latin typeface="Cambria Math"/>
-                                    </a:rPr>
-                                  </m:ctrlPr>
-                                </m:radPr>
-                                <m:deg/>
-                                <m:e>
-                                  <m:r>
-                                    <a:rPr lang="en-US" sz="2800" b="1" i="1">
-                                      <a:solidFill>
-                                        <a:srgbClr val="FF0000"/>
-                                      </a:solidFill>
-                                      <a:latin typeface="Cambria Math"/>
-                                    </a:rPr>
-                                    <m:t>𝒌</m:t>
-                                  </m:r>
-                                </m:e>
-                              </m:rad>
-                              <m:sSub>
-                                <m:sSubPr>
-                                  <m:ctrlPr>
-                                    <a:rPr lang="en-US" sz="2800" i="1">
-                                      <a:latin typeface="Cambria Math"/>
-                                    </a:rPr>
-                                  </m:ctrlPr>
-                                </m:sSubPr>
-                                <m:e>
-                                  <m:d>
-                                    <m:dPr>
-                                      <m:begChr m:val="|"/>
-                                      <m:endChr m:val="|"/>
-                                      <m:ctrlPr>
-                                        <a:rPr lang="en-US" sz="2800" i="1">
-                                          <a:latin typeface="Cambria Math"/>
-                                        </a:rPr>
-                                      </m:ctrlPr>
-                                    </m:dPr>
-                                    <m:e>
-                                      <m:d>
-                                        <m:dPr>
-                                          <m:begChr m:val="|"/>
-                                          <m:endChr m:val="|"/>
-                                          <m:ctrlPr>
-                                            <a:rPr lang="en-US" sz="2800" i="1">
-                                              <a:latin typeface="Cambria Math"/>
-                                            </a:rPr>
-                                          </m:ctrlPr>
-                                        </m:dPr>
-                                        <m:e>
-                                          <m:r>
-                                            <a:rPr lang="en-US" sz="2800" b="1" i="1">
-                                              <a:latin typeface="Cambria Math"/>
-                                            </a:rPr>
-                                            <m:t>𝒗</m:t>
-                                          </m:r>
-                                        </m:e>
-                                      </m:d>
-                                    </m:e>
-                                  </m:d>
-                                </m:e>
-                                <m:sub>
-                                  <m:r>
-                                    <a:rPr lang="en-US" sz="2800" i="1">
-                                      <a:latin typeface="Cambria Math"/>
-                                    </a:rPr>
-                                    <m:t>2</m:t>
-                                  </m:r>
-                                </m:sub>
-                              </m:sSub>
-                            </m:e>
-                          </m:d>
-                          <m:r>
-                            <a:rPr lang="en-US" sz="2800" b="0" i="1" smtClean="0">
-                              <a:latin typeface="Cambria Math"/>
-                            </a:rPr>
-                            <m:t>≤3 </m:t>
-                          </m:r>
-                          <m:sSup>
-                            <m:sSupPr>
-                              <m:ctrlPr>
-                                <a:rPr lang="en-US" sz="2800" b="0" i="1" smtClean="0">
-                                  <a:latin typeface="Cambria Math"/>
-                                </a:rPr>
-                              </m:ctrlPr>
-                            </m:sSupPr>
-                            <m:e>
-                              <m:r>
-                                <a:rPr lang="en-US" sz="2800" b="0" i="1" smtClean="0">
-                                  <a:latin typeface="Cambria Math"/>
-                                </a:rPr>
-                                <m:t>𝑒</m:t>
-                              </m:r>
-                            </m:e>
-                            <m:sup>
-                              <m:r>
-                                <a:rPr lang="en-US" sz="2800" b="0" i="1" smtClean="0">
-                                  <a:latin typeface="Cambria Math"/>
-                                </a:rPr>
-                                <m:t>−</m:t>
-                              </m:r>
-                              <m:r>
-                                <a:rPr lang="en-US" sz="2800" b="0" i="1" smtClean="0">
-                                  <a:latin typeface="Cambria Math"/>
-                                </a:rPr>
-                                <m:t>𝑐</m:t>
-                              </m:r>
-                              <m:r>
-                                <a:rPr lang="en-US" sz="2800" b="1" i="1" smtClean="0">
-                                  <a:solidFill>
-                                    <a:srgbClr val="FF0000"/>
-                                  </a:solidFill>
-                                  <a:latin typeface="Cambria Math"/>
-                                </a:rPr>
-                                <m:t>𝒌</m:t>
-                              </m:r>
-                              <m:sSup>
-                                <m:sSupPr>
-                                  <m:ctrlPr>
-                                    <a:rPr lang="en-US" sz="2800" b="0" i="1" smtClean="0">
-                                      <a:latin typeface="Cambria Math"/>
-                                    </a:rPr>
-                                  </m:ctrlPr>
-                                </m:sSupPr>
-                                <m:e>
-                                  <m:r>
-                                    <a:rPr lang="en-US" sz="2800" b="1" i="1" smtClean="0">
-                                      <a:solidFill>
-                                        <a:srgbClr val="00B050"/>
-                                      </a:solidFill>
-                                      <a:latin typeface="Cambria Math"/>
-                                    </a:rPr>
-                                    <m:t>𝝐</m:t>
-                                  </m:r>
-                                </m:e>
-                                <m:sup>
-                                  <m:r>
-                                    <a:rPr lang="en-US" sz="2800" b="0" i="1" smtClean="0">
-                                      <a:latin typeface="Cambria Math"/>
-                                    </a:rPr>
-                                    <m:t>2</m:t>
-                                  </m:r>
-                                </m:sup>
-                              </m:sSup>
-                            </m:sup>
-                          </m:sSup>
-                        </m:e>
-                      </m:func>
-                    </m:oMath>
-                  </m:oMathPara>
-                </a14:m>
-                <a:endParaRPr lang="en-US" sz="2800" b="0" dirty="0" smtClean="0"/>
-              </a:p>
-              <a:p>
-                <a:r>
-                  <a:rPr lang="en-US" sz="2800" dirty="0" smtClean="0"/>
-                  <a:t>Scaling: </a:t>
-                </a:r>
-                <a14:m>
-                  <m:oMath xmlns:m="http://schemas.openxmlformats.org/officeDocument/2006/math">
-                    <m:sSub>
-                      <m:sSubPr>
-                        <m:ctrlPr>
-                          <a:rPr lang="en-US" sz="2800" b="1" i="1" smtClean="0">
-                            <a:latin typeface="Cambria Math"/>
-                          </a:rPr>
-                        </m:ctrlPr>
-                      </m:sSubPr>
-                      <m:e>
-                        <m:d>
-                          <m:dPr>
-                            <m:begChr m:val="|"/>
-                            <m:endChr m:val="|"/>
-                            <m:ctrlPr>
-                              <a:rPr lang="en-US" sz="2800" b="0" i="0" smtClean="0">
-                                <a:latin typeface="Cambria Math"/>
-                              </a:rPr>
-                            </m:ctrlPr>
-                          </m:dPr>
-                          <m:e>
-                            <m:d>
-                              <m:dPr>
-                                <m:begChr m:val="|"/>
-                                <m:endChr m:val="|"/>
-                                <m:ctrlPr>
-                                  <a:rPr lang="en-US" sz="2800" b="0" i="0" smtClean="0">
-                                    <a:latin typeface="Cambria Math"/>
-                                  </a:rPr>
-                                </m:ctrlPr>
-                              </m:dPr>
-                              <m:e>
-                                <m:r>
-                                  <a:rPr lang="en-US" sz="2800" b="1" i="1">
-                                    <a:latin typeface="Cambria Math"/>
-                                  </a:rPr>
-                                  <m:t>𝒗</m:t>
-                                </m:r>
-                              </m:e>
-                            </m:d>
-                          </m:e>
-                        </m:d>
-                      </m:e>
-                      <m:sub>
-                        <m:r>
-                          <a:rPr lang="en-US" sz="2800" b="1" i="1" smtClean="0">
-                            <a:latin typeface="Cambria Math"/>
-                          </a:rPr>
-                          <m:t>𝟐</m:t>
-                        </m:r>
-                      </m:sub>
-                    </m:sSub>
-                    <m:r>
-                      <a:rPr lang="en-US" sz="2800" b="1" i="1" smtClean="0">
-                        <a:latin typeface="Cambria Math"/>
-                      </a:rPr>
-                      <m:t>=</m:t>
-                    </m:r>
-                    <m:r>
-                      <a:rPr lang="en-US" sz="2800" b="0" i="1" smtClean="0">
-                        <a:latin typeface="Cambria Math"/>
-                      </a:rPr>
-                      <m:t>1</m:t>
-                    </m:r>
-                  </m:oMath>
-                </a14:m>
-                <a:endParaRPr lang="en-US" sz="2800" dirty="0" smtClean="0"/>
-              </a:p>
-              <a:p>
-                <a:r>
-                  <a:rPr lang="en-US" sz="2800" b="1" dirty="0" smtClean="0"/>
-                  <a:t>Key fact</a:t>
-                </a:r>
-                <a:r>
-                  <a:rPr lang="en-US" sz="2800" dirty="0" smtClean="0"/>
-                  <a:t>: </a:t>
-                </a:r>
-                <a14:m>
-                  <m:oMath xmlns:m="http://schemas.openxmlformats.org/officeDocument/2006/math">
-                    <m:d>
-                      <m:dPr>
-                        <m:begChr m:val="〈"/>
-                        <m:endChr m:val="〉"/>
-                        <m:ctrlPr>
-                          <a:rPr lang="en-US" sz="2800" i="1">
-                            <a:latin typeface="Cambria Math"/>
-                          </a:rPr>
-                        </m:ctrlPr>
-                      </m:dPr>
-                      <m:e>
-                        <m:sSub>
-                          <m:sSubPr>
-                            <m:ctrlPr>
-                              <a:rPr lang="en-US" sz="2800" i="1">
-                                <a:latin typeface="Cambria Math"/>
-                              </a:rPr>
-                            </m:ctrlPr>
-                          </m:sSubPr>
-                          <m:e>
-                            <m:r>
-                              <a:rPr lang="en-US" sz="2800" b="1" i="1">
-                                <a:solidFill>
-                                  <a:srgbClr val="7030A0"/>
-                                </a:solidFill>
-                                <a:latin typeface="Cambria Math"/>
-                              </a:rPr>
-                              <m:t>𝒖</m:t>
-                            </m:r>
-                          </m:e>
-                          <m:sub>
-                            <m:r>
-                              <a:rPr lang="en-US" sz="2800" b="0" i="1" smtClean="0">
-                                <a:solidFill>
-                                  <a:schemeClr val="tx1"/>
-                                </a:solidFill>
-                                <a:latin typeface="Cambria Math"/>
-                              </a:rPr>
-                              <m:t>𝑖</m:t>
-                            </m:r>
-                          </m:sub>
-                        </m:sSub>
-                        <m:r>
-                          <a:rPr lang="en-US" sz="2800" i="1">
-                            <a:latin typeface="Cambria Math"/>
-                          </a:rPr>
-                          <m:t>,</m:t>
-                        </m:r>
-                        <m:r>
-                          <a:rPr lang="en-US" sz="2800" b="1" i="1">
-                            <a:latin typeface="Cambria Math"/>
-                          </a:rPr>
-                          <m:t>𝒗</m:t>
-                        </m:r>
-                      </m:e>
-                    </m:d>
-                    <m:r>
-                      <a:rPr lang="en-US" sz="2800" b="1" i="1" smtClean="0">
-                        <a:latin typeface="Cambria Math"/>
-                      </a:rPr>
-                      <m:t>=</m:t>
-                    </m:r>
-                    <m:nary>
-                      <m:naryPr>
-                        <m:chr m:val="∑"/>
-                        <m:ctrlPr>
-                          <a:rPr lang="en-US" sz="2800" b="1" i="1" smtClean="0">
-                            <a:latin typeface="Cambria Math"/>
-                          </a:rPr>
-                        </m:ctrlPr>
-                      </m:naryPr>
-                      <m:sub>
-                        <m:r>
-                          <m:rPr>
-                            <m:brk m:alnAt="23"/>
-                          </m:rPr>
-                          <a:rPr lang="en-US" sz="2800" b="0" i="1" smtClean="0">
-                            <a:latin typeface="Cambria Math"/>
-                          </a:rPr>
-                          <m:t>𝑗</m:t>
-                        </m:r>
-                        <m:r>
-                          <m:rPr>
-                            <m:brk m:alnAt="23"/>
-                          </m:rPr>
-                          <a:rPr lang="en-US" sz="2800" b="1" i="1" smtClean="0">
-                            <a:latin typeface="Cambria Math"/>
-                          </a:rPr>
-                          <m:t>=</m:t>
-                        </m:r>
-                        <m:r>
-                          <a:rPr lang="en-US" sz="2800" b="0" i="0" smtClean="0">
-                            <a:latin typeface="Cambria Math"/>
-                          </a:rPr>
-                          <m:t>1</m:t>
-                        </m:r>
-                      </m:sub>
-                      <m:sup>
-                        <m:r>
-                          <a:rPr lang="en-US" sz="2800" b="1" i="1" smtClean="0">
-                            <a:solidFill>
-                              <a:srgbClr val="0070C0"/>
-                            </a:solidFill>
-                            <a:latin typeface="Cambria Math"/>
-                          </a:rPr>
-                          <m:t>𝒅</m:t>
-                        </m:r>
-                      </m:sup>
-                      <m:e>
-                        <m:sSub>
-                          <m:sSubPr>
-                            <m:ctrlPr>
-                              <a:rPr lang="en-US" sz="2800" b="0" i="1" smtClean="0">
-                                <a:latin typeface="Cambria Math"/>
-                              </a:rPr>
-                            </m:ctrlPr>
-                          </m:sSubPr>
-                          <m:e>
-                            <m:r>
-                              <a:rPr lang="en-US" sz="2800" b="1" i="1" smtClean="0">
-                                <a:solidFill>
-                                  <a:srgbClr val="7030A0"/>
-                                </a:solidFill>
-                                <a:latin typeface="Cambria Math"/>
-                              </a:rPr>
-                              <m:t>𝒖</m:t>
-                            </m:r>
-                          </m:e>
-                          <m:sub>
-                            <m:r>
-                              <a:rPr lang="en-US" sz="2800" b="0" i="1" smtClean="0">
-                                <a:latin typeface="Cambria Math"/>
-                              </a:rPr>
-                              <m:t>𝑖𝑗</m:t>
-                            </m:r>
-                          </m:sub>
-                        </m:sSub>
-                        <m:sSub>
-                          <m:sSubPr>
-                            <m:ctrlPr>
-                              <a:rPr lang="en-US" sz="2800" b="0" i="1" smtClean="0">
-                                <a:latin typeface="Cambria Math"/>
-                              </a:rPr>
-                            </m:ctrlPr>
-                          </m:sSubPr>
-                          <m:e>
-                            <m:r>
-                              <a:rPr lang="en-US" sz="2800" b="1" i="1">
-                                <a:latin typeface="Cambria Math"/>
-                              </a:rPr>
-                              <m:t>𝒗</m:t>
-                            </m:r>
-                          </m:e>
-                          <m:sub>
-                            <m:r>
-                              <a:rPr lang="en-US" sz="2800" b="0" i="1" smtClean="0">
-                                <a:latin typeface="Cambria Math"/>
-                              </a:rPr>
-                              <m:t>𝑗</m:t>
-                            </m:r>
-                          </m:sub>
-                        </m:sSub>
-                      </m:e>
-                    </m:nary>
-                    <m:r>
-                      <a:rPr lang="en-US" sz="2800" b="0" i="0" smtClean="0">
-                        <a:latin typeface="Cambria Math"/>
-                      </a:rPr>
-                      <m:t>~</m:t>
-                    </m:r>
-                    <m:r>
-                      <a:rPr lang="en-US" sz="2800" b="0" i="1" smtClean="0">
-                        <a:latin typeface="Cambria Math"/>
-                      </a:rPr>
-                      <m:t>𝑁</m:t>
-                    </m:r>
-                    <m:d>
-                      <m:dPr>
-                        <m:ctrlPr>
-                          <a:rPr lang="en-US" sz="2800" b="0" i="0" smtClean="0">
-                            <a:latin typeface="Cambria Math"/>
-                          </a:rPr>
-                        </m:ctrlPr>
-                      </m:dPr>
-                      <m:e>
-                        <m:r>
-                          <a:rPr lang="en-US" sz="2800" b="0" i="0" smtClean="0">
-                            <a:latin typeface="Cambria Math"/>
-                          </a:rPr>
-                          <m:t>0,</m:t>
-                        </m:r>
-                      </m:e>
-                      <m:e>
-                        <m:d>
-                          <m:dPr>
-                            <m:begChr m:val="|"/>
-                            <m:endChr m:val="|"/>
-                            <m:ctrlPr>
-                              <a:rPr lang="en-US" sz="2800" b="0" i="0" smtClean="0">
-                                <a:latin typeface="Cambria Math"/>
-                              </a:rPr>
-                            </m:ctrlPr>
-                          </m:dPr>
-                          <m:e>
-                            <m:r>
-                              <a:rPr lang="en-US" sz="2800" b="1" i="1" dirty="0" smtClean="0">
-                                <a:latin typeface="Cambria Math"/>
-                              </a:rPr>
-                              <m:t>𝒗</m:t>
-                            </m:r>
-                          </m:e>
-                        </m:d>
-                        <m:sSubSup>
-                          <m:sSubSupPr>
-                            <m:ctrlPr>
-                              <a:rPr lang="en-US" sz="2800" b="0" i="0" smtClean="0">
-                                <a:latin typeface="Cambria Math"/>
-                              </a:rPr>
-                            </m:ctrlPr>
-                          </m:sSubSupPr>
-                          <m:e>
-                            <m:d>
-                              <m:dPr>
-                                <m:begChr m:val=""/>
-                                <m:endChr m:val="|"/>
-                                <m:ctrlPr>
-                                  <a:rPr lang="en-US" sz="2800" b="0" i="0" smtClean="0">
-                                    <a:latin typeface="Cambria Math"/>
-                                  </a:rPr>
-                                </m:ctrlPr>
-                              </m:dPr>
-                              <m:e>
-                                <m:r>
-                                  <a:rPr lang="en-US"/>
-                                  <m:t>​</m:t>
-                                </m:r>
-                              </m:e>
-                            </m:d>
-                          </m:e>
-                          <m:sub>
-                            <m:r>
-                              <a:rPr lang="en-US" sz="2800" b="0" i="0" smtClean="0">
-                                <a:latin typeface="Cambria Math"/>
-                              </a:rPr>
-                              <m:t>2</m:t>
-                            </m:r>
-                          </m:sub>
-                          <m:sup>
-                            <m:r>
-                              <a:rPr lang="en-US" sz="2800" b="0" i="0" smtClean="0">
-                                <a:latin typeface="Cambria Math"/>
-                              </a:rPr>
-                              <m:t>2</m:t>
-                            </m:r>
-                          </m:sup>
-                        </m:sSubSup>
-                      </m:e>
-                    </m:d>
-                    <m:r>
-                      <a:rPr lang="en-US" sz="2800" b="0" i="0" smtClean="0">
-                        <a:latin typeface="Cambria Math"/>
-                      </a:rPr>
-                      <m:t>=</m:t>
-                    </m:r>
-                    <m:r>
-                      <a:rPr lang="en-US" sz="2800" b="0" i="1" smtClean="0">
-                        <a:latin typeface="Cambria Math"/>
-                      </a:rPr>
-                      <m:t>𝑁</m:t>
-                    </m:r>
-                    <m:d>
-                      <m:dPr>
-                        <m:ctrlPr>
-                          <a:rPr lang="en-US" sz="2800" b="0" i="1" smtClean="0">
-                            <a:latin typeface="Cambria Math"/>
-                          </a:rPr>
-                        </m:ctrlPr>
-                      </m:dPr>
-                      <m:e>
-                        <m:r>
-                          <a:rPr lang="en-US" sz="2800" b="0" i="1" smtClean="0">
-                            <a:latin typeface="Cambria Math"/>
-                          </a:rPr>
-                          <m:t>0,1</m:t>
-                        </m:r>
-                      </m:e>
-                    </m:d>
-                  </m:oMath>
-                </a14:m>
-                <a:endParaRPr lang="en-US" sz="2800" b="0" i="1" dirty="0" smtClean="0"/>
-              </a:p>
-              <a:p>
-                <a:r>
-                  <a:rPr lang="en-US" sz="2800" b="0" dirty="0" smtClean="0"/>
-                  <a:t>Apply “Gaussian Annulus Theorem” with </a:t>
-                </a:r>
-                <a14:m>
-                  <m:oMath xmlns:m="http://schemas.openxmlformats.org/officeDocument/2006/math">
-                    <m:r>
-                      <a:rPr lang="en-US" sz="2800" b="1" i="1" smtClean="0">
-                        <a:solidFill>
-                          <a:srgbClr val="FF0000"/>
-                        </a:solidFill>
-                        <a:latin typeface="Cambria Math"/>
-                      </a:rPr>
-                      <m:t>𝒌</m:t>
-                    </m:r>
-                    <m:r>
-                      <a:rPr lang="en-US" sz="2800" b="0" i="1" smtClean="0">
-                        <a:latin typeface="Cambria Math"/>
-                      </a:rPr>
-                      <m:t>=</m:t>
-                    </m:r>
-                    <m:r>
-                      <a:rPr lang="en-US" sz="2800" b="1" i="1" smtClean="0">
-                        <a:solidFill>
-                          <a:srgbClr val="0070C0"/>
-                        </a:solidFill>
-                        <a:latin typeface="Cambria Math"/>
-                      </a:rPr>
-                      <m:t>𝒅</m:t>
-                    </m:r>
-                  </m:oMath>
-                </a14:m>
-                <a:r>
-                  <a:rPr lang="en-US" sz="2800" b="0" dirty="0" smtClean="0"/>
-                  <a:t> </a:t>
-                </a:r>
-              </a:p>
-              <a:p>
-                <a:endParaRPr lang="en-US" sz="2800" dirty="0"/>
-              </a:p>
-            </p:txBody>
-          </p:sp>
-        </mc:Choice>
-        <mc:Fallback>
-          <p:sp>
-            <p:nvSpPr>
-              <p:cNvPr id="3" name="Content Placeholder 2"/>
-              <p:cNvSpPr>
-                <a:spLocks noGrp="1" noRot="1" noChangeAspect="1" noMove="1" noResize="1" noEditPoints="1" noAdjustHandles="1" noChangeArrowheads="1" noChangeShapeType="1" noTextEdit="1"/>
-              </p:cNvSpPr>
-              <p:nvPr>
-                <p:ph idx="1"/>
-              </p:nvPr>
-            </p:nvSpPr>
-            <p:spPr>
-              <a:xfrm>
-                <a:off x="228600" y="1600200"/>
-                <a:ext cx="8915400" cy="5257800"/>
-              </a:xfrm>
-              <a:blipFill rotWithShape="1">
-                <a:blip r:embed="rId2"/>
-                <a:stretch>
-                  <a:fillRect l="-1778" t="-696" b="-812"/>
-                </a:stretch>
-              </a:blipFill>
-            </p:spPr>
-            <p:txBody>
-              <a:bodyPr/>
-              <a:lstStyle/>
-              <a:p>
-                <a:r>
-                  <a:rPr lang="en-US">
-                    <a:noFill/>
-                  </a:rPr>
-                  <a:t> </a:t>
-                </a:r>
-              </a:p>
-            </p:txBody>
-          </p:sp>
-        </mc:Fallback>
-      </mc:AlternateContent>
-      <p:sp>
-        <p:nvSpPr>
-          <p:cNvPr id="4" name="Rectangle 3"/>
-          <p:cNvSpPr/>
-          <p:nvPr/>
-        </p:nvSpPr>
-        <p:spPr>
-          <a:xfrm>
-            <a:off x="228600" y="3581400"/>
-            <a:ext cx="8839200" cy="1447800"/>
-          </a:xfrm>
-          <a:prstGeom prst="rect">
-            <a:avLst/>
-          </a:prstGeom>
-          <a:noFill/>
-        </p:spPr>
-        <p:style>
-          <a:lnRef idx="2">
-            <a:schemeClr val="accent1">
-              <a:shade val="50000"/>
-            </a:schemeClr>
-          </a:lnRef>
-          <a:fillRef idx="1">
-            <a:schemeClr val="accent1"/>
-          </a:fillRef>
-          <a:effectRef idx="0">
-            <a:schemeClr val="accent1"/>
-          </a:effectRef>
-          <a:fontRef idx="minor">
-            <a:schemeClr val="lt1"/>
-          </a:fontRef>
-        </p:style>
-        <p:txBody>
-          <a:bodyPr rtlCol="0" anchor="ctr"/>
-          <a:lstStyle/>
-          <a:p>
-            <a:pPr algn="ctr"/>
-            <a:endParaRPr lang="en-US"/>
-          </a:p>
-        </p:txBody>
-      </p:sp>
-    </p:spTree>
-    <p:extLst>
-      <p:ext uri="{BB962C8B-B14F-4D97-AF65-F5344CB8AC3E}">
-        <p14:creationId xmlns:p14="http://schemas.microsoft.com/office/powerpoint/2010/main" val="1366203873"/>
-      </p:ext>
-    </p:extLst>
-  </p:cSld>
-  <p:clrMapOvr>
-    <a:masterClrMapping/>
-  </p:clrMapOvr>
-  <p:timing>
-    <p:tnLst>
-      <p:par>
-        <p:cTn id="1" dur="indefinite" restart="never" nodeType="tmRoot">
-          <p:childTnLst>
-            <p:seq concurrent="1" nextAc="seek">
-              <p:cTn id="2" dur="indefinite" nodeType="mainSeq">
-                <p:childTnLst>
-                  <p:par>
-                    <p:cTn id="3" fill="hold">
-                      <p:stCondLst>
-                        <p:cond delay="indefinite"/>
-                      </p:stCondLst>
-                      <p:childTnLst>
-                        <p:par>
-                          <p:cTn id="4" fill="hold">
-                            <p:stCondLst>
-                              <p:cond delay="0"/>
-                            </p:stCondLst>
-                            <p:childTnLst>
-                              <p:par>
-                                <p:cTn id="5" presetID="1" presetClass="entr" presetSubtype="0" fill="hold" grpId="0" nodeType="clickEffect">
-                                  <p:stCondLst>
-                                    <p:cond delay="0"/>
-                                  </p:stCondLst>
-                                  <p:childTnLst>
-                                    <p:set>
-                                      <p:cBhvr>
-                                        <p:cTn id="6" dur="1" fill="hold">
-                                          <p:stCondLst>
-                                            <p:cond delay="0"/>
-                                          </p:stCondLst>
-                                        </p:cTn>
-                                        <p:tgtEl>
-                                          <p:spTgt spid="3">
-                                            <p:txEl>
-                                              <p:pRg st="0" end="0"/>
-                                            </p:txEl>
-                                          </p:spTgt>
-                                        </p:tgtEl>
-                                        <p:attrNameLst>
-                                          <p:attrName>style.visibility</p:attrName>
-                                        </p:attrNameLst>
-                                      </p:cBhvr>
-                                      <p:to>
-                                        <p:strVal val="visible"/>
-                                      </p:to>
-                                    </p:set>
-                                  </p:childTnLst>
-                                </p:cTn>
-                              </p:par>
-                              <p:par>
-                                <p:cTn id="7" presetID="1" presetClass="entr" presetSubtype="0" fill="hold" grpId="0" nodeType="withEffect">
-                                  <p:stCondLst>
-                                    <p:cond delay="0"/>
-                                  </p:stCondLst>
-                                  <p:childTnLst>
-                                    <p:set>
-                                      <p:cBhvr>
-                                        <p:cTn id="8" dur="1" fill="hold">
-                                          <p:stCondLst>
-                                            <p:cond delay="0"/>
-                                          </p:stCondLst>
-                                        </p:cTn>
-                                        <p:tgtEl>
-                                          <p:spTgt spid="3">
-                                            <p:txEl>
-                                              <p:pRg st="1" end="1"/>
-                                            </p:txEl>
-                                          </p:spTgt>
-                                        </p:tgtEl>
-                                        <p:attrNameLst>
-                                          <p:attrName>style.visibility</p:attrName>
-                                        </p:attrNameLst>
-                                      </p:cBhvr>
-                                      <p:to>
-                                        <p:strVal val="visible"/>
-                                      </p:to>
-                                    </p:set>
-                                  </p:childTnLst>
-                                </p:cTn>
-                              </p:par>
-                              <p:par>
-                                <p:cTn id="9" presetID="1" presetClass="entr" presetSubtype="0" fill="hold" grpId="0" nodeType="withEffect">
-                                  <p:stCondLst>
-                                    <p:cond delay="0"/>
-                                  </p:stCondLst>
-                                  <p:childTnLst>
-                                    <p:set>
-                                      <p:cBhvr>
-                                        <p:cTn id="10" dur="1" fill="hold">
-                                          <p:stCondLst>
-                                            <p:cond delay="0"/>
-                                          </p:stCondLst>
-                                        </p:cTn>
-                                        <p:tgtEl>
-                                          <p:spTgt spid="3">
-                                            <p:txEl>
-                                              <p:pRg st="2" end="2"/>
-                                            </p:txEl>
-                                          </p:spTgt>
-                                        </p:tgtEl>
-                                        <p:attrNameLst>
-                                          <p:attrName>style.visibility</p:attrName>
-                                        </p:attrNameLst>
-                                      </p:cBhvr>
-                                      <p:to>
-                                        <p:strVal val="visible"/>
-                                      </p:to>
-                                    </p:set>
-                                  </p:childTnLst>
-                                </p:cTn>
-                              </p:par>
-                            </p:childTnLst>
-                          </p:cTn>
-                        </p:par>
-                      </p:childTnLst>
-                    </p:cTn>
-                  </p:par>
-                  <p:par>
-                    <p:cTn id="11" fill="hold">
-                      <p:stCondLst>
-                        <p:cond delay="indefinite"/>
-                      </p:stCondLst>
-                      <p:childTnLst>
-                        <p:par>
-                          <p:cTn id="12" fill="hold">
-                            <p:stCondLst>
-                              <p:cond delay="0"/>
-                            </p:stCondLst>
-                            <p:childTnLst>
-                              <p:par>
-                                <p:cTn id="13" presetID="1" presetClass="entr" presetSubtype="0" fill="hold" grpId="0" nodeType="clickEffect">
-                                  <p:stCondLst>
-                                    <p:cond delay="0"/>
-                                  </p:stCondLst>
-                                  <p:childTnLst>
-                                    <p:set>
-                                      <p:cBhvr>
-                                        <p:cTn id="14" dur="1" fill="hold">
-                                          <p:stCondLst>
-                                            <p:cond delay="0"/>
-                                          </p:stCondLst>
-                                        </p:cTn>
-                                        <p:tgtEl>
-                                          <p:spTgt spid="3">
-                                            <p:txEl>
-                                              <p:pRg st="3" end="3"/>
-                                            </p:txEl>
-                                          </p:spTgt>
-                                        </p:tgtEl>
-                                        <p:attrNameLst>
-                                          <p:attrName>style.visibility</p:attrName>
-                                        </p:attrNameLst>
-                                      </p:cBhvr>
-                                      <p:to>
-                                        <p:strVal val="visible"/>
-                                      </p:to>
-                                    </p:set>
-                                  </p:childTnLst>
-                                </p:cTn>
-                              </p:par>
-                              <p:par>
-                                <p:cTn id="15" presetID="1" presetClass="entr" presetSubtype="0" fill="hold" grpId="0" nodeType="withEffect">
-                                  <p:stCondLst>
-                                    <p:cond delay="0"/>
-                                  </p:stCondLst>
-                                  <p:childTnLst>
-                                    <p:set>
-                                      <p:cBhvr>
-                                        <p:cTn id="16" dur="1" fill="hold">
-                                          <p:stCondLst>
-                                            <p:cond delay="0"/>
-                                          </p:stCondLst>
-                                        </p:cTn>
-                                        <p:tgtEl>
-                                          <p:spTgt spid="4"/>
-                                        </p:tgtEl>
-                                        <p:attrNameLst>
-                                          <p:attrName>style.visibility</p:attrName>
-                                        </p:attrNameLst>
-                                      </p:cBhvr>
-                                      <p:to>
-                                        <p:strVal val="visible"/>
-                                      </p:to>
-                                    </p:set>
-                                  </p:childTnLst>
-                                </p:cTn>
-                              </p:par>
-                              <p:par>
-                                <p:cTn id="17" presetID="1" presetClass="entr" presetSubtype="0" fill="hold" grpId="0" nodeType="withEffect">
-                                  <p:stCondLst>
-                                    <p:cond delay="0"/>
-                                  </p:stCondLst>
-                                  <p:childTnLst>
-                                    <p:set>
-                                      <p:cBhvr>
-                                        <p:cTn id="18" dur="1" fill="hold">
-                                          <p:stCondLst>
-                                            <p:cond delay="0"/>
-                                          </p:stCondLst>
-                                        </p:cTn>
-                                        <p:tgtEl>
-                                          <p:spTgt spid="3">
-                                            <p:txEl>
-                                              <p:pRg st="4" end="4"/>
-                                            </p:txEl>
-                                          </p:spTgt>
-                                        </p:tgtEl>
-                                        <p:attrNameLst>
-                                          <p:attrName>style.visibility</p:attrName>
-                                        </p:attrNameLst>
-                                      </p:cBhvr>
-                                      <p:to>
-                                        <p:strVal val="visible"/>
-                                      </p:to>
-                                    </p:set>
-                                  </p:childTnLst>
-                                </p:cTn>
-                              </p:par>
-                            </p:childTnLst>
-                          </p:cTn>
-                        </p:par>
-                      </p:childTnLst>
-                    </p:cTn>
-                  </p:par>
-                  <p:par>
-                    <p:cTn id="19" fill="hold">
-                      <p:stCondLst>
-                        <p:cond delay="indefinite"/>
-                      </p:stCondLst>
-                      <p:childTnLst>
-                        <p:par>
-                          <p:cTn id="20" fill="hold">
-                            <p:stCondLst>
-                              <p:cond delay="0"/>
-                            </p:stCondLst>
-                            <p:childTnLst>
-                              <p:par>
-                                <p:cTn id="21" presetID="1" presetClass="entr" presetSubtype="0" fill="hold" grpId="0" nodeType="clickEffect">
-                                  <p:stCondLst>
-                                    <p:cond delay="0"/>
-                                  </p:stCondLst>
-                                  <p:childTnLst>
-                                    <p:set>
-                                      <p:cBhvr>
-                                        <p:cTn id="22" dur="1" fill="hold">
-                                          <p:stCondLst>
-                                            <p:cond delay="0"/>
-                                          </p:stCondLst>
-                                        </p:cTn>
-                                        <p:tgtEl>
-                                          <p:spTgt spid="3">
-                                            <p:txEl>
-                                              <p:pRg st="5" end="5"/>
-                                            </p:txEl>
-                                          </p:spTgt>
-                                        </p:tgtEl>
-                                        <p:attrNameLst>
-                                          <p:attrName>style.visibility</p:attrName>
-                                        </p:attrNameLst>
-                                      </p:cBhvr>
-                                      <p:to>
-                                        <p:strVal val="visible"/>
-                                      </p:to>
-                                    </p:set>
-                                  </p:childTnLst>
-                                </p:cTn>
-                              </p:par>
-                            </p:childTnLst>
-                          </p:cTn>
-                        </p:par>
-                      </p:childTnLst>
-                    </p:cTn>
-                  </p:par>
-                  <p:par>
-                    <p:cTn id="23" fill="hold">
-                      <p:stCondLst>
-                        <p:cond delay="indefinite"/>
-                      </p:stCondLst>
-                      <p:childTnLst>
-                        <p:par>
-                          <p:cTn id="24" fill="hold">
-                            <p:stCondLst>
-                              <p:cond delay="0"/>
-                            </p:stCondLst>
-                            <p:childTnLst>
-                              <p:par>
-                                <p:cTn id="25" presetID="1" presetClass="entr" presetSubtype="0" fill="hold" grpId="0" nodeType="clickEffect">
-                                  <p:stCondLst>
-                                    <p:cond delay="0"/>
-                                  </p:stCondLst>
-                                  <p:childTnLst>
-                                    <p:set>
-                                      <p:cBhvr>
-                                        <p:cTn id="26" dur="1" fill="hold">
-                                          <p:stCondLst>
-                                            <p:cond delay="0"/>
-                                          </p:stCondLst>
-                                        </p:cTn>
-                                        <p:tgtEl>
-                                          <p:spTgt spid="3">
-                                            <p:txEl>
-                                              <p:pRg st="6" end="6"/>
-                                            </p:txEl>
-                                          </p:spTgt>
-                                        </p:tgtEl>
-                                        <p:attrNameLst>
-                                          <p:attrName>style.visibility</p:attrName>
-                                        </p:attrNameLst>
-                                      </p:cBhvr>
-                                      <p:to>
-                                        <p:strVal val="visible"/>
-                                      </p:to>
-                                    </p:set>
-                                  </p:childTnLst>
-                                </p:cTn>
-                              </p:par>
-                            </p:childTnLst>
-                          </p:cTn>
-                        </p:par>
-                      </p:childTnLst>
-                    </p:cTn>
-                  </p:par>
-                  <p:par>
-                    <p:cTn id="27" fill="hold">
-                      <p:stCondLst>
-                        <p:cond delay="indefinite"/>
-                      </p:stCondLst>
-                      <p:childTnLst>
-                        <p:par>
-                          <p:cTn id="28" fill="hold">
-                            <p:stCondLst>
-                              <p:cond delay="0"/>
-                            </p:stCondLst>
-                            <p:childTnLst>
-                              <p:par>
-                                <p:cTn id="29" presetID="1" presetClass="entr" presetSubtype="0" fill="hold" grpId="0" nodeType="clickEffect">
-                                  <p:stCondLst>
-                                    <p:cond delay="0"/>
-                                  </p:stCondLst>
-                                  <p:childTnLst>
-                                    <p:set>
-                                      <p:cBhvr>
-                                        <p:cTn id="30" dur="1" fill="hold">
-                                          <p:stCondLst>
-                                            <p:cond delay="0"/>
-                                          </p:stCondLst>
-                                        </p:cTn>
-                                        <p:tgtEl>
-                                          <p:spTgt spid="3">
-                                            <p:txEl>
-                                              <p:pRg st="7" end="7"/>
-                                            </p:txEl>
-                                          </p:spTgt>
-                                        </p:tgtEl>
-                                        <p:attrNameLst>
-                                          <p:attrName>style.visibility</p:attrName>
-                                        </p:attrNameLst>
-                                      </p:cBhvr>
-                                      <p:to>
-                                        <p:strVal val="visible"/>
-                                      </p:to>
-                                    </p:set>
-                                  </p:childTnLst>
-                                </p:cTn>
-                              </p:par>
-                            </p:childTnLst>
-                          </p:cTn>
-                        </p:par>
-                      </p:childTnLst>
-                    </p:cTn>
-                  </p:par>
-                </p:childTnLst>
-              </p:cTn>
-              <p:prevCondLst>
-                <p:cond evt="onPrev" delay="0">
-                  <p:tgtEl>
-                    <p:sldTgt/>
-                  </p:tgtEl>
-                </p:cond>
-              </p:prevCondLst>
-              <p:nextCondLst>
-                <p:cond evt="onNext" delay="0">
-                  <p:tgtEl>
-                    <p:sldTgt/>
-                  </p:tgtEl>
-                </p:cond>
-              </p:nextCondLst>
-            </p:seq>
-          </p:childTnLst>
-        </p:cTn>
-      </p:par>
-    </p:tnLst>
-    <p:bldLst>
-      <p:bldP spid="3" grpId="0" uiExpand="1" build="p"/>
-      <p:bldP spid="4" grpId="0" animBg="1"/>
-    </p:bldLst>
-  </p:timing>
-</p:sld>
-</file>
-
-<file path=ppt/slides/slide25.xml><?xml version="1.0" encoding="utf-8"?>
-<p:sld xmlns:a="http://schemas.openxmlformats.org/drawingml/2006/main" xmlns:r="http://schemas.openxmlformats.org/officeDocument/2006/relationships" xmlns:p="http://schemas.openxmlformats.org/presentationml/2006/main">
-  <p:cSld>
-    <p:spTree>
-      <p:nvGrpSpPr>
-        <p:cNvPr id="1" name=""/>
-        <p:cNvGrpSpPr/>
-        <p:nvPr/>
-      </p:nvGrpSpPr>
-      <p:grpSpPr>
-        <a:xfrm>
-          <a:off x="0" y="0"/>
-          <a:ext cx="0" cy="0"/>
-          <a:chOff x="0" y="0"/>
-          <a:chExt cx="0" cy="0"/>
-        </a:xfrm>
-      </p:grpSpPr>
-      <p:sp>
-        <p:nvSpPr>
-          <p:cNvPr id="2" name="Title 1"/>
-          <p:cNvSpPr>
-            <a:spLocks noGrp="1"/>
-          </p:cNvSpPr>
-          <p:nvPr>
-            <p:ph type="title"/>
-          </p:nvPr>
-        </p:nvSpPr>
-        <p:spPr>
-          <a:xfrm>
-            <a:off x="76199" y="274638"/>
-            <a:ext cx="8977745" cy="1143000"/>
-          </a:xfrm>
-        </p:spPr>
-        <p:txBody>
-          <a:bodyPr>
-            <a:normAutofit/>
-          </a:bodyPr>
-          <a:lstStyle/>
-          <a:p>
-            <a:r>
-              <a:rPr lang="en-US" sz="3600" dirty="0">
-                <a:solidFill>
-                  <a:srgbClr val="0070C0"/>
-                </a:solidFill>
-              </a:rPr>
-              <a:t>Nearest Neighbors and Random Projections</a:t>
-            </a:r>
-            <a:endParaRPr lang="en-US" sz="3600" dirty="0"/>
-          </a:p>
-        </p:txBody>
-      </p:sp>
-      <mc:AlternateContent xmlns:mc="http://schemas.openxmlformats.org/markup-compatibility/2006">
-        <mc:Choice xmlns:a14="http://schemas.microsoft.com/office/drawing/2010/main" Requires="a14">
-          <p:sp>
-            <p:nvSpPr>
-              <p:cNvPr id="3" name="Content Placeholder 2"/>
-              <p:cNvSpPr>
-                <a:spLocks noGrp="1"/>
-              </p:cNvSpPr>
-              <p:nvPr>
-                <p:ph idx="1"/>
-              </p:nvPr>
-            </p:nvSpPr>
-            <p:spPr>
-              <a:xfrm>
-                <a:off x="228600" y="1600200"/>
-                <a:ext cx="8915400" cy="4525963"/>
-              </a:xfrm>
-            </p:spPr>
-            <p:txBody>
-              <a:bodyPr/>
-              <a:lstStyle/>
-              <a:p>
-                <a:pPr marL="0" indent="0">
-                  <a:buNone/>
-                </a:pPr>
-                <a:r>
-                  <a:rPr lang="en-US" b="1" dirty="0"/>
-                  <a:t>Thm. </a:t>
-                </a:r>
-                <a:r>
-                  <a:rPr lang="en-US" dirty="0"/>
-                  <a:t>Fix </a:t>
-                </a:r>
-                <a14:m>
-                  <m:oMath xmlns:m="http://schemas.openxmlformats.org/officeDocument/2006/math">
-                    <m:r>
-                      <a:rPr lang="en-US" b="1" i="1">
-                        <a:latin typeface="Cambria Math"/>
-                      </a:rPr>
-                      <m:t>𝒗</m:t>
-                    </m:r>
-                    <m:r>
-                      <a:rPr lang="en-US" b="1" i="1">
-                        <a:latin typeface="Cambria Math"/>
-                      </a:rPr>
-                      <m:t>∈</m:t>
-                    </m:r>
-                    <m:sSup>
-                      <m:sSupPr>
-                        <m:ctrlPr>
-                          <a:rPr lang="en-US" i="1" dirty="0">
-                            <a:latin typeface="Cambria Math"/>
-                            <a:ea typeface="Cambria Math"/>
-                          </a:rPr>
-                        </m:ctrlPr>
-                      </m:sSupPr>
-                      <m:e>
-                        <m:r>
-                          <a:rPr lang="en-US" i="1" dirty="0">
-                            <a:latin typeface="Cambria Math"/>
-                            <a:ea typeface="Cambria Math"/>
-                          </a:rPr>
-                          <m:t>ℝ</m:t>
-                        </m:r>
-                      </m:e>
-                      <m:sup>
-                        <m:r>
-                          <a:rPr lang="en-US" b="1" i="1" dirty="0">
-                            <a:solidFill>
-                              <a:srgbClr val="0070C0"/>
-                            </a:solidFill>
-                            <a:latin typeface="Cambria Math"/>
-                            <a:ea typeface="Cambria Math"/>
-                          </a:rPr>
-                          <m:t>𝒅</m:t>
-                        </m:r>
-                      </m:sup>
-                    </m:sSup>
-                  </m:oMath>
-                </a14:m>
-                <a:r>
-                  <a:rPr lang="en-US" dirty="0"/>
-                  <a:t> then </a:t>
-                </a:r>
-                <a14:m>
-                  <m:oMath xmlns:m="http://schemas.openxmlformats.org/officeDocument/2006/math">
-                    <m:r>
-                      <a:rPr lang="en-US" i="1">
-                        <a:latin typeface="Cambria Math"/>
-                      </a:rPr>
-                      <m:t>∃</m:t>
-                    </m:r>
-                    <m:r>
-                      <a:rPr lang="en-US" i="1">
-                        <a:latin typeface="Cambria Math"/>
-                      </a:rPr>
-                      <m:t>𝑐</m:t>
-                    </m:r>
-                    <m:r>
-                      <a:rPr lang="en-US" i="1">
-                        <a:latin typeface="Cambria Math"/>
-                      </a:rPr>
-                      <m:t>&gt;0:</m:t>
-                    </m:r>
-                  </m:oMath>
-                </a14:m>
-                <a:r>
-                  <a:rPr lang="en-US" dirty="0"/>
-                  <a:t> for </a:t>
-                </a:r>
-                <a14:m>
-                  <m:oMath xmlns:m="http://schemas.openxmlformats.org/officeDocument/2006/math">
-                    <m:r>
-                      <a:rPr lang="en-US" b="1" i="1">
-                        <a:solidFill>
-                          <a:srgbClr val="00B050"/>
-                        </a:solidFill>
-                        <a:latin typeface="Cambria Math"/>
-                      </a:rPr>
-                      <m:t>𝝐</m:t>
-                    </m:r>
-                    <m:r>
-                      <a:rPr lang="en-US" i="1">
-                        <a:latin typeface="Cambria Math"/>
-                      </a:rPr>
-                      <m:t>∈</m:t>
-                    </m:r>
-                    <m:d>
-                      <m:dPr>
-                        <m:ctrlPr>
-                          <a:rPr lang="en-US" i="1">
-                            <a:latin typeface="Cambria Math"/>
-                          </a:rPr>
-                        </m:ctrlPr>
-                      </m:dPr>
-                      <m:e>
-                        <m:r>
-                          <a:rPr lang="en-US" i="1">
-                            <a:latin typeface="Cambria Math"/>
-                          </a:rPr>
-                          <m:t>0,1</m:t>
-                        </m:r>
-                      </m:e>
-                    </m:d>
-                    <m:r>
-                      <a:rPr lang="en-US" i="1">
-                        <a:latin typeface="Cambria Math"/>
-                      </a:rPr>
-                      <m:t>:</m:t>
-                    </m:r>
-                  </m:oMath>
-                </a14:m>
-                <a:endParaRPr lang="en-US" dirty="0"/>
-              </a:p>
-              <a:p>
-                <a:pPr marL="0" indent="0">
-                  <a:buNone/>
-                </a:pPr>
-                <a14:m>
-                  <m:oMathPara xmlns:m="http://schemas.openxmlformats.org/officeDocument/2006/math">
-                    <m:oMathParaPr>
-                      <m:jc m:val="centerGroup"/>
-                    </m:oMathParaPr>
-                    <m:oMath xmlns:m="http://schemas.openxmlformats.org/officeDocument/2006/math">
-                      <m:func>
-                        <m:funcPr>
-                          <m:ctrlPr>
-                            <a:rPr lang="en-US" sz="2800" i="1">
-                              <a:latin typeface="Cambria Math"/>
-                            </a:rPr>
-                          </m:ctrlPr>
-                        </m:funcPr>
-                        <m:fName>
-                          <m:limLow>
-                            <m:limLowPr>
-                              <m:ctrlPr>
-                                <a:rPr lang="en-US" sz="2800" i="1">
-                                  <a:latin typeface="Cambria Math"/>
-                                </a:rPr>
-                              </m:ctrlPr>
-                            </m:limLowPr>
-                            <m:e>
-                              <m:r>
-                                <m:rPr>
-                                  <m:sty m:val="p"/>
-                                </m:rPr>
-                                <a:rPr lang="en-US" sz="2800">
-                                  <a:latin typeface="Cambria Math"/>
-                                </a:rPr>
-                                <m:t>Pr</m:t>
-                              </m:r>
-                            </m:e>
-                            <m:lim>
-                              <m:sSub>
-                                <m:sSubPr>
-                                  <m:ctrlPr>
-                                    <a:rPr lang="en-US" sz="2800" i="1">
-                                      <a:latin typeface="Cambria Math"/>
-                                    </a:rPr>
-                                  </m:ctrlPr>
-                                </m:sSubPr>
-                                <m:e>
-                                  <m:r>
-                                    <a:rPr lang="en-US" sz="2800" b="1" i="1">
-                                      <a:solidFill>
-                                        <a:srgbClr val="7030A0"/>
-                                      </a:solidFill>
-                                      <a:latin typeface="Cambria Math"/>
-                                    </a:rPr>
-                                    <m:t>𝒖</m:t>
-                                  </m:r>
-                                </m:e>
-                                <m:sub>
-                                  <m:r>
-                                    <a:rPr lang="en-US" sz="2800" i="1">
-                                      <a:latin typeface="Cambria Math"/>
-                                    </a:rPr>
-                                    <m:t>𝑖</m:t>
-                                  </m:r>
-                                </m:sub>
-                              </m:sSub>
-                              <m:r>
-                                <a:rPr lang="en-US" sz="2800" i="1">
-                                  <a:latin typeface="Cambria Math"/>
-                                </a:rPr>
-                                <m:t>∼</m:t>
-                              </m:r>
-                              <m:sSub>
-                                <m:sSubPr>
-                                  <m:ctrlPr>
-                                    <a:rPr lang="en-US" sz="2800" i="1">
-                                      <a:latin typeface="Cambria Math"/>
-                                    </a:rPr>
-                                  </m:ctrlPr>
-                                </m:sSubPr>
-                                <m:e>
-                                  <m:r>
-                                    <a:rPr lang="en-US" sz="2800" i="1">
-                                      <a:latin typeface="Cambria Math"/>
-                                    </a:rPr>
-                                    <m:t>𝑁</m:t>
-                                  </m:r>
-                                </m:e>
-                                <m:sub>
-                                  <m:r>
-                                    <a:rPr lang="en-US" sz="2800" b="1" i="1">
-                                      <a:solidFill>
-                                        <a:srgbClr val="0070C0"/>
-                                      </a:solidFill>
-                                      <a:latin typeface="Cambria Math"/>
-                                    </a:rPr>
-                                    <m:t>𝒅</m:t>
-                                  </m:r>
-                                </m:sub>
-                              </m:sSub>
-                              <m:d>
-                                <m:dPr>
-                                  <m:ctrlPr>
-                                    <a:rPr lang="en-US" sz="2800" i="1">
-                                      <a:latin typeface="Cambria Math"/>
-                                    </a:rPr>
-                                  </m:ctrlPr>
-                                </m:dPr>
-                                <m:e>
-                                  <m:sSup>
-                                    <m:sSupPr>
-                                      <m:ctrlPr>
-                                        <a:rPr lang="en-US" sz="2800" i="1">
-                                          <a:latin typeface="Cambria Math"/>
-                                        </a:rPr>
-                                      </m:ctrlPr>
-                                    </m:sSupPr>
-                                    <m:e>
-                                      <m:r>
-                                        <a:rPr lang="en-US" sz="2800" i="1">
-                                          <a:latin typeface="Cambria Math"/>
-                                        </a:rPr>
-                                        <m:t>0</m:t>
-                                      </m:r>
-                                    </m:e>
-                                    <m:sup>
-                                      <m:r>
-                                        <a:rPr lang="en-US" sz="2800" b="1" i="1">
-                                          <a:solidFill>
-                                            <a:srgbClr val="0070C0"/>
-                                          </a:solidFill>
-                                          <a:latin typeface="Cambria Math"/>
-                                        </a:rPr>
-                                        <m:t>𝒅</m:t>
-                                      </m:r>
-                                    </m:sup>
-                                  </m:sSup>
-                                  <m:r>
-                                    <a:rPr lang="en-US" sz="2800" i="1">
-                                      <a:latin typeface="Cambria Math"/>
-                                    </a:rPr>
-                                    <m:t>,1</m:t>
-                                  </m:r>
-                                </m:e>
-                              </m:d>
-                            </m:lim>
-                          </m:limLow>
-                        </m:fName>
-                        <m:e>
-                          <m:d>
-                            <m:dPr>
-                              <m:begChr m:val="["/>
-                              <m:endChr m:val="]"/>
-                              <m:ctrlPr>
-                                <a:rPr lang="en-US" sz="2800" i="1">
-                                  <a:latin typeface="Cambria Math"/>
-                                </a:rPr>
-                              </m:ctrlPr>
-                            </m:dPr>
-                            <m:e>
-                              <m:d>
-                                <m:dPr>
-                                  <m:begChr m:val="|"/>
-                                  <m:endChr m:val="|"/>
-                                  <m:ctrlPr>
-                                    <a:rPr lang="en-US" sz="2800" i="1">
-                                      <a:latin typeface="Cambria Math"/>
-                                    </a:rPr>
-                                  </m:ctrlPr>
-                                </m:dPr>
-                                <m:e>
-                                  <m:sSub>
-                                    <m:sSubPr>
-                                      <m:ctrlPr>
-                                        <a:rPr lang="en-US" sz="2800" i="1">
-                                          <a:latin typeface="Cambria Math"/>
-                                        </a:rPr>
-                                      </m:ctrlPr>
-                                    </m:sSubPr>
-                                    <m:e>
-                                      <m:d>
-                                        <m:dPr>
-                                          <m:begChr m:val="|"/>
-                                          <m:endChr m:val="|"/>
-                                          <m:ctrlPr>
-                                            <a:rPr lang="en-US" sz="2800" i="1">
-                                              <a:latin typeface="Cambria Math"/>
-                                            </a:rPr>
-                                          </m:ctrlPr>
-                                        </m:dPr>
-                                        <m:e>
-                                          <m:d>
-                                            <m:dPr>
-                                              <m:begChr m:val="|"/>
-                                              <m:endChr m:val="|"/>
-                                              <m:ctrlPr>
-                                                <a:rPr lang="en-US" sz="2800" i="1">
-                                                  <a:latin typeface="Cambria Math"/>
-                                                </a:rPr>
-                                              </m:ctrlPr>
-                                            </m:dPr>
-                                            <m:e>
-                                              <m:r>
-                                                <a:rPr lang="en-US" sz="2800" i="1">
-                                                  <a:latin typeface="Cambria Math"/>
-                                                </a:rPr>
-                                                <m:t>𝑓</m:t>
-                                              </m:r>
-                                              <m:d>
-                                                <m:dPr>
-                                                  <m:ctrlPr>
-                                                    <a:rPr lang="en-US" sz="2800" i="1">
-                                                      <a:latin typeface="Cambria Math"/>
-                                                    </a:rPr>
-                                                  </m:ctrlPr>
-                                                </m:dPr>
-                                                <m:e>
-                                                  <m:r>
-                                                    <a:rPr lang="en-US" sz="2800" b="1" i="1">
-                                                      <a:latin typeface="Cambria Math"/>
-                                                    </a:rPr>
-                                                    <m:t>𝒗</m:t>
-                                                  </m:r>
-                                                </m:e>
-                                              </m:d>
-                                            </m:e>
-                                          </m:d>
-                                        </m:e>
-                                      </m:d>
-                                    </m:e>
-                                    <m:sub>
-                                      <m:r>
-                                        <a:rPr lang="en-US" sz="2800" i="1">
-                                          <a:latin typeface="Cambria Math"/>
-                                        </a:rPr>
-                                        <m:t>2</m:t>
-                                      </m:r>
-                                    </m:sub>
-                                  </m:sSub>
-                                  <m:r>
-                                    <a:rPr lang="en-US" sz="2800" i="1">
-                                      <a:latin typeface="Cambria Math"/>
-                                    </a:rPr>
-                                    <m:t>−</m:t>
-                                  </m:r>
-                                  <m:rad>
-                                    <m:radPr>
-                                      <m:degHide m:val="on"/>
-                                      <m:ctrlPr>
-                                        <a:rPr lang="en-US" sz="2800" i="1">
-                                          <a:latin typeface="Cambria Math"/>
-                                        </a:rPr>
-                                      </m:ctrlPr>
-                                    </m:radPr>
-                                    <m:deg/>
-                                    <m:e>
-                                      <m:r>
-                                        <a:rPr lang="en-US" sz="2800" b="1" i="1">
-                                          <a:solidFill>
-                                            <a:srgbClr val="FF0000"/>
-                                          </a:solidFill>
-                                          <a:latin typeface="Cambria Math"/>
-                                        </a:rPr>
-                                        <m:t>𝒌</m:t>
-                                      </m:r>
-                                    </m:e>
-                                  </m:rad>
-                                  <m:sSub>
-                                    <m:sSubPr>
-                                      <m:ctrlPr>
-                                        <a:rPr lang="en-US" sz="2800" i="1">
-                                          <a:latin typeface="Cambria Math"/>
-                                        </a:rPr>
-                                      </m:ctrlPr>
-                                    </m:sSubPr>
-                                    <m:e>
-                                      <m:d>
-                                        <m:dPr>
-                                          <m:begChr m:val="|"/>
-                                          <m:endChr m:val="|"/>
-                                          <m:ctrlPr>
-                                            <a:rPr lang="en-US" sz="2800" i="1">
-                                              <a:latin typeface="Cambria Math"/>
-                                            </a:rPr>
-                                          </m:ctrlPr>
-                                        </m:dPr>
-                                        <m:e>
-                                          <m:d>
-                                            <m:dPr>
-                                              <m:begChr m:val="|"/>
-                                              <m:endChr m:val="|"/>
-                                              <m:ctrlPr>
-                                                <a:rPr lang="en-US" sz="2800" i="1">
-                                                  <a:latin typeface="Cambria Math"/>
-                                                </a:rPr>
-                                              </m:ctrlPr>
-                                            </m:dPr>
-                                            <m:e>
-                                              <m:r>
-                                                <a:rPr lang="en-US" sz="2800" b="1" i="1">
-                                                  <a:latin typeface="Cambria Math"/>
-                                                </a:rPr>
-                                                <m:t>𝒗</m:t>
-                                              </m:r>
-                                            </m:e>
-                                          </m:d>
-                                        </m:e>
-                                      </m:d>
-                                    </m:e>
-                                    <m:sub>
-                                      <m:r>
-                                        <a:rPr lang="en-US" sz="2800" i="1">
-                                          <a:latin typeface="Cambria Math"/>
-                                        </a:rPr>
-                                        <m:t>2</m:t>
-                                      </m:r>
-                                    </m:sub>
-                                  </m:sSub>
-                                </m:e>
-                              </m:d>
-                              <m:r>
-                                <a:rPr lang="en-US" sz="2800" i="1">
-                                  <a:latin typeface="Cambria Math"/>
-                                </a:rPr>
-                                <m:t>≥</m:t>
-                              </m:r>
-                              <m:r>
-                                <a:rPr lang="en-US" sz="2800" b="1" i="1">
-                                  <a:solidFill>
-                                    <a:srgbClr val="00B050"/>
-                                  </a:solidFill>
-                                  <a:latin typeface="Cambria Math"/>
-                                </a:rPr>
-                                <m:t>𝝐</m:t>
-                              </m:r>
-                              <m:rad>
-                                <m:radPr>
-                                  <m:degHide m:val="on"/>
-                                  <m:ctrlPr>
-                                    <a:rPr lang="en-US" sz="2800" i="1">
-                                      <a:latin typeface="Cambria Math"/>
-                                    </a:rPr>
-                                  </m:ctrlPr>
-                                </m:radPr>
-                                <m:deg/>
-                                <m:e>
-                                  <m:r>
-                                    <a:rPr lang="en-US" sz="2800" b="1" i="1">
-                                      <a:solidFill>
-                                        <a:srgbClr val="FF0000"/>
-                                      </a:solidFill>
-                                      <a:latin typeface="Cambria Math"/>
-                                    </a:rPr>
-                                    <m:t>𝒌</m:t>
-                                  </m:r>
-                                </m:e>
-                              </m:rad>
-                              <m:sSub>
-                                <m:sSubPr>
-                                  <m:ctrlPr>
-                                    <a:rPr lang="en-US" sz="2800" i="1">
-                                      <a:latin typeface="Cambria Math"/>
-                                    </a:rPr>
-                                  </m:ctrlPr>
-                                </m:sSubPr>
-                                <m:e>
-                                  <m:d>
-                                    <m:dPr>
-                                      <m:begChr m:val="|"/>
-                                      <m:endChr m:val="|"/>
-                                      <m:ctrlPr>
-                                        <a:rPr lang="en-US" sz="2800" i="1">
-                                          <a:latin typeface="Cambria Math"/>
-                                        </a:rPr>
-                                      </m:ctrlPr>
-                                    </m:dPr>
-                                    <m:e>
-                                      <m:d>
-                                        <m:dPr>
-                                          <m:begChr m:val="|"/>
-                                          <m:endChr m:val="|"/>
-                                          <m:ctrlPr>
-                                            <a:rPr lang="en-US" sz="2800" i="1">
-                                              <a:latin typeface="Cambria Math"/>
-                                            </a:rPr>
-                                          </m:ctrlPr>
-                                        </m:dPr>
-                                        <m:e>
-                                          <m:r>
-                                            <a:rPr lang="en-US" sz="2800" b="1" i="1">
-                                              <a:latin typeface="Cambria Math"/>
-                                            </a:rPr>
-                                            <m:t>𝒗</m:t>
-                                          </m:r>
-                                        </m:e>
-                                      </m:d>
-                                    </m:e>
-                                  </m:d>
-                                </m:e>
-                                <m:sub>
-                                  <m:r>
-                                    <a:rPr lang="en-US" sz="2800" i="1">
-                                      <a:latin typeface="Cambria Math"/>
-                                    </a:rPr>
-                                    <m:t>2</m:t>
-                                  </m:r>
-                                </m:sub>
-                              </m:sSub>
-                            </m:e>
-                          </m:d>
-                          <m:r>
-                            <a:rPr lang="en-US" sz="2800" i="1">
-                              <a:latin typeface="Cambria Math"/>
-                            </a:rPr>
-                            <m:t>≤3 </m:t>
-                          </m:r>
-                          <m:sSup>
-                            <m:sSupPr>
-                              <m:ctrlPr>
-                                <a:rPr lang="en-US" sz="2800" i="1">
-                                  <a:latin typeface="Cambria Math"/>
-                                </a:rPr>
-                              </m:ctrlPr>
-                            </m:sSupPr>
-                            <m:e>
-                              <m:r>
-                                <a:rPr lang="en-US" sz="2800" i="1">
-                                  <a:latin typeface="Cambria Math"/>
-                                </a:rPr>
-                                <m:t>𝑒</m:t>
-                              </m:r>
-                            </m:e>
-                            <m:sup>
-                              <m:r>
-                                <a:rPr lang="en-US" sz="2800" i="1">
-                                  <a:latin typeface="Cambria Math"/>
-                                </a:rPr>
-                                <m:t>−</m:t>
-                              </m:r>
-                              <m:r>
-                                <a:rPr lang="en-US" sz="2800" i="1">
-                                  <a:latin typeface="Cambria Math"/>
-                                </a:rPr>
-                                <m:t>𝑐</m:t>
-                              </m:r>
-                              <m:r>
-                                <a:rPr lang="en-US" sz="2800" b="1" i="1">
-                                  <a:solidFill>
-                                    <a:srgbClr val="FF0000"/>
-                                  </a:solidFill>
-                                  <a:latin typeface="Cambria Math"/>
-                                </a:rPr>
-                                <m:t>𝒌</m:t>
-                              </m:r>
-                              <m:sSup>
-                                <m:sSupPr>
-                                  <m:ctrlPr>
-                                    <a:rPr lang="en-US" sz="2800" i="1">
-                                      <a:latin typeface="Cambria Math"/>
-                                    </a:rPr>
-                                  </m:ctrlPr>
-                                </m:sSupPr>
-                                <m:e>
-                                  <m:r>
-                                    <a:rPr lang="en-US" sz="2800" b="1" i="1">
-                                      <a:solidFill>
-                                        <a:srgbClr val="00B050"/>
-                                      </a:solidFill>
-                                      <a:latin typeface="Cambria Math"/>
-                                    </a:rPr>
-                                    <m:t>𝝐</m:t>
-                                  </m:r>
-                                </m:e>
-                                <m:sup>
-                                  <m:r>
-                                    <a:rPr lang="en-US" sz="2800" i="1">
-                                      <a:latin typeface="Cambria Math"/>
-                                    </a:rPr>
-                                    <m:t>2</m:t>
-                                  </m:r>
-                                </m:sup>
-                              </m:sSup>
-                            </m:sup>
-                          </m:sSup>
-                        </m:e>
-                      </m:func>
-                    </m:oMath>
-                  </m:oMathPara>
-                </a14:m>
-                <a:endParaRPr lang="en-US" sz="2800" dirty="0"/>
-              </a:p>
-              <a:p>
-                <a:endParaRPr lang="en-US" dirty="0"/>
-              </a:p>
-            </p:txBody>
-          </p:sp>
-        </mc:Choice>
-        <mc:Fallback>
-          <p:sp>
-            <p:nvSpPr>
-              <p:cNvPr id="3" name="Content Placeholder 2"/>
-              <p:cNvSpPr>
-                <a:spLocks noGrp="1" noRot="1" noChangeAspect="1" noMove="1" noResize="1" noEditPoints="1" noAdjustHandles="1" noChangeArrowheads="1" noChangeShapeType="1" noTextEdit="1"/>
-              </p:cNvSpPr>
-              <p:nvPr>
-                <p:ph idx="1"/>
-              </p:nvPr>
-            </p:nvSpPr>
-            <p:spPr>
-              <a:xfrm>
-                <a:off x="228600" y="1600200"/>
-                <a:ext cx="8915400" cy="4525963"/>
-              </a:xfrm>
-              <a:blipFill rotWithShape="1">
-                <a:blip r:embed="rId2"/>
-                <a:stretch>
-                  <a:fillRect l="-1778" t="-1213"/>
-                </a:stretch>
-              </a:blipFill>
-            </p:spPr>
-            <p:txBody>
-              <a:bodyPr/>
-              <a:lstStyle/>
-              <a:p>
-                <a:r>
-                  <a:rPr lang="en-US">
-                    <a:noFill/>
-                  </a:rPr>
-                  <a:t> </a:t>
-                </a:r>
-              </a:p>
-            </p:txBody>
-          </p:sp>
-        </mc:Fallback>
-      </mc:AlternateContent>
-      <p:sp>
-        <p:nvSpPr>
-          <p:cNvPr id="4" name="Rectangle 3"/>
-          <p:cNvSpPr/>
-          <p:nvPr/>
-        </p:nvSpPr>
-        <p:spPr>
-          <a:xfrm>
-            <a:off x="214745" y="1676400"/>
-            <a:ext cx="8839200" cy="1447800"/>
-          </a:xfrm>
-          <a:prstGeom prst="rect">
-            <a:avLst/>
-          </a:prstGeom>
-          <a:noFill/>
-        </p:spPr>
-        <p:style>
-          <a:lnRef idx="2">
-            <a:schemeClr val="accent1">
-              <a:shade val="50000"/>
-            </a:schemeClr>
-          </a:lnRef>
-          <a:fillRef idx="1">
-            <a:schemeClr val="accent1"/>
-          </a:fillRef>
-          <a:effectRef idx="0">
-            <a:schemeClr val="accent1"/>
-          </a:effectRef>
-          <a:fontRef idx="minor">
-            <a:schemeClr val="lt1"/>
-          </a:fontRef>
-        </p:style>
-        <p:txBody>
-          <a:bodyPr rtlCol="0" anchor="ctr"/>
-          <a:lstStyle/>
-          <a:p>
-            <a:pPr algn="ctr"/>
-            <a:endParaRPr lang="en-US"/>
-          </a:p>
-        </p:txBody>
-      </p:sp>
-      <mc:AlternateContent xmlns:mc="http://schemas.openxmlformats.org/markup-compatibility/2006">
-        <mc:Choice xmlns:a14="http://schemas.microsoft.com/office/drawing/2010/main" Requires="a14">
-          <p:sp>
-            <p:nvSpPr>
-              <p:cNvPr id="5" name="Rectangle 4"/>
-              <p:cNvSpPr/>
-              <p:nvPr/>
-            </p:nvSpPr>
-            <p:spPr>
-              <a:xfrm>
-                <a:off x="214745" y="3316329"/>
-                <a:ext cx="8700655" cy="577979"/>
-              </a:xfrm>
-              <a:prstGeom prst="rect">
-                <a:avLst/>
-              </a:prstGeom>
-              <a:ln w="25400">
-                <a:solidFill>
-                  <a:srgbClr val="0070C0"/>
-                </a:solidFill>
-              </a:ln>
-            </p:spPr>
-            <p:txBody>
-              <a:bodyPr wrap="square">
-                <a:spAutoFit/>
-              </a:bodyPr>
-              <a:lstStyle/>
-              <a:p>
-                <a:r>
-                  <a:rPr lang="en-US" sz="2400" b="1" dirty="0"/>
-                  <a:t>Return: </a:t>
-                </a:r>
-                <a14:m>
-                  <m:oMath xmlns:m="http://schemas.openxmlformats.org/officeDocument/2006/math">
-                    <m:r>
-                      <a:rPr lang="en-US" sz="2400" i="1" dirty="0">
-                        <a:latin typeface="Cambria Math"/>
-                      </a:rPr>
-                      <m:t>𝑎𝑟𝑔𝑚𝑖</m:t>
-                    </m:r>
-                    <m:sSub>
-                      <m:sSubPr>
-                        <m:ctrlPr>
-                          <a:rPr lang="en-US" sz="2400" i="1" dirty="0">
-                            <a:latin typeface="Cambria Math"/>
-                          </a:rPr>
-                        </m:ctrlPr>
-                      </m:sSubPr>
-                      <m:e>
-                        <m:r>
-                          <a:rPr lang="en-US" sz="2400" i="1" dirty="0">
-                            <a:latin typeface="Cambria Math"/>
-                          </a:rPr>
-                          <m:t>𝑛</m:t>
-                        </m:r>
-                      </m:e>
-                      <m:sub>
-                        <m:r>
-                          <a:rPr lang="en-US" sz="2400" i="1" dirty="0">
-                            <a:latin typeface="Cambria Math"/>
-                          </a:rPr>
-                          <m:t>𝑥</m:t>
-                        </m:r>
-                        <m:r>
-                          <a:rPr lang="en-US" sz="2400" i="1" dirty="0">
-                            <a:latin typeface="Cambria Math"/>
-                          </a:rPr>
-                          <m:t>∈</m:t>
-                        </m:r>
-                        <m:r>
-                          <a:rPr lang="en-US" sz="2400" i="1" dirty="0">
-                            <a:latin typeface="Cambria Math"/>
-                          </a:rPr>
-                          <m:t>𝐴</m:t>
-                        </m:r>
-                      </m:sub>
-                    </m:sSub>
-                    <m:sSub>
-                      <m:sSubPr>
-                        <m:ctrlPr>
-                          <a:rPr lang="en-US" sz="2400" i="1">
-                            <a:latin typeface="Cambria Math"/>
-                          </a:rPr>
-                        </m:ctrlPr>
-                      </m:sSubPr>
-                      <m:e>
-                        <m:d>
-                          <m:dPr>
-                            <m:begChr m:val="|"/>
-                            <m:endChr m:val="|"/>
-                            <m:ctrlPr>
-                              <a:rPr lang="en-US" sz="2400" i="1">
-                                <a:latin typeface="Cambria Math"/>
-                              </a:rPr>
-                            </m:ctrlPr>
-                          </m:dPr>
-                          <m:e>
-                            <m:d>
-                              <m:dPr>
-                                <m:begChr m:val="|"/>
-                                <m:endChr m:val="|"/>
-                                <m:ctrlPr>
-                                  <a:rPr lang="en-US" sz="2400" i="1">
-                                    <a:latin typeface="Cambria Math"/>
-                                  </a:rPr>
-                                </m:ctrlPr>
-                              </m:dPr>
-                              <m:e>
-                                <m:r>
-                                  <a:rPr lang="en-US" sz="2400" i="1">
-                                    <a:latin typeface="Cambria Math"/>
-                                  </a:rPr>
-                                  <m:t>𝑓</m:t>
-                                </m:r>
-                                <m:d>
-                                  <m:dPr>
-                                    <m:ctrlPr>
-                                      <a:rPr lang="en-US" sz="2400" i="1">
-                                        <a:latin typeface="Cambria Math"/>
-                                      </a:rPr>
-                                    </m:ctrlPr>
-                                  </m:dPr>
-                                  <m:e>
-                                    <m:r>
-                                      <a:rPr lang="en-US" sz="2400" b="1" i="1">
-                                        <a:latin typeface="Cambria Math"/>
-                                      </a:rPr>
-                                      <m:t>𝒒</m:t>
-                                    </m:r>
-                                  </m:e>
-                                </m:d>
-                                <m:r>
-                                  <a:rPr lang="en-US" sz="2400" b="1" i="1">
-                                    <a:latin typeface="Cambria Math"/>
-                                  </a:rPr>
-                                  <m:t>−</m:t>
-                                </m:r>
-                                <m:r>
-                                  <a:rPr lang="en-US" sz="2400" i="1">
-                                    <a:latin typeface="Cambria Math"/>
-                                  </a:rPr>
-                                  <m:t>𝑓</m:t>
-                                </m:r>
-                                <m:d>
-                                  <m:dPr>
-                                    <m:ctrlPr>
-                                      <a:rPr lang="en-US" sz="2400" i="1">
-                                        <a:latin typeface="Cambria Math"/>
-                                      </a:rPr>
-                                    </m:ctrlPr>
-                                  </m:dPr>
-                                  <m:e>
-                                    <m:r>
-                                      <a:rPr lang="en-US" sz="2400" b="1" i="1">
-                                        <a:latin typeface="Cambria Math"/>
-                                      </a:rPr>
-                                      <m:t>𝒙</m:t>
-                                    </m:r>
-                                  </m:e>
-                                </m:d>
-                              </m:e>
-                            </m:d>
-                          </m:e>
-                        </m:d>
-                      </m:e>
-                      <m:sub>
-                        <m:r>
-                          <a:rPr lang="en-US" sz="2400" i="1">
-                            <a:latin typeface="Cambria Math"/>
-                          </a:rPr>
-                          <m:t>2</m:t>
-                        </m:r>
-                      </m:sub>
-                    </m:sSub>
-                    <m:r>
-                      <a:rPr lang="en-US" sz="2400" i="1">
-                        <a:latin typeface="Cambria Math"/>
-                      </a:rPr>
-                      <m:t>≈</m:t>
-                    </m:r>
-                    <m:rad>
-                      <m:radPr>
-                        <m:degHide m:val="on"/>
-                        <m:ctrlPr>
-                          <a:rPr lang="en-US" sz="2400" i="1">
-                            <a:latin typeface="Cambria Math"/>
-                          </a:rPr>
-                        </m:ctrlPr>
-                      </m:radPr>
-                      <m:deg/>
-                      <m:e>
-                        <m:r>
-                          <a:rPr lang="en-US" sz="2400" b="1" i="1">
-                            <a:solidFill>
-                              <a:srgbClr val="FF0000"/>
-                            </a:solidFill>
-                            <a:latin typeface="Cambria Math"/>
-                          </a:rPr>
-                          <m:t>𝒌</m:t>
-                        </m:r>
-                      </m:e>
-                    </m:rad>
-                  </m:oMath>
-                </a14:m>
-                <a:r>
-                  <a:rPr lang="en-US" sz="2400" dirty="0"/>
-                  <a:t> </a:t>
-                </a:r>
-                <a14:m>
-                  <m:oMath xmlns:m="http://schemas.openxmlformats.org/officeDocument/2006/math">
-                    <m:r>
-                      <a:rPr lang="en-US" sz="2400" i="1" dirty="0">
-                        <a:latin typeface="Cambria Math"/>
-                      </a:rPr>
-                      <m:t>𝑎𝑟𝑔𝑚𝑖</m:t>
-                    </m:r>
-                    <m:sSub>
-                      <m:sSubPr>
-                        <m:ctrlPr>
-                          <a:rPr lang="en-US" sz="2400" i="1" dirty="0">
-                            <a:latin typeface="Cambria Math"/>
-                          </a:rPr>
-                        </m:ctrlPr>
-                      </m:sSubPr>
-                      <m:e>
-                        <m:r>
-                          <a:rPr lang="en-US" sz="2400" i="1" dirty="0">
-                            <a:latin typeface="Cambria Math"/>
-                          </a:rPr>
-                          <m:t>𝑛</m:t>
-                        </m:r>
-                      </m:e>
-                      <m:sub>
-                        <m:r>
-                          <a:rPr lang="en-US" sz="2400" i="1" dirty="0">
-                            <a:latin typeface="Cambria Math"/>
-                          </a:rPr>
-                          <m:t>𝑥</m:t>
-                        </m:r>
-                        <m:r>
-                          <a:rPr lang="en-US" sz="2400" i="1" dirty="0">
-                            <a:latin typeface="Cambria Math"/>
-                          </a:rPr>
-                          <m:t>∈</m:t>
-                        </m:r>
-                        <m:r>
-                          <a:rPr lang="en-US" sz="2400" i="1" dirty="0">
-                            <a:latin typeface="Cambria Math"/>
-                          </a:rPr>
-                          <m:t>𝐴</m:t>
-                        </m:r>
-                      </m:sub>
-                    </m:sSub>
-                    <m:sSub>
-                      <m:sSubPr>
-                        <m:ctrlPr>
-                          <a:rPr lang="en-US" sz="2400" i="1">
-                            <a:latin typeface="Cambria Math"/>
-                          </a:rPr>
-                        </m:ctrlPr>
-                      </m:sSubPr>
-                      <m:e>
-                        <m:d>
-                          <m:dPr>
-                            <m:begChr m:val="|"/>
-                            <m:endChr m:val="|"/>
-                            <m:ctrlPr>
-                              <a:rPr lang="en-US" sz="2400" i="1">
-                                <a:latin typeface="Cambria Math"/>
-                              </a:rPr>
-                            </m:ctrlPr>
-                          </m:dPr>
-                          <m:e>
-                            <m:d>
-                              <m:dPr>
-                                <m:begChr m:val="|"/>
-                                <m:endChr m:val="|"/>
-                                <m:ctrlPr>
-                                  <a:rPr lang="en-US" sz="2400" i="1">
-                                    <a:latin typeface="Cambria Math"/>
-                                  </a:rPr>
-                                </m:ctrlPr>
-                              </m:dPr>
-                              <m:e>
-                                <m:r>
-                                  <a:rPr lang="en-US" sz="2400" b="1" i="1">
-                                    <a:latin typeface="Cambria Math"/>
-                                  </a:rPr>
-                                  <m:t>𝒒</m:t>
-                                </m:r>
-                                <m:r>
-                                  <a:rPr lang="en-US" sz="2400" i="1">
-                                    <a:latin typeface="Cambria Math"/>
-                                  </a:rPr>
-                                  <m:t>−</m:t>
-                                </m:r>
-                                <m:r>
-                                  <a:rPr lang="en-US" sz="2400" b="1" i="1">
-                                    <a:latin typeface="Cambria Math"/>
-                                  </a:rPr>
-                                  <m:t>𝒙</m:t>
-                                </m:r>
-                              </m:e>
-                            </m:d>
-                          </m:e>
-                        </m:d>
-                      </m:e>
-                      <m:sub>
-                        <m:r>
-                          <a:rPr lang="en-US" sz="2400" i="1">
-                            <a:latin typeface="Cambria Math"/>
-                          </a:rPr>
-                          <m:t>2</m:t>
-                        </m:r>
-                      </m:sub>
-                    </m:sSub>
-                  </m:oMath>
-                </a14:m>
-                <a:endParaRPr lang="en-US" sz="2400" dirty="0"/>
-              </a:p>
-            </p:txBody>
-          </p:sp>
-        </mc:Choice>
-        <mc:Fallback>
-          <p:sp>
-            <p:nvSpPr>
-              <p:cNvPr id="5" name="Rectangle 4"/>
-              <p:cNvSpPr>
-                <a:spLocks noRot="1" noChangeAspect="1" noMove="1" noResize="1" noEditPoints="1" noAdjustHandles="1" noChangeArrowheads="1" noChangeShapeType="1" noTextEdit="1"/>
-              </p:cNvSpPr>
-              <p:nvPr/>
-            </p:nvSpPr>
-            <p:spPr>
-              <a:xfrm>
-                <a:off x="214745" y="3316329"/>
-                <a:ext cx="8700655" cy="577979"/>
-              </a:xfrm>
-              <a:prstGeom prst="rect">
-                <a:avLst/>
-              </a:prstGeom>
-              <a:blipFill rotWithShape="1">
-                <a:blip r:embed="rId3"/>
-                <a:stretch>
-                  <a:fillRect l="-908" b="-9091"/>
-                </a:stretch>
-              </a:blipFill>
-              <a:ln w="25400">
-                <a:solidFill>
-                  <a:srgbClr val="0070C0"/>
-                </a:solidFill>
-              </a:ln>
-            </p:spPr>
-            <p:txBody>
-              <a:bodyPr/>
-              <a:lstStyle/>
-              <a:p>
-                <a:r>
-                  <a:rPr lang="en-US">
-                    <a:noFill/>
-                  </a:rPr>
-                  <a:t> </a:t>
-                </a:r>
-              </a:p>
-            </p:txBody>
-          </p:sp>
-        </mc:Fallback>
-      </mc:AlternateContent>
-      <mc:AlternateContent xmlns:mc="http://schemas.openxmlformats.org/markup-compatibility/2006">
-        <mc:Choice xmlns:a14="http://schemas.microsoft.com/office/drawing/2010/main" Requires="a14">
-          <p:sp>
-            <p:nvSpPr>
-              <p:cNvPr id="7" name="TextBox 6"/>
-              <p:cNvSpPr txBox="1"/>
-              <p:nvPr/>
-            </p:nvSpPr>
-            <p:spPr>
-              <a:xfrm>
-                <a:off x="214744" y="4114800"/>
-                <a:ext cx="8929255" cy="2658035"/>
-              </a:xfrm>
-              <a:prstGeom prst="rect">
-                <a:avLst/>
-              </a:prstGeom>
-              <a:noFill/>
-            </p:spPr>
-            <p:txBody>
-              <a:bodyPr wrap="square" rtlCol="0">
-                <a:spAutoFit/>
-              </a:bodyPr>
-              <a:lstStyle/>
-              <a:p>
-                <a:pPr marL="285750" indent="-285750">
-                  <a:buFont typeface="Arial" pitchFamily="34" charset="0"/>
-                  <a:buChar char="•"/>
-                </a:pPr>
-                <a:r>
-                  <a:rPr lang="en-US" sz="2800" dirty="0" smtClean="0"/>
-                  <a:t>Fix and let </a:t>
-                </a:r>
-                <a14:m>
-                  <m:oMath xmlns:m="http://schemas.openxmlformats.org/officeDocument/2006/math">
-                    <m:r>
-                      <a:rPr lang="en-US" sz="2800" b="1" i="1" smtClean="0">
-                        <a:latin typeface="Cambria Math"/>
-                      </a:rPr>
-                      <m:t>𝒗</m:t>
-                    </m:r>
-                    <m:r>
-                      <a:rPr lang="en-US" sz="2800" b="1" i="0" smtClean="0">
-                        <a:latin typeface="Cambria Math"/>
-                      </a:rPr>
-                      <m:t>= </m:t>
-                    </m:r>
-                    <m:r>
-                      <a:rPr lang="en-US" sz="2800" b="1" i="1" smtClean="0">
-                        <a:latin typeface="Cambria Math"/>
-                      </a:rPr>
-                      <m:t>𝒒</m:t>
-                    </m:r>
-                    <m:r>
-                      <a:rPr lang="en-US" sz="2800" i="1">
-                        <a:latin typeface="Cambria Math"/>
-                      </a:rPr>
-                      <m:t>−</m:t>
-                    </m:r>
-                    <m:sSub>
-                      <m:sSubPr>
-                        <m:ctrlPr>
-                          <a:rPr lang="en-US" sz="2800" b="1" i="1" smtClean="0">
-                            <a:latin typeface="Cambria Math"/>
-                          </a:rPr>
-                        </m:ctrlPr>
-                      </m:sSubPr>
-                      <m:e>
-                        <m:r>
-                          <a:rPr lang="en-US" sz="2800" b="1" i="1">
-                            <a:latin typeface="Cambria Math"/>
-                          </a:rPr>
-                          <m:t>𝒙</m:t>
-                        </m:r>
-                      </m:e>
-                      <m:sub>
-                        <m:r>
-                          <a:rPr lang="en-US" sz="2800" b="0" i="1" smtClean="0">
-                            <a:latin typeface="Cambria Math"/>
-                          </a:rPr>
-                          <m:t>𝑖</m:t>
-                        </m:r>
-                      </m:sub>
-                    </m:sSub>
-                  </m:oMath>
-                </a14:m>
-                <a:r>
-                  <a:rPr lang="en-US" sz="2800" b="1" dirty="0" smtClean="0"/>
-                  <a:t> </a:t>
-                </a:r>
-                <a:r>
-                  <a:rPr lang="en-US" sz="2800" dirty="0" smtClean="0"/>
-                  <a:t>for </a:t>
-                </a:r>
-                <a14:m>
-                  <m:oMath xmlns:m="http://schemas.openxmlformats.org/officeDocument/2006/math">
-                    <m:sSub>
-                      <m:sSubPr>
-                        <m:ctrlPr>
-                          <a:rPr lang="en-US" sz="2800" b="0" i="1" smtClean="0">
-                            <a:latin typeface="Cambria Math"/>
-                          </a:rPr>
-                        </m:ctrlPr>
-                      </m:sSubPr>
-                      <m:e>
-                        <m:r>
-                          <a:rPr lang="en-US" sz="2800" b="1" i="1" smtClean="0">
-                            <a:latin typeface="Cambria Math"/>
-                          </a:rPr>
-                          <m:t>𝒙</m:t>
-                        </m:r>
-                      </m:e>
-                      <m:sub>
-                        <m:r>
-                          <a:rPr lang="en-US" sz="2800" b="0" i="1" smtClean="0">
-                            <a:latin typeface="Cambria Math"/>
-                          </a:rPr>
-                          <m:t>𝑖</m:t>
-                        </m:r>
-                      </m:sub>
-                    </m:sSub>
-                    <m:r>
-                      <a:rPr lang="en-US" sz="2800" b="0" i="1" smtClean="0">
-                        <a:latin typeface="Cambria Math"/>
-                      </a:rPr>
-                      <m:t>∈</m:t>
-                    </m:r>
-                    <m:r>
-                      <a:rPr lang="en-US" sz="2800" b="1" i="1" smtClean="0">
-                        <a:latin typeface="Cambria Math"/>
-                      </a:rPr>
-                      <m:t>𝑨</m:t>
-                    </m:r>
-                  </m:oMath>
-                </a14:m>
-                <a:r>
-                  <a:rPr lang="en-US" sz="2800" b="1" dirty="0" smtClean="0"/>
-                  <a:t> </a:t>
-                </a:r>
-                <a:r>
-                  <a:rPr lang="en-US" sz="2800" dirty="0" smtClean="0"/>
-                  <a:t>and let </a:t>
-                </a:r>
-                <a14:m>
-                  <m:oMath xmlns:m="http://schemas.openxmlformats.org/officeDocument/2006/math">
-                    <m:r>
-                      <a:rPr lang="en-US" sz="2800" b="1" i="1">
-                        <a:solidFill>
-                          <a:srgbClr val="FF0000"/>
-                        </a:solidFill>
-                        <a:latin typeface="Cambria Math"/>
-                      </a:rPr>
-                      <m:t>𝒌</m:t>
-                    </m:r>
-                    <m:r>
-                      <a:rPr lang="en-US" sz="2800" b="1" i="1">
-                        <a:latin typeface="Cambria Math"/>
-                      </a:rPr>
-                      <m:t>=</m:t>
-                    </m:r>
-                    <m:r>
-                      <a:rPr lang="en-US" sz="2800" i="1">
-                        <a:latin typeface="Cambria Math"/>
-                      </a:rPr>
-                      <m:t>𝑂</m:t>
-                    </m:r>
-                    <m:d>
-                      <m:dPr>
-                        <m:ctrlPr>
-                          <a:rPr lang="en-US" sz="2800" i="1">
-                            <a:latin typeface="Cambria Math"/>
-                          </a:rPr>
-                        </m:ctrlPr>
-                      </m:dPr>
-                      <m:e>
-                        <m:f>
-                          <m:fPr>
-                            <m:ctrlPr>
-                              <a:rPr lang="en-US" sz="2800" i="1">
-                                <a:latin typeface="Cambria Math"/>
-                              </a:rPr>
-                            </m:ctrlPr>
-                          </m:fPr>
-                          <m:num>
-                            <m:func>
-                              <m:funcPr>
-                                <m:ctrlPr>
-                                  <a:rPr lang="en-US" sz="2800" i="1">
-                                    <a:latin typeface="Cambria Math"/>
-                                  </a:rPr>
-                                </m:ctrlPr>
-                              </m:funcPr>
-                              <m:fName>
-                                <m:r>
-                                  <a:rPr lang="en-US" sz="2800" b="1" i="1" smtClean="0">
-                                    <a:latin typeface="Cambria Math"/>
-                                  </a:rPr>
-                                  <m:t>𝜸</m:t>
-                                </m:r>
-                                <m:r>
-                                  <m:rPr>
-                                    <m:sty m:val="p"/>
-                                  </m:rPr>
-                                  <a:rPr lang="en-US" sz="2800">
-                                    <a:latin typeface="Cambria Math"/>
-                                  </a:rPr>
-                                  <m:t>log</m:t>
-                                </m:r>
-                              </m:fName>
-                              <m:e>
-                                <m:r>
-                                  <a:rPr lang="en-US" sz="2800" i="1">
-                                    <a:latin typeface="Cambria Math"/>
-                                  </a:rPr>
-                                  <m:t>𝑛</m:t>
-                                </m:r>
-                              </m:e>
-                            </m:func>
-                          </m:num>
-                          <m:den>
-                            <m:sSup>
-                              <m:sSupPr>
-                                <m:ctrlPr>
-                                  <a:rPr lang="en-US" sz="2800" i="1">
-                                    <a:latin typeface="Cambria Math"/>
-                                  </a:rPr>
-                                </m:ctrlPr>
-                              </m:sSupPr>
-                              <m:e>
-                                <m:r>
-                                  <a:rPr lang="en-US" sz="2800" b="1" i="1">
-                                    <a:solidFill>
-                                      <a:srgbClr val="00B050"/>
-                                    </a:solidFill>
-                                    <a:latin typeface="Cambria Math"/>
-                                  </a:rPr>
-                                  <m:t>𝝐</m:t>
-                                </m:r>
-                              </m:e>
-                              <m:sup>
-                                <m:r>
-                                  <a:rPr lang="en-US" sz="2800" i="1">
-                                    <a:latin typeface="Cambria Math"/>
-                                  </a:rPr>
-                                  <m:t>2</m:t>
-                                </m:r>
-                              </m:sup>
-                            </m:sSup>
-                          </m:den>
-                        </m:f>
-                      </m:e>
-                    </m:d>
-                  </m:oMath>
-                </a14:m>
-                <a:endParaRPr lang="en-US" sz="2800" b="1" dirty="0" smtClean="0"/>
-              </a:p>
-              <a:p>
-                <a14:m>
-                  <m:oMath xmlns:m="http://schemas.openxmlformats.org/officeDocument/2006/math">
-                    <m:d>
-                      <m:dPr>
-                        <m:ctrlPr>
-                          <a:rPr lang="en-US" sz="2800" b="0" i="1" smtClean="0">
-                            <a:latin typeface="Cambria Math"/>
-                          </a:rPr>
-                        </m:ctrlPr>
-                      </m:dPr>
-                      <m:e>
-                        <m:r>
-                          <a:rPr lang="en-US" sz="2800" b="0" i="1" smtClean="0">
-                            <a:latin typeface="Cambria Math"/>
-                          </a:rPr>
-                          <m:t>1±</m:t>
-                        </m:r>
-                        <m:r>
-                          <a:rPr lang="en-US" sz="2800" b="1" i="1" smtClean="0">
-                            <a:latin typeface="Cambria Math"/>
-                          </a:rPr>
-                          <m:t>𝝐</m:t>
-                        </m:r>
-                      </m:e>
-                    </m:d>
-                    <m:sSub>
-                      <m:sSubPr>
-                        <m:ctrlPr>
-                          <a:rPr lang="en-US" sz="2800" b="1" i="1" smtClean="0">
-                            <a:latin typeface="Cambria Math"/>
-                          </a:rPr>
-                        </m:ctrlPr>
-                      </m:sSubPr>
-                      <m:e>
-                        <m:rad>
-                          <m:radPr>
-                            <m:degHide m:val="on"/>
-                            <m:ctrlPr>
-                              <a:rPr lang="en-US" sz="2800" i="1">
-                                <a:latin typeface="Cambria Math"/>
-                              </a:rPr>
-                            </m:ctrlPr>
-                          </m:radPr>
-                          <m:deg/>
-                          <m:e>
-                            <m:r>
-                              <a:rPr lang="en-US" sz="2800" b="1" i="1">
-                                <a:solidFill>
-                                  <a:srgbClr val="FF0000"/>
-                                </a:solidFill>
-                                <a:latin typeface="Cambria Math"/>
-                              </a:rPr>
-                              <m:t>𝒌</m:t>
-                            </m:r>
-                          </m:e>
-                        </m:rad>
-                        <m:d>
-                          <m:dPr>
-                            <m:begChr m:val="|"/>
-                            <m:endChr m:val="|"/>
-                            <m:ctrlPr>
-                              <a:rPr lang="en-US" sz="2800" b="0" i="1" smtClean="0">
-                                <a:latin typeface="Cambria Math"/>
-                              </a:rPr>
-                            </m:ctrlPr>
-                          </m:dPr>
-                          <m:e>
-                            <m:d>
-                              <m:dPr>
-                                <m:begChr m:val="|"/>
-                                <m:endChr m:val="|"/>
-                                <m:ctrlPr>
-                                  <a:rPr lang="en-US" sz="2800" b="0" i="1" smtClean="0">
-                                    <a:latin typeface="Cambria Math"/>
-                                  </a:rPr>
-                                </m:ctrlPr>
-                              </m:dPr>
-                              <m:e>
-                                <m:r>
-                                  <a:rPr lang="en-US" sz="2800" b="1" i="1">
-                                    <a:latin typeface="Cambria Math"/>
-                                  </a:rPr>
-                                  <m:t>𝒒</m:t>
-                                </m:r>
-                                <m:r>
-                                  <a:rPr lang="en-US" sz="2800" i="1">
-                                    <a:latin typeface="Cambria Math"/>
-                                  </a:rPr>
-                                  <m:t>−</m:t>
-                                </m:r>
-                                <m:sSub>
-                                  <m:sSubPr>
-                                    <m:ctrlPr>
-                                      <a:rPr lang="en-US" sz="2800" b="1" i="1">
-                                        <a:latin typeface="Cambria Math"/>
-                                      </a:rPr>
-                                    </m:ctrlPr>
-                                  </m:sSubPr>
-                                  <m:e>
-                                    <m:r>
-                                      <a:rPr lang="en-US" sz="2800" b="1" i="1">
-                                        <a:latin typeface="Cambria Math"/>
-                                      </a:rPr>
-                                      <m:t>𝒙</m:t>
-                                    </m:r>
-                                  </m:e>
-                                  <m:sub>
-                                    <m:r>
-                                      <a:rPr lang="en-US" sz="2800" i="1">
-                                        <a:latin typeface="Cambria Math"/>
-                                      </a:rPr>
-                                      <m:t>𝑖</m:t>
-                                    </m:r>
-                                  </m:sub>
-                                </m:sSub>
-                              </m:e>
-                            </m:d>
-                          </m:e>
-                        </m:d>
-                      </m:e>
-                      <m:sub>
-                        <m:r>
-                          <a:rPr lang="en-US" sz="2800" b="1" i="1" smtClean="0">
-                            <a:latin typeface="Cambria Math"/>
-                          </a:rPr>
-                          <m:t>𝟐</m:t>
-                        </m:r>
-                      </m:sub>
-                    </m:sSub>
-                    <m:r>
-                      <a:rPr lang="en-US" sz="2800" b="1" i="1" smtClean="0">
-                        <a:latin typeface="Cambria Math"/>
-                      </a:rPr>
-                      <m:t>≈</m:t>
-                    </m:r>
-                    <m:sSub>
-                      <m:sSubPr>
-                        <m:ctrlPr>
-                          <a:rPr lang="en-US" sz="2800" b="1" i="1" smtClean="0">
-                            <a:latin typeface="Cambria Math"/>
-                          </a:rPr>
-                        </m:ctrlPr>
-                      </m:sSubPr>
-                      <m:e>
-                        <m:d>
-                          <m:dPr>
-                            <m:begChr m:val="|"/>
-                            <m:endChr m:val="|"/>
-                            <m:ctrlPr>
-                              <a:rPr lang="en-US" sz="2800" b="1" i="1" smtClean="0">
-                                <a:latin typeface="Cambria Math"/>
-                              </a:rPr>
-                            </m:ctrlPr>
-                          </m:dPr>
-                          <m:e>
-                            <m:d>
-                              <m:dPr>
-                                <m:begChr m:val="|"/>
-                                <m:endChr m:val="|"/>
-                                <m:ctrlPr>
-                                  <a:rPr lang="en-US" sz="2800" b="1" i="1" smtClean="0">
-                                    <a:latin typeface="Cambria Math"/>
-                                  </a:rPr>
-                                </m:ctrlPr>
-                              </m:dPr>
-                              <m:e>
-                                <m:r>
-                                  <a:rPr lang="en-US" sz="2800" i="1">
-                                    <a:latin typeface="Cambria Math"/>
-                                  </a:rPr>
-                                  <m:t>𝑓</m:t>
-                                </m:r>
-                                <m:d>
-                                  <m:dPr>
-                                    <m:ctrlPr>
-                                      <a:rPr lang="en-US" sz="2800" i="1">
-                                        <a:latin typeface="Cambria Math"/>
-                                      </a:rPr>
-                                    </m:ctrlPr>
-                                  </m:dPr>
-                                  <m:e>
-                                    <m:r>
-                                      <a:rPr lang="en-US" sz="2800" b="1" i="1">
-                                        <a:latin typeface="Cambria Math"/>
-                                      </a:rPr>
-                                      <m:t>𝒒</m:t>
-                                    </m:r>
-                                  </m:e>
-                                </m:d>
-                                <m:r>
-                                  <a:rPr lang="en-US" sz="2800" b="1" i="1">
-                                    <a:latin typeface="Cambria Math"/>
-                                  </a:rPr>
-                                  <m:t>−</m:t>
-                                </m:r>
-                                <m:r>
-                                  <a:rPr lang="en-US" sz="2800" i="1">
-                                    <a:latin typeface="Cambria Math"/>
-                                  </a:rPr>
-                                  <m:t>𝑓</m:t>
-                                </m:r>
-                                <m:d>
-                                  <m:dPr>
-                                    <m:ctrlPr>
-                                      <a:rPr lang="en-US" sz="2800" i="1">
-                                        <a:latin typeface="Cambria Math"/>
-                                      </a:rPr>
-                                    </m:ctrlPr>
-                                  </m:dPr>
-                                  <m:e>
-                                    <m:r>
-                                      <a:rPr lang="en-US" sz="2800" b="1" i="1">
-                                        <a:latin typeface="Cambria Math"/>
-                                      </a:rPr>
-                                      <m:t>𝒙</m:t>
-                                    </m:r>
-                                  </m:e>
-                                </m:d>
-                              </m:e>
-                            </m:d>
-                          </m:e>
-                        </m:d>
-                      </m:e>
-                      <m:sub>
-                        <m:r>
-                          <a:rPr lang="en-US" sz="2800" b="1" i="1" smtClean="0">
-                            <a:latin typeface="Cambria Math"/>
-                          </a:rPr>
-                          <m:t>𝟐</m:t>
-                        </m:r>
-                      </m:sub>
-                    </m:sSub>
-                  </m:oMath>
-                </a14:m>
-                <a:r>
-                  <a:rPr lang="en-US" sz="2800" b="0" i="1" dirty="0" smtClean="0">
-                    <a:solidFill>
-                      <a:schemeClr val="tx1"/>
-                    </a:solidFill>
-                    <a:latin typeface="Cambria Math"/>
-                  </a:rPr>
-                  <a:t> </a:t>
-                </a:r>
-                <a:r>
-                  <a:rPr lang="en-US" sz="2800" b="0" dirty="0" smtClean="0">
-                    <a:solidFill>
-                      <a:schemeClr val="tx1"/>
-                    </a:solidFill>
-                    <a:latin typeface="Cambria Math"/>
-                  </a:rPr>
-                  <a:t>(prob. </a:t>
-                </a:r>
-                <a14:m>
-                  <m:oMath xmlns:m="http://schemas.openxmlformats.org/officeDocument/2006/math">
-                    <m:r>
-                      <a:rPr lang="en-US" sz="2800" i="1">
-                        <a:latin typeface="Cambria Math"/>
-                      </a:rPr>
-                      <m:t>1−</m:t>
-                    </m:r>
-                    <m:sSup>
-                      <m:sSupPr>
-                        <m:ctrlPr>
-                          <a:rPr lang="en-US" sz="2800" b="0" i="1" smtClean="0">
-                            <a:latin typeface="Cambria Math"/>
-                          </a:rPr>
-                        </m:ctrlPr>
-                      </m:sSupPr>
-                      <m:e>
-                        <m:r>
-                          <a:rPr lang="en-US" sz="2800" i="1" smtClean="0">
-                            <a:latin typeface="Cambria Math"/>
-                          </a:rPr>
-                          <m:t>𝑛</m:t>
-                        </m:r>
-                      </m:e>
-                      <m:sup>
-                        <m:r>
-                          <a:rPr lang="en-US" sz="2800" b="0" i="1" smtClean="0">
-                            <a:latin typeface="Cambria Math"/>
-                          </a:rPr>
-                          <m:t>−</m:t>
-                        </m:r>
-                        <m:r>
-                          <a:rPr lang="en-US" sz="2800" b="0" i="1" smtClean="0">
-                            <a:latin typeface="Cambria Math"/>
-                          </a:rPr>
-                          <m:t>𝛾</m:t>
-                        </m:r>
-                      </m:sup>
-                    </m:sSup>
-                  </m:oMath>
-                </a14:m>
-                <a:r>
-                  <a:rPr lang="en-US" sz="2800" b="0" dirty="0" smtClean="0">
-                    <a:solidFill>
-                      <a:schemeClr val="tx1"/>
-                    </a:solidFill>
-                    <a:latin typeface="Cambria Math"/>
-                  </a:rPr>
-                  <a:t>)</a:t>
-                </a:r>
-              </a:p>
-              <a:p>
-                <a:pPr marL="285750" indent="-285750">
-                  <a:buFont typeface="Arial" pitchFamily="34" charset="0"/>
-                  <a:buChar char="•"/>
-                </a:pPr>
-                <a:r>
-                  <a:rPr lang="en-US" sz="2800" dirty="0" smtClean="0"/>
-                  <a:t>Union bound: </a:t>
-                </a:r>
-              </a:p>
-              <a:p>
-                <a:r>
-                  <a:rPr lang="en-US" sz="2800" dirty="0"/>
-                  <a:t>F</a:t>
-                </a:r>
-                <a:r>
-                  <a:rPr lang="en-US" sz="2800" dirty="0" smtClean="0"/>
-                  <a:t>or fixed </a:t>
-                </a:r>
-                <a14:m>
-                  <m:oMath xmlns:m="http://schemas.openxmlformats.org/officeDocument/2006/math">
-                    <m:r>
-                      <a:rPr lang="en-US" sz="2800" b="1" i="1">
-                        <a:latin typeface="Cambria Math"/>
-                      </a:rPr>
-                      <m:t>𝒒</m:t>
-                    </m:r>
-                  </m:oMath>
-                </a14:m>
-                <a:r>
-                  <a:rPr lang="en-US" sz="2800" dirty="0" smtClean="0"/>
-                  <a:t> distances to </a:t>
-                </a:r>
-                <a14:m>
-                  <m:oMath xmlns:m="http://schemas.openxmlformats.org/officeDocument/2006/math">
-                    <m:r>
-                      <a:rPr lang="en-US" sz="2800" b="1" i="1" smtClean="0">
-                        <a:latin typeface="Cambria Math"/>
-                      </a:rPr>
-                      <m:t>𝑨</m:t>
-                    </m:r>
-                  </m:oMath>
-                </a14:m>
-                <a:r>
-                  <a:rPr lang="en-US" sz="2800" dirty="0" smtClean="0"/>
-                  <a:t> preserved with prob. </a:t>
-                </a:r>
-                <a14:m>
-                  <m:oMath xmlns:m="http://schemas.openxmlformats.org/officeDocument/2006/math">
-                    <m:r>
-                      <a:rPr lang="en-US" sz="2800" b="0" i="1" smtClean="0">
-                        <a:latin typeface="Cambria Math"/>
-                      </a:rPr>
-                      <m:t>1−</m:t>
-                    </m:r>
-                    <m:sSup>
-                      <m:sSupPr>
-                        <m:ctrlPr>
-                          <a:rPr lang="en-US" sz="2800" b="0" i="1" smtClean="0">
-                            <a:latin typeface="Cambria Math"/>
-                          </a:rPr>
-                        </m:ctrlPr>
-                      </m:sSupPr>
-                      <m:e>
-                        <m:r>
-                          <a:rPr lang="en-US" sz="2800" b="0" i="1" smtClean="0">
-                            <a:latin typeface="Cambria Math"/>
-                          </a:rPr>
-                          <m:t>𝑛</m:t>
-                        </m:r>
-                      </m:e>
-                      <m:sup>
-                        <m:r>
-                          <a:rPr lang="en-US" sz="2800" b="0" i="1" smtClean="0">
-                            <a:latin typeface="Cambria Math"/>
-                          </a:rPr>
-                          <m:t>−</m:t>
-                        </m:r>
-                        <m:r>
-                          <a:rPr lang="en-US" sz="2800" b="0" i="1" smtClean="0">
-                            <a:latin typeface="Cambria Math"/>
-                          </a:rPr>
-                          <m:t>𝛾</m:t>
-                        </m:r>
-                        <m:r>
-                          <a:rPr lang="en-US" sz="2800" b="0" i="1" smtClean="0">
-                            <a:latin typeface="Cambria Math"/>
-                          </a:rPr>
-                          <m:t>+1</m:t>
-                        </m:r>
-                      </m:sup>
-                    </m:sSup>
-                  </m:oMath>
-                </a14:m>
-                <a:endParaRPr lang="en-US" sz="2800" dirty="0" smtClean="0"/>
-              </a:p>
-              <a:p>
-                <a:endParaRPr lang="en-US" sz="3200" dirty="0"/>
-              </a:p>
-            </p:txBody>
-          </p:sp>
-        </mc:Choice>
-        <mc:Fallback>
-          <p:sp>
-            <p:nvSpPr>
-              <p:cNvPr id="7" name="TextBox 6"/>
-              <p:cNvSpPr txBox="1">
-                <a:spLocks noRot="1" noChangeAspect="1" noMove="1" noResize="1" noEditPoints="1" noAdjustHandles="1" noChangeArrowheads="1" noChangeShapeType="1" noTextEdit="1"/>
-              </p:cNvSpPr>
-              <p:nvPr/>
-            </p:nvSpPr>
-            <p:spPr>
-              <a:xfrm>
-                <a:off x="214744" y="4114800"/>
-                <a:ext cx="8929255" cy="2658035"/>
-              </a:xfrm>
-              <a:prstGeom prst="rect">
-                <a:avLst/>
-              </a:prstGeom>
-              <a:blipFill rotWithShape="1">
-                <a:blip r:embed="rId4"/>
-                <a:stretch>
-                  <a:fillRect l="-1365"/>
-                </a:stretch>
-              </a:blipFill>
-            </p:spPr>
-            <p:txBody>
-              <a:bodyPr/>
-              <a:lstStyle/>
-              <a:p>
-                <a:r>
-                  <a:rPr lang="en-US">
-                    <a:noFill/>
-                  </a:rPr>
-                  <a:t> </a:t>
-                </a:r>
-              </a:p>
-            </p:txBody>
-          </p:sp>
-        </mc:Fallback>
-      </mc:AlternateContent>
-    </p:spTree>
-    <p:extLst>
-      <p:ext uri="{BB962C8B-B14F-4D97-AF65-F5344CB8AC3E}">
-        <p14:creationId xmlns:p14="http://schemas.microsoft.com/office/powerpoint/2010/main" val="3644689771"/>
-      </p:ext>
-    </p:extLst>
-  </p:cSld>
-  <p:clrMapOvr>
-    <a:masterClrMapping/>
-  </p:clrMapOvr>
-  <p:timing>
-    <p:tnLst>
-      <p:par>
-        <p:cTn id="1" dur="indefinite" restart="never" nodeType="tmRoot">
-          <p:childTnLst>
-            <p:seq concurrent="1" nextAc="seek">
-              <p:cTn id="2" dur="indefinite" nodeType="mainSeq">
-                <p:childTnLst>
-                  <p:par>
-                    <p:cTn id="3" fill="hold">
-                      <p:stCondLst>
-                        <p:cond delay="indefinite"/>
-                        <p:cond evt="onBegin" delay="0">
-                          <p:tn val="2"/>
-                        </p:cond>
-                      </p:stCondLst>
-                      <p:childTnLst>
-                        <p:par>
-                          <p:cTn id="4" fill="hold">
-                            <p:stCondLst>
-                              <p:cond delay="0"/>
-                            </p:stCondLst>
-                            <p:childTnLst>
-                              <p:par>
-                                <p:cTn id="5" presetID="1" presetClass="entr" presetSubtype="0" fill="hold" grpId="0" nodeType="withEffect">
-                                  <p:stCondLst>
-                                    <p:cond delay="0"/>
-                                  </p:stCondLst>
-                                  <p:childTnLst>
-                                    <p:set>
-                                      <p:cBhvr>
-                                        <p:cTn id="6" dur="1" fill="hold">
-                                          <p:stCondLst>
-                                            <p:cond delay="0"/>
-                                          </p:stCondLst>
-                                        </p:cTn>
-                                        <p:tgtEl>
-                                          <p:spTgt spid="4"/>
-                                        </p:tgtEl>
-                                        <p:attrNameLst>
-                                          <p:attrName>style.visibility</p:attrName>
-                                        </p:attrNameLst>
-                                      </p:cBhvr>
-                                      <p:to>
-                                        <p:strVal val="visible"/>
-                                      </p:to>
-                                    </p:set>
-                                  </p:childTnLst>
-                                </p:cTn>
-                              </p:par>
-                              <p:par>
-                                <p:cTn id="7" presetID="1" presetClass="entr" presetSubtype="0" fill="hold" nodeType="withEffect">
-                                  <p:stCondLst>
-                                    <p:cond delay="0"/>
-                                  </p:stCondLst>
-                                  <p:childTnLst>
-                                    <p:set>
-                                      <p:cBhvr>
-                                        <p:cTn id="8" dur="1" fill="hold">
-                                          <p:stCondLst>
-                                            <p:cond delay="0"/>
-                                          </p:stCondLst>
-                                        </p:cTn>
-                                        <p:tgtEl>
-                                          <p:spTgt spid="3">
-                                            <p:txEl>
-                                              <p:pRg st="0" end="0"/>
-                                            </p:txEl>
-                                          </p:spTgt>
-                                        </p:tgtEl>
-                                        <p:attrNameLst>
-                                          <p:attrName>style.visibility</p:attrName>
-                                        </p:attrNameLst>
-                                      </p:cBhvr>
-                                      <p:to>
-                                        <p:strVal val="visible"/>
-                                      </p:to>
-                                    </p:set>
-                                  </p:childTnLst>
-                                </p:cTn>
-                              </p:par>
-                              <p:par>
-                                <p:cTn id="9" presetID="1" presetClass="entr" presetSubtype="0" fill="hold" nodeType="withEffect">
-                                  <p:stCondLst>
-                                    <p:cond delay="0"/>
-                                  </p:stCondLst>
-                                  <p:childTnLst>
-                                    <p:set>
-                                      <p:cBhvr>
-                                        <p:cTn id="10" dur="1" fill="hold">
-                                          <p:stCondLst>
-                                            <p:cond delay="0"/>
-                                          </p:stCondLst>
-                                        </p:cTn>
-                                        <p:tgtEl>
-                                          <p:spTgt spid="3">
-                                            <p:txEl>
-                                              <p:pRg st="1" end="1"/>
-                                            </p:txEl>
-                                          </p:spTgt>
-                                        </p:tgtEl>
-                                        <p:attrNameLst>
-                                          <p:attrName>style.visibility</p:attrName>
-                                        </p:attrNameLst>
-                                      </p:cBhvr>
-                                      <p:to>
-                                        <p:strVal val="visible"/>
-                                      </p:to>
-                                    </p:set>
-                                  </p:childTnLst>
-                                </p:cTn>
-                              </p:par>
-                            </p:childTnLst>
-                          </p:cTn>
-                        </p:par>
-                      </p:childTnLst>
-                    </p:cTn>
-                  </p:par>
-                  <p:par>
-                    <p:cTn id="11" fill="hold">
-                      <p:stCondLst>
-                        <p:cond delay="indefinite"/>
-                      </p:stCondLst>
-                      <p:childTnLst>
-                        <p:par>
-                          <p:cTn id="12" fill="hold">
-                            <p:stCondLst>
-                              <p:cond delay="0"/>
-                            </p:stCondLst>
-                            <p:childTnLst>
-                              <p:par>
-                                <p:cTn id="13" presetID="1" presetClass="entr" presetSubtype="0" fill="hold" nodeType="clickEffect">
-                                  <p:stCondLst>
-                                    <p:cond delay="0"/>
-                                  </p:stCondLst>
-                                  <p:childTnLst>
-                                    <p:set>
-                                      <p:cBhvr>
-                                        <p:cTn id="14" dur="1" fill="hold">
-                                          <p:stCondLst>
-                                            <p:cond delay="0"/>
-                                          </p:stCondLst>
-                                        </p:cTn>
-                                        <p:tgtEl>
-                                          <p:spTgt spid="5">
-                                            <p:txEl>
-                                              <p:pRg st="0" end="0"/>
-                                            </p:txEl>
-                                          </p:spTgt>
-                                        </p:tgtEl>
-                                        <p:attrNameLst>
-                                          <p:attrName>style.visibility</p:attrName>
-                                        </p:attrNameLst>
-                                      </p:cBhvr>
-                                      <p:to>
-                                        <p:strVal val="visible"/>
-                                      </p:to>
-                                    </p:set>
-                                  </p:childTnLst>
-                                </p:cTn>
-                              </p:par>
-                            </p:childTnLst>
-                          </p:cTn>
-                        </p:par>
-                      </p:childTnLst>
-                    </p:cTn>
-                  </p:par>
-                  <p:par>
-                    <p:cTn id="15" fill="hold">
-                      <p:stCondLst>
-                        <p:cond delay="indefinite"/>
-                      </p:stCondLst>
-                      <p:childTnLst>
-                        <p:par>
-                          <p:cTn id="16" fill="hold">
-                            <p:stCondLst>
-                              <p:cond delay="0"/>
-                            </p:stCondLst>
-                            <p:childTnLst>
-                              <p:par>
-                                <p:cTn id="17" presetID="1" presetClass="entr" presetSubtype="0" fill="hold" nodeType="clickEffect">
-                                  <p:stCondLst>
-                                    <p:cond delay="0"/>
-                                  </p:stCondLst>
-                                  <p:childTnLst>
-                                    <p:set>
-                                      <p:cBhvr>
-                                        <p:cTn id="18" dur="1" fill="hold">
-                                          <p:stCondLst>
-                                            <p:cond delay="0"/>
-                                          </p:stCondLst>
-                                        </p:cTn>
-                                        <p:tgtEl>
-                                          <p:spTgt spid="7">
-                                            <p:txEl>
-                                              <p:pRg st="0" end="0"/>
-                                            </p:txEl>
-                                          </p:spTgt>
-                                        </p:tgtEl>
-                                        <p:attrNameLst>
-                                          <p:attrName>style.visibility</p:attrName>
-                                        </p:attrNameLst>
-                                      </p:cBhvr>
-                                      <p:to>
-                                        <p:strVal val="visible"/>
-                                      </p:to>
-                                    </p:set>
-                                  </p:childTnLst>
-                                </p:cTn>
-                              </p:par>
-                            </p:childTnLst>
-                          </p:cTn>
-                        </p:par>
-                      </p:childTnLst>
-                    </p:cTn>
-                  </p:par>
-                  <p:par>
-                    <p:cTn id="19" fill="hold">
-                      <p:stCondLst>
-                        <p:cond delay="indefinite"/>
-                      </p:stCondLst>
-                      <p:childTnLst>
-                        <p:par>
-                          <p:cTn id="20" fill="hold">
-                            <p:stCondLst>
-                              <p:cond delay="0"/>
-                            </p:stCondLst>
-                            <p:childTnLst>
-                              <p:par>
-                                <p:cTn id="21" presetID="1" presetClass="entr" presetSubtype="0" fill="hold" nodeType="clickEffect">
-                                  <p:stCondLst>
-                                    <p:cond delay="0"/>
-                                  </p:stCondLst>
-                                  <p:childTnLst>
-                                    <p:set>
-                                      <p:cBhvr>
-                                        <p:cTn id="22" dur="1" fill="hold">
-                                          <p:stCondLst>
-                                            <p:cond delay="0"/>
-                                          </p:stCondLst>
-                                        </p:cTn>
-                                        <p:tgtEl>
-                                          <p:spTgt spid="7">
-                                            <p:txEl>
-                                              <p:pRg st="1" end="1"/>
-                                            </p:txEl>
-                                          </p:spTgt>
-                                        </p:tgtEl>
-                                        <p:attrNameLst>
-                                          <p:attrName>style.visibility</p:attrName>
-                                        </p:attrNameLst>
-                                      </p:cBhvr>
-                                      <p:to>
-                                        <p:strVal val="visible"/>
-                                      </p:to>
-                                    </p:set>
-                                  </p:childTnLst>
-                                </p:cTn>
-                              </p:par>
-                            </p:childTnLst>
-                          </p:cTn>
-                        </p:par>
-                      </p:childTnLst>
-                    </p:cTn>
-                  </p:par>
-                  <p:par>
-                    <p:cTn id="23" fill="hold">
-                      <p:stCondLst>
-                        <p:cond delay="indefinite"/>
-                      </p:stCondLst>
-                      <p:childTnLst>
-                        <p:par>
-                          <p:cTn id="24" fill="hold">
-                            <p:stCondLst>
-                              <p:cond delay="0"/>
-                            </p:stCondLst>
-                            <p:childTnLst>
-                              <p:par>
-                                <p:cTn id="25" presetID="1" presetClass="entr" presetSubtype="0" fill="hold" nodeType="clickEffect">
-                                  <p:stCondLst>
-                                    <p:cond delay="0"/>
-                                  </p:stCondLst>
-                                  <p:childTnLst>
-                                    <p:set>
-                                      <p:cBhvr>
-                                        <p:cTn id="26" dur="1" fill="hold">
-                                          <p:stCondLst>
-                                            <p:cond delay="0"/>
-                                          </p:stCondLst>
-                                        </p:cTn>
-                                        <p:tgtEl>
-                                          <p:spTgt spid="7">
-                                            <p:txEl>
-                                              <p:pRg st="2" end="2"/>
-                                            </p:txEl>
-                                          </p:spTgt>
-                                        </p:tgtEl>
-                                        <p:attrNameLst>
-                                          <p:attrName>style.visibility</p:attrName>
-                                        </p:attrNameLst>
-                                      </p:cBhvr>
-                                      <p:to>
-                                        <p:strVal val="visible"/>
-                                      </p:to>
-                                    </p:set>
-                                  </p:childTnLst>
-                                </p:cTn>
-                              </p:par>
-                              <p:par>
-                                <p:cTn id="27" presetID="1" presetClass="entr" presetSubtype="0" fill="hold" nodeType="withEffect">
-                                  <p:stCondLst>
-                                    <p:cond delay="0"/>
-                                  </p:stCondLst>
-                                  <p:childTnLst>
-                                    <p:set>
-                                      <p:cBhvr>
-                                        <p:cTn id="28" dur="1" fill="hold">
-                                          <p:stCondLst>
-                                            <p:cond delay="0"/>
-                                          </p:stCondLst>
-                                        </p:cTn>
-                                        <p:tgtEl>
-                                          <p:spTgt spid="7">
-                                            <p:txEl>
-                                              <p:pRg st="3" end="3"/>
-                                            </p:txEl>
-                                          </p:spTgt>
-                                        </p:tgtEl>
-                                        <p:attrNameLst>
-                                          <p:attrName>style.visibility</p:attrName>
-                                        </p:attrNameLst>
-                                      </p:cBhvr>
-                                      <p:to>
-                                        <p:strVal val="visible"/>
-                                      </p:to>
-                                    </p:set>
-                                  </p:childTnLst>
-                                </p:cTn>
-                              </p:par>
-                            </p:childTnLst>
-                          </p:cTn>
-                        </p:par>
-                      </p:childTnLst>
-                    </p:cTn>
-                  </p:par>
-                </p:childTnLst>
-              </p:cTn>
-              <p:prevCondLst>
-                <p:cond evt="onPrev" delay="0">
-                  <p:tgtEl>
-                    <p:sldTgt/>
-                  </p:tgtEl>
-                </p:cond>
-              </p:prevCondLst>
-              <p:nextCondLst>
-                <p:cond evt="onNext" delay="0">
-                  <p:tgtEl>
-                    <p:sldTgt/>
-                  </p:tgtEl>
-                </p:cond>
-              </p:nextCondLst>
-            </p:seq>
-          </p:childTnLst>
-        </p:cTn>
-      </p:par>
-    </p:tnLst>
-    <p:bldLst>
-      <p:bldP spid="4" grpId="0" animBg="1"/>
     </p:bldLst>
   </p:timing>
 </p:sld>
